--- a/lectures/src/SDK-compute.pptx
+++ b/lectures/src/SDK-compute.pptx
@@ -5,21 +5,25 @@
     <p:sldMasterId id="2147483660" r:id="rId1"/>
   </p:sldMasterIdLst>
   <p:notesMasterIdLst>
-    <p:notesMasterId r:id="rId11"/>
+    <p:notesMasterId r:id="rId15"/>
   </p:notesMasterIdLst>
   <p:handoutMasterIdLst>
-    <p:handoutMasterId r:id="rId12"/>
+    <p:handoutMasterId r:id="rId16"/>
   </p:handoutMasterIdLst>
   <p:sldIdLst>
     <p:sldId id="286" r:id="rId2"/>
     <p:sldId id="287" r:id="rId3"/>
     <p:sldId id="288" r:id="rId4"/>
-    <p:sldId id="289" r:id="rId5"/>
-    <p:sldId id="290" r:id="rId6"/>
-    <p:sldId id="291" r:id="rId7"/>
-    <p:sldId id="292" r:id="rId8"/>
-    <p:sldId id="294" r:id="rId9"/>
-    <p:sldId id="293" r:id="rId10"/>
+    <p:sldId id="295" r:id="rId5"/>
+    <p:sldId id="289" r:id="rId6"/>
+    <p:sldId id="296" r:id="rId7"/>
+    <p:sldId id="290" r:id="rId8"/>
+    <p:sldId id="291" r:id="rId9"/>
+    <p:sldId id="298" r:id="rId10"/>
+    <p:sldId id="292" r:id="rId11"/>
+    <p:sldId id="294" r:id="rId12"/>
+    <p:sldId id="293" r:id="rId13"/>
+    <p:sldId id="297" r:id="rId14"/>
   </p:sldIdLst>
   <p:sldSz cx="12192000" cy="6858000"/>
   <p:notesSz cx="6858000" cy="9144000"/>
@@ -143,7 +147,7 @@
 <file path=ppt/revisionInfo.xml><?xml version="1.0" encoding="utf-8"?>
 <p1510:revInfo xmlns:a="http://schemas.openxmlformats.org/drawingml/2006/main" xmlns:r="http://schemas.openxmlformats.org/officeDocument/2006/relationships" xmlns:p1510="http://schemas.microsoft.com/office/powerpoint/2015/10/main">
   <p1510:revLst>
-    <p1510:client id="{140716CD-FC2F-4EB0-81CC-FF76A3094E9C}" v="35" dt="2025-04-18T17:24:22.656"/>
+    <p1510:client id="{5C239C5E-70F7-4B3A-B1E6-37BEF7AA3A29}" v="48" dt="2025-09-01T22:06:15.156"/>
   </p1510:revLst>
 </p1510:revInfo>
 </file>
@@ -205,7 +209,7 @@
           <a:p>
             <a:fld id="{237A3326-6BE8-4DE2-A526-66D6DC5DC342}" type="datetimeFigureOut">
               <a:rPr lang="en-GB" smtClean="0"/>
-              <a:t>18/04/2025</a:t>
+              <a:t>01/09/2025</a:t>
             </a:fld>
             <a:endParaRPr lang="en-GB"/>
           </a:p>
@@ -382,7 +386,7 @@
           <a:p>
             <a:fld id="{198E9702-0021-4473-93B9-41638846F4C4}" type="datetimeFigureOut">
               <a:rPr lang="en-GB" smtClean="0"/>
-              <a:t>18/04/2025</a:t>
+              <a:t>01/09/2025</a:t>
             </a:fld>
             <a:endParaRPr lang="en-GB"/>
           </a:p>
@@ -894,7 +898,7 @@
           <a:p>
             <a:fld id="{B1836D41-3C4D-1D49-AA54-4231464E6415}" type="datetimeFigureOut">
               <a:rPr lang="en-US" smtClean="0"/>
-              <a:t>4/18/2025</a:t>
+              <a:t>9/1/2025</a:t>
             </a:fld>
             <a:endParaRPr lang="en-US"/>
           </a:p>
@@ -1098,7 +1102,7 @@
           <a:p>
             <a:fld id="{B1836D41-3C4D-1D49-AA54-4231464E6415}" type="datetimeFigureOut">
               <a:rPr lang="en-US" smtClean="0"/>
-              <a:t>4/18/2025</a:t>
+              <a:t>9/1/2025</a:t>
             </a:fld>
             <a:endParaRPr lang="en-US"/>
           </a:p>
@@ -1279,7 +1283,7 @@
           <a:p>
             <a:fld id="{B1836D41-3C4D-1D49-AA54-4231464E6415}" type="datetimeFigureOut">
               <a:rPr lang="en-US" smtClean="0"/>
-              <a:t>4/18/2025</a:t>
+              <a:t>9/1/2025</a:t>
             </a:fld>
             <a:endParaRPr lang="en-US"/>
           </a:p>
@@ -1454,7 +1458,7 @@
           <a:p>
             <a:fld id="{B1836D41-3C4D-1D49-AA54-4231464E6415}" type="datetimeFigureOut">
               <a:rPr lang="en-US" smtClean="0"/>
-              <a:t>4/18/2025</a:t>
+              <a:t>9/1/2025</a:t>
             </a:fld>
             <a:endParaRPr lang="en-US"/>
           </a:p>
@@ -1702,7 +1706,7 @@
           <a:p>
             <a:fld id="{B1836D41-3C4D-1D49-AA54-4231464E6415}" type="datetimeFigureOut">
               <a:rPr lang="en-US" smtClean="0"/>
-              <a:t>4/18/2025</a:t>
+              <a:t>9/1/2025</a:t>
             </a:fld>
             <a:endParaRPr lang="en-US"/>
           </a:p>
@@ -2019,7 +2023,7 @@
           <a:p>
             <a:fld id="{B1836D41-3C4D-1D49-AA54-4231464E6415}" type="datetimeFigureOut">
               <a:rPr lang="en-US" smtClean="0"/>
-              <a:t>4/18/2025</a:t>
+              <a:t>9/1/2025</a:t>
             </a:fld>
             <a:endParaRPr lang="en-US"/>
           </a:p>
@@ -2485,7 +2489,7 @@
           <a:p>
             <a:fld id="{B1836D41-3C4D-1D49-AA54-4231464E6415}" type="datetimeFigureOut">
               <a:rPr lang="en-US" smtClean="0"/>
-              <a:t>4/18/2025</a:t>
+              <a:t>9/1/2025</a:t>
             </a:fld>
             <a:endParaRPr lang="en-US"/>
           </a:p>
@@ -2632,7 +2636,7 @@
           <a:p>
             <a:fld id="{B1836D41-3C4D-1D49-AA54-4231464E6415}" type="datetimeFigureOut">
               <a:rPr lang="en-US" smtClean="0"/>
-              <a:t>4/18/2025</a:t>
+              <a:t>9/1/2025</a:t>
             </a:fld>
             <a:endParaRPr lang="en-US"/>
           </a:p>
@@ -2722,7 +2726,7 @@
           <a:p>
             <a:fld id="{B1836D41-3C4D-1D49-AA54-4231464E6415}" type="datetimeFigureOut">
               <a:rPr lang="en-US" smtClean="0"/>
-              <a:t>4/18/2025</a:t>
+              <a:t>9/1/2025</a:t>
             </a:fld>
             <a:endParaRPr lang="en-US"/>
           </a:p>
@@ -2996,7 +3000,7 @@
           <a:p>
             <a:fld id="{B1836D41-3C4D-1D49-AA54-4231464E6415}" type="datetimeFigureOut">
               <a:rPr lang="en-US" smtClean="0"/>
-              <a:t>4/18/2025</a:t>
+              <a:t>9/1/2025</a:t>
             </a:fld>
             <a:endParaRPr lang="en-US"/>
           </a:p>
@@ -3301,7 +3305,7 @@
           <a:p>
             <a:fld id="{B1836D41-3C4D-1D49-AA54-4231464E6415}" type="datetimeFigureOut">
               <a:rPr lang="en-US" smtClean="0"/>
-              <a:t>4/18/2025</a:t>
+              <a:t>9/1/2025</a:t>
             </a:fld>
             <a:endParaRPr lang="en-US"/>
           </a:p>
@@ -3598,7 +3602,7 @@
           <a:p>
             <a:fld id="{B1836D41-3C4D-1D49-AA54-4231464E6415}" type="datetimeFigureOut">
               <a:rPr lang="en-US" smtClean="0"/>
-              <a:t>4/18/2025</a:t>
+              <a:t>9/1/2025</a:t>
             </a:fld>
             <a:endParaRPr lang="en-US"/>
           </a:p>
@@ -4092,7 +4096,7 @@
               </a:ext>
             </a:extLst>
           </a:blip>
-          <a:srcRect t="23474" b="35163"/>
+          <a:srcRect/>
           <a:stretch/>
         </p:blipFill>
         <p:spPr bwMode="auto">
@@ -4184,7 +4188,7 @@
               </a:ext>
             </a:extLst>
           </a:blip>
-          <a:srcRect l="10410" t="10574" r="12932" b="12106"/>
+          <a:srcRect/>
           <a:stretch/>
         </p:blipFill>
         <p:spPr bwMode="auto">
@@ -4220,1950 +4224,7 @@
 </p:sld>
 </file>
 
-<file path=ppt/slides/slide2.xml><?xml version="1.0" encoding="utf-8"?>
-<p:sld xmlns:a="http://schemas.openxmlformats.org/drawingml/2006/main" xmlns:r="http://schemas.openxmlformats.org/officeDocument/2006/relationships" xmlns:p="http://schemas.openxmlformats.org/presentationml/2006/main">
-  <p:cSld>
-    <p:spTree>
-      <p:nvGrpSpPr>
-        <p:cNvPr id="1" name=""/>
-        <p:cNvGrpSpPr/>
-        <p:nvPr/>
-      </p:nvGrpSpPr>
-      <p:grpSpPr>
-        <a:xfrm>
-          <a:off x="0" y="0"/>
-          <a:ext cx="0" cy="0"/>
-          <a:chOff x="0" y="0"/>
-          <a:chExt cx="0" cy="0"/>
-        </a:xfrm>
-      </p:grpSpPr>
-      <p:pic>
-        <p:nvPicPr>
-          <p:cNvPr id="4" name="Picture 3">
-            <a:extLst>
-              <a:ext uri="{FF2B5EF4-FFF2-40B4-BE49-F238E27FC236}">
-                <a16:creationId xmlns:a16="http://schemas.microsoft.com/office/drawing/2014/main" id="{9DD0251A-DE53-B57B-2E9C-95CB67556F53}"/>
-              </a:ext>
-            </a:extLst>
-          </p:cNvPr>
-          <p:cNvPicPr>
-            <a:picLocks noChangeAspect="1"/>
-          </p:cNvPicPr>
-          <p:nvPr/>
-        </p:nvPicPr>
-        <p:blipFill>
-          <a:blip r:embed="rId2"/>
-          <a:stretch>
-            <a:fillRect/>
-          </a:stretch>
-        </p:blipFill>
-        <p:spPr>
-          <a:xfrm>
-            <a:off x="1919536" y="476672"/>
-            <a:ext cx="7553833" cy="2449566"/>
-          </a:xfrm>
-          <a:prstGeom prst="rect">
-            <a:avLst/>
-          </a:prstGeom>
-        </p:spPr>
-      </p:pic>
-      <p:sp>
-        <p:nvSpPr>
-          <p:cNvPr id="7" name="Right Brace 6">
-            <a:extLst>
-              <a:ext uri="{FF2B5EF4-FFF2-40B4-BE49-F238E27FC236}">
-                <a16:creationId xmlns:a16="http://schemas.microsoft.com/office/drawing/2014/main" id="{4D8CCDBD-0BAE-0538-22CB-562C9035572E}"/>
-              </a:ext>
-            </a:extLst>
-          </p:cNvPr>
-          <p:cNvSpPr/>
-          <p:nvPr/>
-        </p:nvSpPr>
-        <p:spPr>
-          <a:xfrm>
-            <a:off x="9408368" y="2915545"/>
-            <a:ext cx="360040" cy="3774920"/>
-          </a:xfrm>
-          <a:prstGeom prst="rightBrace">
-            <a:avLst/>
-          </a:prstGeom>
-          <a:ln w="19050">
-            <a:solidFill>
-              <a:schemeClr val="tx1"/>
-            </a:solidFill>
-          </a:ln>
-        </p:spPr>
-        <p:style>
-          <a:lnRef idx="1">
-            <a:schemeClr val="accent1"/>
-          </a:lnRef>
-          <a:fillRef idx="0">
-            <a:schemeClr val="accent1"/>
-          </a:fillRef>
-          <a:effectRef idx="0">
-            <a:schemeClr val="accent1"/>
-          </a:effectRef>
-          <a:fontRef idx="minor">
-            <a:schemeClr val="tx1"/>
-          </a:fontRef>
-        </p:style>
-        <p:txBody>
-          <a:bodyPr rtlCol="0" anchor="ctr"/>
-          <a:lstStyle/>
-          <a:p>
-            <a:pPr algn="ctr"/>
-            <a:endParaRPr lang="en-GB"/>
-          </a:p>
-        </p:txBody>
-      </p:sp>
-      <p:sp>
-        <p:nvSpPr>
-          <p:cNvPr id="8" name="TextBox 7">
-            <a:extLst>
-              <a:ext uri="{FF2B5EF4-FFF2-40B4-BE49-F238E27FC236}">
-                <a16:creationId xmlns:a16="http://schemas.microsoft.com/office/drawing/2014/main" id="{488222A6-50D9-8708-227A-453FFAA3C075}"/>
-              </a:ext>
-            </a:extLst>
-          </p:cNvPr>
-          <p:cNvSpPr txBox="1"/>
-          <p:nvPr/>
-        </p:nvSpPr>
-        <p:spPr>
-          <a:xfrm>
-            <a:off x="9797476" y="3140968"/>
-            <a:ext cx="2232248" cy="3139321"/>
-          </a:xfrm>
-          <a:prstGeom prst="rect">
-            <a:avLst/>
-          </a:prstGeom>
-          <a:noFill/>
-        </p:spPr>
-        <p:txBody>
-          <a:bodyPr wrap="square" rtlCol="0">
-            <a:spAutoFit/>
-          </a:bodyPr>
-          <a:lstStyle/>
-          <a:p>
-            <a:r>
-              <a:rPr lang="en-GB" dirty="0"/>
-              <a:t>The compute engine has a scalar, matrix and vector unit</a:t>
-            </a:r>
-          </a:p>
-          <a:p>
-            <a:pPr marL="285750" indent="-285750">
-              <a:buFont typeface="Arial" panose="020B0604020202020204" pitchFamily="34" charset="0"/>
-              <a:buChar char="•"/>
-            </a:pPr>
-            <a:r>
-              <a:rPr lang="en-GB" dirty="0" err="1"/>
-              <a:t>SrcA</a:t>
-            </a:r>
-            <a:r>
-              <a:rPr lang="en-GB" dirty="0"/>
-              <a:t> and </a:t>
-            </a:r>
-            <a:r>
-              <a:rPr lang="en-GB" dirty="0" err="1"/>
-              <a:t>SrcB</a:t>
-            </a:r>
-            <a:r>
-              <a:rPr lang="en-GB" dirty="0"/>
-              <a:t> are input registers</a:t>
-            </a:r>
-          </a:p>
-          <a:p>
-            <a:pPr marL="285750" indent="-285750">
-              <a:buFont typeface="Arial" panose="020B0604020202020204" pitchFamily="34" charset="0"/>
-              <a:buChar char="•"/>
-            </a:pPr>
-            <a:r>
-              <a:rPr lang="en-GB" dirty="0" err="1"/>
-              <a:t>Dst</a:t>
-            </a:r>
-            <a:r>
-              <a:rPr lang="en-GB" dirty="0"/>
-              <a:t> is an output register (and input register for Vector unit too)</a:t>
-            </a:r>
-          </a:p>
-        </p:txBody>
-      </p:sp>
-      <p:pic>
-        <p:nvPicPr>
-          <p:cNvPr id="10" name="Picture 9">
-            <a:extLst>
-              <a:ext uri="{FF2B5EF4-FFF2-40B4-BE49-F238E27FC236}">
-                <a16:creationId xmlns:a16="http://schemas.microsoft.com/office/drawing/2014/main" id="{60620C49-0A29-B825-64B9-7C904D069182}"/>
-              </a:ext>
-            </a:extLst>
-          </p:cNvPr>
-          <p:cNvPicPr>
-            <a:picLocks noChangeAspect="1"/>
-          </p:cNvPicPr>
-          <p:nvPr/>
-        </p:nvPicPr>
-        <p:blipFill>
-          <a:blip r:embed="rId3"/>
-          <a:stretch>
-            <a:fillRect/>
-          </a:stretch>
-        </p:blipFill>
-        <p:spPr>
-          <a:xfrm>
-            <a:off x="603473" y="2905981"/>
-            <a:ext cx="8709223" cy="3804742"/>
-          </a:xfrm>
-          <a:prstGeom prst="rect">
-            <a:avLst/>
-          </a:prstGeom>
-        </p:spPr>
-      </p:pic>
-    </p:spTree>
-    <p:extLst>
-      <p:ext uri="{BB962C8B-B14F-4D97-AF65-F5344CB8AC3E}">
-        <p14:creationId xmlns:p14="http://schemas.microsoft.com/office/powerpoint/2010/main" val="708325140"/>
-      </p:ext>
-    </p:extLst>
-  </p:cSld>
-  <p:clrMapOvr>
-    <a:masterClrMapping/>
-  </p:clrMapOvr>
-</p:sld>
-</file>
-
-<file path=ppt/slides/slide3.xml><?xml version="1.0" encoding="utf-8"?>
-<p:sld xmlns:a="http://schemas.openxmlformats.org/drawingml/2006/main" xmlns:r="http://schemas.openxmlformats.org/officeDocument/2006/relationships" xmlns:p="http://schemas.openxmlformats.org/presentationml/2006/main">
-  <p:cSld>
-    <p:spTree>
-      <p:nvGrpSpPr>
-        <p:cNvPr id="1" name=""/>
-        <p:cNvGrpSpPr/>
-        <p:nvPr/>
-      </p:nvGrpSpPr>
-      <p:grpSpPr>
-        <a:xfrm>
-          <a:off x="0" y="0"/>
-          <a:ext cx="0" cy="0"/>
-          <a:chOff x="0" y="0"/>
-          <a:chExt cx="0" cy="0"/>
-        </a:xfrm>
-      </p:grpSpPr>
-      <p:sp>
-        <p:nvSpPr>
-          <p:cNvPr id="2" name="Title 1">
-            <a:extLst>
-              <a:ext uri="{FF2B5EF4-FFF2-40B4-BE49-F238E27FC236}">
-                <a16:creationId xmlns:a16="http://schemas.microsoft.com/office/drawing/2014/main" id="{D0ECF74D-9939-B3E1-F0D3-7AEAD65CA0BE}"/>
-              </a:ext>
-            </a:extLst>
-          </p:cNvPr>
-          <p:cNvSpPr>
-            <a:spLocks noGrp="1"/>
-          </p:cNvSpPr>
-          <p:nvPr>
-            <p:ph type="title"/>
-          </p:nvPr>
-        </p:nvSpPr>
-        <p:spPr/>
-        <p:txBody>
-          <a:bodyPr/>
-          <a:lstStyle/>
-          <a:p>
-            <a:r>
-              <a:rPr lang="en-GB" dirty="0"/>
-              <a:t>A more accurate diagram….</a:t>
-            </a:r>
-          </a:p>
-        </p:txBody>
-      </p:sp>
-      <p:sp>
-        <p:nvSpPr>
-          <p:cNvPr id="3" name="Content Placeholder 2">
-            <a:extLst>
-              <a:ext uri="{FF2B5EF4-FFF2-40B4-BE49-F238E27FC236}">
-                <a16:creationId xmlns:a16="http://schemas.microsoft.com/office/drawing/2014/main" id="{7C87A92A-8282-F3C4-11D8-7928A89BD3D6}"/>
-              </a:ext>
-            </a:extLst>
-          </p:cNvPr>
-          <p:cNvSpPr>
-            <a:spLocks noGrp="1"/>
-          </p:cNvSpPr>
-          <p:nvPr>
-            <p:ph idx="1"/>
-          </p:nvPr>
-        </p:nvSpPr>
-        <p:spPr>
-          <a:xfrm>
-            <a:off x="6267972" y="1700808"/>
-            <a:ext cx="5516660" cy="4752528"/>
-          </a:xfrm>
-        </p:spPr>
-        <p:txBody>
-          <a:bodyPr>
-            <a:normAutofit lnSpcReduction="10000"/>
-          </a:bodyPr>
-          <a:lstStyle/>
-          <a:p>
-            <a:r>
-              <a:rPr lang="en-GB" dirty="0"/>
-              <a:t>The matrix unit can perform 2048 FP multiplies and 2048 FP additions per cycle</a:t>
-            </a:r>
-          </a:p>
-          <a:p>
-            <a:r>
-              <a:rPr lang="en-GB" dirty="0"/>
-              <a:t>The vector unit can perform 256 FP32 maths operations per second</a:t>
-            </a:r>
-          </a:p>
-          <a:p>
-            <a:endParaRPr lang="en-GB" dirty="0"/>
-          </a:p>
-          <a:p>
-            <a:r>
-              <a:rPr lang="en-GB" dirty="0"/>
-              <a:t>This is FP32(</a:t>
-            </a:r>
-            <a:r>
-              <a:rPr lang="en-GB" dirty="0" err="1"/>
-              <a:t>ish</a:t>
-            </a:r>
-            <a:r>
-              <a:rPr lang="en-GB" dirty="0"/>
-              <a:t>)</a:t>
-            </a:r>
-          </a:p>
-          <a:p>
-            <a:pPr lvl="1"/>
-            <a:r>
-              <a:rPr lang="en-GB" dirty="0"/>
-              <a:t>The matrix unit makes several sacrifices to IEEE compliance to achieve this performance</a:t>
-            </a:r>
-          </a:p>
-          <a:p>
-            <a:pPr lvl="1"/>
-            <a:r>
-              <a:rPr lang="en-GB" dirty="0"/>
-              <a:t>The vector unit is more accurate – so for HPC workloads is probably the one we would use</a:t>
-            </a:r>
-          </a:p>
-        </p:txBody>
-      </p:sp>
-      <p:pic>
-        <p:nvPicPr>
-          <p:cNvPr id="5" name="Picture 4">
-            <a:extLst>
-              <a:ext uri="{FF2B5EF4-FFF2-40B4-BE49-F238E27FC236}">
-                <a16:creationId xmlns:a16="http://schemas.microsoft.com/office/drawing/2014/main" id="{0C7B079F-3604-4D81-6A1B-B5819FC8308C}"/>
-              </a:ext>
-            </a:extLst>
-          </p:cNvPr>
-          <p:cNvPicPr>
-            <a:picLocks noChangeAspect="1"/>
-          </p:cNvPicPr>
-          <p:nvPr/>
-        </p:nvPicPr>
-        <p:blipFill>
-          <a:blip r:embed="rId2"/>
-          <a:stretch>
-            <a:fillRect/>
-          </a:stretch>
-        </p:blipFill>
-        <p:spPr>
-          <a:xfrm>
-            <a:off x="263352" y="1481800"/>
-            <a:ext cx="5660678" cy="4559349"/>
-          </a:xfrm>
-          <a:prstGeom prst="rect">
-            <a:avLst/>
-          </a:prstGeom>
-        </p:spPr>
-      </p:pic>
-      <p:sp>
-        <p:nvSpPr>
-          <p:cNvPr id="6" name="TextBox 5">
-            <a:extLst>
-              <a:ext uri="{FF2B5EF4-FFF2-40B4-BE49-F238E27FC236}">
-                <a16:creationId xmlns:a16="http://schemas.microsoft.com/office/drawing/2014/main" id="{266039DD-EC7F-3338-2323-7520AFFAB6D7}"/>
-              </a:ext>
-            </a:extLst>
-          </p:cNvPr>
-          <p:cNvSpPr txBox="1"/>
-          <p:nvPr/>
-        </p:nvSpPr>
-        <p:spPr>
-          <a:xfrm>
-            <a:off x="407368" y="6041149"/>
-            <a:ext cx="5328592" cy="276999"/>
-          </a:xfrm>
-          <a:prstGeom prst="rect">
-            <a:avLst/>
-          </a:prstGeom>
-          <a:noFill/>
-        </p:spPr>
-        <p:txBody>
-          <a:bodyPr wrap="square" rtlCol="0">
-            <a:spAutoFit/>
-          </a:bodyPr>
-          <a:lstStyle/>
-          <a:p>
-            <a:pPr algn="ctr"/>
-            <a:r>
-              <a:rPr lang="en-GB" sz="1200" i="1" dirty="0"/>
-              <a:t>From Pete Cawley’s blog at </a:t>
-            </a:r>
-            <a:r>
-              <a:rPr lang="en-GB" sz="1200" i="1" dirty="0">
-                <a:hlinkClick r:id="rId3"/>
-              </a:rPr>
-              <a:t>https://www.corsix.org/content/tt-wh-part7</a:t>
-            </a:r>
-            <a:r>
-              <a:rPr lang="en-GB" sz="1200" i="1" dirty="0"/>
-              <a:t> </a:t>
-            </a:r>
-          </a:p>
-        </p:txBody>
-      </p:sp>
-    </p:spTree>
-    <p:extLst>
-      <p:ext uri="{BB962C8B-B14F-4D97-AF65-F5344CB8AC3E}">
-        <p14:creationId xmlns:p14="http://schemas.microsoft.com/office/powerpoint/2010/main" val="1225405598"/>
-      </p:ext>
-    </p:extLst>
-  </p:cSld>
-  <p:clrMapOvr>
-    <a:masterClrMapping/>
-  </p:clrMapOvr>
-</p:sld>
-</file>
-
-<file path=ppt/slides/slide4.xml><?xml version="1.0" encoding="utf-8"?>
-<p:sld xmlns:a="http://schemas.openxmlformats.org/drawingml/2006/main" xmlns:r="http://schemas.openxmlformats.org/officeDocument/2006/relationships" xmlns:p="http://schemas.openxmlformats.org/presentationml/2006/main">
-  <p:cSld>
-    <p:spTree>
-      <p:nvGrpSpPr>
-        <p:cNvPr id="1" name=""/>
-        <p:cNvGrpSpPr/>
-        <p:nvPr/>
-      </p:nvGrpSpPr>
-      <p:grpSpPr>
-        <a:xfrm>
-          <a:off x="0" y="0"/>
-          <a:ext cx="0" cy="0"/>
-          <a:chOff x="0" y="0"/>
-          <a:chExt cx="0" cy="0"/>
-        </a:xfrm>
-      </p:grpSpPr>
-      <p:sp>
-        <p:nvSpPr>
-          <p:cNvPr id="2" name="Title 1">
-            <a:extLst>
-              <a:ext uri="{FF2B5EF4-FFF2-40B4-BE49-F238E27FC236}">
-                <a16:creationId xmlns:a16="http://schemas.microsoft.com/office/drawing/2014/main" id="{6830DE2E-43CF-7284-40FA-AA5A307106E3}"/>
-              </a:ext>
-            </a:extLst>
-          </p:cNvPr>
-          <p:cNvSpPr>
-            <a:spLocks noGrp="1"/>
-          </p:cNvSpPr>
-          <p:nvPr>
-            <p:ph type="title"/>
-          </p:nvPr>
-        </p:nvSpPr>
-        <p:spPr/>
-        <p:txBody>
-          <a:bodyPr/>
-          <a:lstStyle/>
-          <a:p>
-            <a:r>
-              <a:rPr lang="en-GB" dirty="0"/>
-              <a:t>Issuing compute operations to matrix unit</a:t>
-            </a:r>
-          </a:p>
-        </p:txBody>
-      </p:sp>
-      <p:sp>
-        <p:nvSpPr>
-          <p:cNvPr id="6" name="TextBox 5">
-            <a:extLst>
-              <a:ext uri="{FF2B5EF4-FFF2-40B4-BE49-F238E27FC236}">
-                <a16:creationId xmlns:a16="http://schemas.microsoft.com/office/drawing/2014/main" id="{910AB736-D18C-9CA5-ADBA-C03C121D193F}"/>
-              </a:ext>
-            </a:extLst>
-          </p:cNvPr>
-          <p:cNvSpPr txBox="1"/>
-          <p:nvPr/>
-        </p:nvSpPr>
-        <p:spPr>
-          <a:xfrm>
-            <a:off x="479376" y="2433947"/>
-            <a:ext cx="3312368" cy="1477328"/>
-          </a:xfrm>
-          <a:prstGeom prst="rect">
-            <a:avLst/>
-          </a:prstGeom>
-          <a:noFill/>
-        </p:spPr>
-        <p:txBody>
-          <a:bodyPr wrap="square" rtlCol="0">
-            <a:spAutoFit/>
-          </a:bodyPr>
-          <a:lstStyle/>
-          <a:p>
-            <a:pPr marL="285750" indent="-285750">
-              <a:buFont typeface="Arial" panose="020B0604020202020204" pitchFamily="34" charset="0"/>
-              <a:buChar char="•"/>
-            </a:pPr>
-            <a:r>
-              <a:rPr lang="en-GB" dirty="0"/>
-              <a:t>Wait for two CBs (LHS and RHS) to be available via </a:t>
-            </a:r>
-            <a:r>
-              <a:rPr lang="en-GB" i="1" dirty="0" err="1"/>
-              <a:t>cb_wait_front</a:t>
-            </a:r>
-            <a:r>
-              <a:rPr lang="en-GB" i="1" dirty="0"/>
-              <a:t> </a:t>
-            </a:r>
-            <a:r>
-              <a:rPr lang="en-GB" dirty="0"/>
-              <a:t>API call</a:t>
-            </a:r>
-            <a:endParaRPr lang="en-GB" i="1" dirty="0"/>
-          </a:p>
-          <a:p>
-            <a:pPr marL="285750" indent="-285750">
-              <a:buFont typeface="Arial" panose="020B0604020202020204" pitchFamily="34" charset="0"/>
-              <a:buChar char="•"/>
-            </a:pPr>
-            <a:endParaRPr lang="en-GB" dirty="0"/>
-          </a:p>
-          <a:p>
-            <a:pPr marL="285750" indent="-285750">
-              <a:buFont typeface="Arial" panose="020B0604020202020204" pitchFamily="34" charset="0"/>
-              <a:buChar char="•"/>
-            </a:pPr>
-            <a:endParaRPr lang="en-GB" i="1" dirty="0"/>
-          </a:p>
-        </p:txBody>
-      </p:sp>
-      <p:sp>
-        <p:nvSpPr>
-          <p:cNvPr id="7" name="TextBox 6">
-            <a:extLst>
-              <a:ext uri="{FF2B5EF4-FFF2-40B4-BE49-F238E27FC236}">
-                <a16:creationId xmlns:a16="http://schemas.microsoft.com/office/drawing/2014/main" id="{CFC138AE-F41E-CE14-F6F0-6CA0277F2FC0}"/>
-              </a:ext>
-            </a:extLst>
-          </p:cNvPr>
-          <p:cNvSpPr txBox="1"/>
-          <p:nvPr/>
-        </p:nvSpPr>
-        <p:spPr>
-          <a:xfrm>
-            <a:off x="4338038" y="2382775"/>
-            <a:ext cx="3486154" cy="4247317"/>
-          </a:xfrm>
-          <a:prstGeom prst="rect">
-            <a:avLst/>
-          </a:prstGeom>
-          <a:noFill/>
-        </p:spPr>
-        <p:txBody>
-          <a:bodyPr wrap="square" rtlCol="0">
-            <a:spAutoFit/>
-          </a:bodyPr>
-          <a:lstStyle/>
-          <a:p>
-            <a:pPr marL="285750" indent="-285750">
-              <a:buFont typeface="Arial" panose="020B0604020202020204" pitchFamily="34" charset="0"/>
-              <a:buChar char="•"/>
-            </a:pPr>
-            <a:r>
-              <a:rPr lang="en-GB" dirty="0"/>
-              <a:t>Acquire exclusive compute lock on DST (target) registers using </a:t>
-            </a:r>
-            <a:r>
-              <a:rPr lang="en-GB" i="1" dirty="0" err="1"/>
-              <a:t>tile_regs_aqcuire</a:t>
-            </a:r>
-            <a:r>
-              <a:rPr lang="en-GB" i="1" dirty="0"/>
-              <a:t> </a:t>
-            </a:r>
-            <a:r>
-              <a:rPr lang="en-GB" dirty="0"/>
-              <a:t>API call</a:t>
-            </a:r>
-          </a:p>
-          <a:p>
-            <a:pPr marL="285750" indent="-285750">
-              <a:buFont typeface="Arial" panose="020B0604020202020204" pitchFamily="34" charset="0"/>
-              <a:buChar char="•"/>
-            </a:pPr>
-            <a:endParaRPr lang="en-GB" i="1" dirty="0"/>
-          </a:p>
-          <a:p>
-            <a:pPr marL="285750" indent="-285750">
-              <a:buFont typeface="Arial" panose="020B0604020202020204" pitchFamily="34" charset="0"/>
-              <a:buChar char="•"/>
-            </a:pPr>
-            <a:r>
-              <a:rPr lang="en-GB" dirty="0"/>
-              <a:t>Issue corresponding matrix API call such as </a:t>
-            </a:r>
-            <a:r>
-              <a:rPr lang="en-GB" i="1" dirty="0" err="1"/>
-              <a:t>add_tiles</a:t>
-            </a:r>
-            <a:r>
-              <a:rPr lang="en-GB" i="1" dirty="0"/>
-              <a:t>, </a:t>
-            </a:r>
-            <a:r>
-              <a:rPr lang="en-GB" i="1" dirty="0" err="1"/>
-              <a:t>sub_tiles</a:t>
-            </a:r>
-            <a:r>
-              <a:rPr lang="en-GB" i="1" dirty="0"/>
-              <a:t>, </a:t>
-            </a:r>
-            <a:r>
-              <a:rPr lang="en-GB" i="1" dirty="0" err="1"/>
-              <a:t>mul_tiles</a:t>
-            </a:r>
-            <a:r>
-              <a:rPr lang="en-GB" i="1" dirty="0"/>
-              <a:t> </a:t>
-            </a:r>
-            <a:r>
-              <a:rPr lang="en-GB" dirty="0"/>
-              <a:t>with CB index as input</a:t>
-            </a:r>
-            <a:endParaRPr lang="en-GB" i="1" dirty="0"/>
-          </a:p>
-          <a:p>
-            <a:pPr marL="285750" indent="-285750">
-              <a:buFont typeface="Arial" panose="020B0604020202020204" pitchFamily="34" charset="0"/>
-              <a:buChar char="•"/>
-            </a:pPr>
-            <a:endParaRPr lang="en-GB" dirty="0"/>
-          </a:p>
-          <a:p>
-            <a:pPr marL="285750" indent="-285750">
-              <a:buFont typeface="Arial" panose="020B0604020202020204" pitchFamily="34" charset="0"/>
-              <a:buChar char="•"/>
-            </a:pPr>
-            <a:r>
-              <a:rPr lang="en-GB" dirty="0"/>
-              <a:t>Release exclusive compute lock on DST (target) registers using </a:t>
-            </a:r>
-            <a:r>
-              <a:rPr lang="en-GB" i="1" dirty="0" err="1"/>
-              <a:t>tile_regs_commit</a:t>
-            </a:r>
-            <a:r>
-              <a:rPr lang="en-GB" i="1" dirty="0"/>
-              <a:t> </a:t>
-            </a:r>
-            <a:r>
-              <a:rPr lang="en-GB" dirty="0"/>
-              <a:t>API call</a:t>
-            </a:r>
-          </a:p>
-          <a:p>
-            <a:pPr marL="285750" indent="-285750">
-              <a:buFont typeface="Arial" panose="020B0604020202020204" pitchFamily="34" charset="0"/>
-              <a:buChar char="•"/>
-            </a:pPr>
-            <a:endParaRPr lang="en-GB" i="1" dirty="0"/>
-          </a:p>
-        </p:txBody>
-      </p:sp>
-      <p:sp>
-        <p:nvSpPr>
-          <p:cNvPr id="8" name="TextBox 7">
-            <a:extLst>
-              <a:ext uri="{FF2B5EF4-FFF2-40B4-BE49-F238E27FC236}">
-                <a16:creationId xmlns:a16="http://schemas.microsoft.com/office/drawing/2014/main" id="{EF91AE2D-67A4-4F2E-AF67-F68B6BC0A31E}"/>
-              </a:ext>
-            </a:extLst>
-          </p:cNvPr>
-          <p:cNvSpPr txBox="1"/>
-          <p:nvPr/>
-        </p:nvSpPr>
-        <p:spPr>
-          <a:xfrm>
-            <a:off x="335360" y="1772816"/>
-            <a:ext cx="3240360" cy="369332"/>
-          </a:xfrm>
-          <a:prstGeom prst="rect">
-            <a:avLst/>
-          </a:prstGeom>
-          <a:noFill/>
-        </p:spPr>
-        <p:txBody>
-          <a:bodyPr wrap="square" rtlCol="0">
-            <a:spAutoFit/>
-          </a:bodyPr>
-          <a:lstStyle/>
-          <a:p>
-            <a:pPr algn="ctr"/>
-            <a:r>
-              <a:rPr lang="en-GB" i="1" u="sng" dirty="0">
-                <a:solidFill>
-                  <a:srgbClr val="0070C0"/>
-                </a:solidFill>
-              </a:rPr>
-              <a:t>To get input data in</a:t>
-            </a:r>
-          </a:p>
-        </p:txBody>
-      </p:sp>
-      <p:sp>
-        <p:nvSpPr>
-          <p:cNvPr id="9" name="TextBox 8">
-            <a:extLst>
-              <a:ext uri="{FF2B5EF4-FFF2-40B4-BE49-F238E27FC236}">
-                <a16:creationId xmlns:a16="http://schemas.microsoft.com/office/drawing/2014/main" id="{87E4E801-F315-5E42-1BFF-CBB53B213E9C}"/>
-              </a:ext>
-            </a:extLst>
-          </p:cNvPr>
-          <p:cNvSpPr txBox="1"/>
-          <p:nvPr/>
-        </p:nvSpPr>
-        <p:spPr>
-          <a:xfrm>
-            <a:off x="4367808" y="1772816"/>
-            <a:ext cx="3240360" cy="369332"/>
-          </a:xfrm>
-          <a:prstGeom prst="rect">
-            <a:avLst/>
-          </a:prstGeom>
-          <a:noFill/>
-        </p:spPr>
-        <p:txBody>
-          <a:bodyPr wrap="square" rtlCol="0">
-            <a:spAutoFit/>
-          </a:bodyPr>
-          <a:lstStyle/>
-          <a:p>
-            <a:pPr algn="ctr"/>
-            <a:r>
-              <a:rPr lang="en-GB" i="1" u="sng" dirty="0">
-                <a:solidFill>
-                  <a:srgbClr val="0070C0"/>
-                </a:solidFill>
-              </a:rPr>
-              <a:t>To compute</a:t>
-            </a:r>
-          </a:p>
-        </p:txBody>
-      </p:sp>
-      <p:sp>
-        <p:nvSpPr>
-          <p:cNvPr id="10" name="TextBox 9">
-            <a:extLst>
-              <a:ext uri="{FF2B5EF4-FFF2-40B4-BE49-F238E27FC236}">
-                <a16:creationId xmlns:a16="http://schemas.microsoft.com/office/drawing/2014/main" id="{4AD0E434-CD2A-E569-6C94-9E6EE64446B9}"/>
-              </a:ext>
-            </a:extLst>
-          </p:cNvPr>
-          <p:cNvSpPr txBox="1"/>
-          <p:nvPr/>
-        </p:nvSpPr>
-        <p:spPr>
-          <a:xfrm>
-            <a:off x="8416489" y="1767632"/>
-            <a:ext cx="3240360" cy="369332"/>
-          </a:xfrm>
-          <a:prstGeom prst="rect">
-            <a:avLst/>
-          </a:prstGeom>
-          <a:noFill/>
-        </p:spPr>
-        <p:txBody>
-          <a:bodyPr wrap="square" rtlCol="0">
-            <a:spAutoFit/>
-          </a:bodyPr>
-          <a:lstStyle/>
-          <a:p>
-            <a:pPr algn="ctr"/>
-            <a:r>
-              <a:rPr lang="en-GB" i="1" u="sng" dirty="0">
-                <a:solidFill>
-                  <a:srgbClr val="0070C0"/>
-                </a:solidFill>
-              </a:rPr>
-              <a:t>To get results out</a:t>
-            </a:r>
-          </a:p>
-        </p:txBody>
-      </p:sp>
-      <p:sp>
-        <p:nvSpPr>
-          <p:cNvPr id="11" name="TextBox 10">
-            <a:extLst>
-              <a:ext uri="{FF2B5EF4-FFF2-40B4-BE49-F238E27FC236}">
-                <a16:creationId xmlns:a16="http://schemas.microsoft.com/office/drawing/2014/main" id="{5FA3409C-AEB4-91D6-2651-FC86EDD1A011}"/>
-              </a:ext>
-            </a:extLst>
-          </p:cNvPr>
-          <p:cNvSpPr txBox="1"/>
-          <p:nvPr/>
-        </p:nvSpPr>
-        <p:spPr>
-          <a:xfrm>
-            <a:off x="8370486" y="2382775"/>
-            <a:ext cx="3486154" cy="3693319"/>
-          </a:xfrm>
-          <a:prstGeom prst="rect">
-            <a:avLst/>
-          </a:prstGeom>
-          <a:noFill/>
-        </p:spPr>
-        <p:txBody>
-          <a:bodyPr wrap="square" rtlCol="0">
-            <a:spAutoFit/>
-          </a:bodyPr>
-          <a:lstStyle/>
-          <a:p>
-            <a:pPr marL="285750" indent="-285750">
-              <a:buFont typeface="Arial" panose="020B0604020202020204" pitchFamily="34" charset="0"/>
-              <a:buChar char="•"/>
-            </a:pPr>
-            <a:r>
-              <a:rPr lang="en-GB" dirty="0"/>
-              <a:t>Acquire exclusive pack lock on DST (target) registers using </a:t>
-            </a:r>
-            <a:r>
-              <a:rPr lang="en-GB" i="1" dirty="0" err="1"/>
-              <a:t>tile_regs_wait</a:t>
-            </a:r>
-            <a:r>
-              <a:rPr lang="en-GB" i="1" dirty="0"/>
-              <a:t> </a:t>
-            </a:r>
-            <a:r>
-              <a:rPr lang="en-GB" dirty="0"/>
-              <a:t>API call</a:t>
-            </a:r>
-          </a:p>
-          <a:p>
-            <a:pPr marL="285750" indent="-285750">
-              <a:buFont typeface="Arial" panose="020B0604020202020204" pitchFamily="34" charset="0"/>
-              <a:buChar char="•"/>
-            </a:pPr>
-            <a:endParaRPr lang="en-GB" i="1" dirty="0"/>
-          </a:p>
-          <a:p>
-            <a:pPr marL="285750" indent="-285750">
-              <a:buFont typeface="Arial" panose="020B0604020202020204" pitchFamily="34" charset="0"/>
-              <a:buChar char="•"/>
-            </a:pPr>
-            <a:r>
-              <a:rPr lang="en-GB" dirty="0"/>
-              <a:t>Copy results from </a:t>
-            </a:r>
-            <a:r>
-              <a:rPr lang="en-GB" dirty="0" err="1"/>
-              <a:t>dst</a:t>
-            </a:r>
-            <a:r>
-              <a:rPr lang="en-GB" dirty="0"/>
-              <a:t> register to target CB via </a:t>
-            </a:r>
-            <a:r>
-              <a:rPr lang="en-GB" i="1" dirty="0" err="1"/>
-              <a:t>pack_tile</a:t>
-            </a:r>
-            <a:r>
-              <a:rPr lang="en-GB" dirty="0"/>
-              <a:t> API call</a:t>
-            </a:r>
-            <a:endParaRPr lang="en-GB" i="1" dirty="0"/>
-          </a:p>
-          <a:p>
-            <a:pPr marL="285750" indent="-285750">
-              <a:buFont typeface="Arial" panose="020B0604020202020204" pitchFamily="34" charset="0"/>
-              <a:buChar char="•"/>
-            </a:pPr>
-            <a:endParaRPr lang="en-GB" dirty="0"/>
-          </a:p>
-          <a:p>
-            <a:pPr marL="285750" indent="-285750">
-              <a:buFont typeface="Arial" panose="020B0604020202020204" pitchFamily="34" charset="0"/>
-              <a:buChar char="•"/>
-            </a:pPr>
-            <a:r>
-              <a:rPr lang="en-GB" dirty="0"/>
-              <a:t>Release exclusive pack lock on DST (target) registers using </a:t>
-            </a:r>
-            <a:r>
-              <a:rPr lang="en-GB" i="1" dirty="0" err="1"/>
-              <a:t>tile_regs_release</a:t>
-            </a:r>
-            <a:r>
-              <a:rPr lang="en-GB" i="1" dirty="0"/>
-              <a:t> </a:t>
-            </a:r>
-            <a:r>
-              <a:rPr lang="en-GB" dirty="0"/>
-              <a:t>API call</a:t>
-            </a:r>
-          </a:p>
-          <a:p>
-            <a:pPr marL="285750" indent="-285750">
-              <a:buFont typeface="Arial" panose="020B0604020202020204" pitchFamily="34" charset="0"/>
-              <a:buChar char="•"/>
-            </a:pPr>
-            <a:endParaRPr lang="en-GB" i="1" dirty="0"/>
-          </a:p>
-        </p:txBody>
-      </p:sp>
-      <p:cxnSp>
-        <p:nvCxnSpPr>
-          <p:cNvPr id="14" name="Straight Connector 13">
-            <a:extLst>
-              <a:ext uri="{FF2B5EF4-FFF2-40B4-BE49-F238E27FC236}">
-                <a16:creationId xmlns:a16="http://schemas.microsoft.com/office/drawing/2014/main" id="{072449D4-362D-8040-D764-153CBC2227B6}"/>
-              </a:ext>
-            </a:extLst>
-          </p:cNvPr>
-          <p:cNvCxnSpPr/>
-          <p:nvPr/>
-        </p:nvCxnSpPr>
-        <p:spPr>
-          <a:xfrm>
-            <a:off x="3863752" y="2564904"/>
-            <a:ext cx="0" cy="2232248"/>
-          </a:xfrm>
-          <a:prstGeom prst="line">
-            <a:avLst/>
-          </a:prstGeom>
-          <a:ln w="22225">
-            <a:solidFill>
-              <a:srgbClr val="0070C0"/>
-            </a:solidFill>
-          </a:ln>
-        </p:spPr>
-        <p:style>
-          <a:lnRef idx="1">
-            <a:schemeClr val="accent1"/>
-          </a:lnRef>
-          <a:fillRef idx="0">
-            <a:schemeClr val="accent1"/>
-          </a:fillRef>
-          <a:effectRef idx="0">
-            <a:schemeClr val="accent1"/>
-          </a:effectRef>
-          <a:fontRef idx="minor">
-            <a:schemeClr val="tx1"/>
-          </a:fontRef>
-        </p:style>
-      </p:cxnSp>
-      <p:cxnSp>
-        <p:nvCxnSpPr>
-          <p:cNvPr id="15" name="Straight Connector 14">
-            <a:extLst>
-              <a:ext uri="{FF2B5EF4-FFF2-40B4-BE49-F238E27FC236}">
-                <a16:creationId xmlns:a16="http://schemas.microsoft.com/office/drawing/2014/main" id="{52BF6312-4B42-5861-1FCA-17CE50AC87A4}"/>
-              </a:ext>
-            </a:extLst>
-          </p:cNvPr>
-          <p:cNvCxnSpPr>
-            <a:cxnSpLocks/>
-          </p:cNvCxnSpPr>
-          <p:nvPr/>
-        </p:nvCxnSpPr>
-        <p:spPr>
-          <a:xfrm>
-            <a:off x="8112224" y="2564904"/>
-            <a:ext cx="0" cy="3240360"/>
-          </a:xfrm>
-          <a:prstGeom prst="line">
-            <a:avLst/>
-          </a:prstGeom>
-          <a:ln w="22225">
-            <a:solidFill>
-              <a:srgbClr val="0070C0"/>
-            </a:solidFill>
-          </a:ln>
-        </p:spPr>
-        <p:style>
-          <a:lnRef idx="1">
-            <a:schemeClr val="accent1"/>
-          </a:lnRef>
-          <a:fillRef idx="0">
-            <a:schemeClr val="accent1"/>
-          </a:fillRef>
-          <a:effectRef idx="0">
-            <a:schemeClr val="accent1"/>
-          </a:effectRef>
-          <a:fontRef idx="minor">
-            <a:schemeClr val="tx1"/>
-          </a:fontRef>
-        </p:style>
-      </p:cxnSp>
-      <p:pic>
-        <p:nvPicPr>
-          <p:cNvPr id="18" name="Picture 17">
-            <a:extLst>
-              <a:ext uri="{FF2B5EF4-FFF2-40B4-BE49-F238E27FC236}">
-                <a16:creationId xmlns:a16="http://schemas.microsoft.com/office/drawing/2014/main" id="{074FCAEA-C8B7-77BE-DE28-61D465F2A0E7}"/>
-              </a:ext>
-            </a:extLst>
-          </p:cNvPr>
-          <p:cNvPicPr>
-            <a:picLocks noChangeAspect="1"/>
-          </p:cNvPicPr>
-          <p:nvPr/>
-        </p:nvPicPr>
-        <p:blipFill>
-          <a:blip r:embed="rId2"/>
-          <a:stretch>
-            <a:fillRect/>
-          </a:stretch>
-        </p:blipFill>
-        <p:spPr>
-          <a:xfrm>
-            <a:off x="278185" y="3937884"/>
-            <a:ext cx="3293947" cy="2653084"/>
-          </a:xfrm>
-          <a:prstGeom prst="rect">
-            <a:avLst/>
-          </a:prstGeom>
-        </p:spPr>
-      </p:pic>
-    </p:spTree>
-    <p:extLst>
-      <p:ext uri="{BB962C8B-B14F-4D97-AF65-F5344CB8AC3E}">
-        <p14:creationId xmlns:p14="http://schemas.microsoft.com/office/powerpoint/2010/main" val="2503777438"/>
-      </p:ext>
-    </p:extLst>
-  </p:cSld>
-  <p:clrMapOvr>
-    <a:masterClrMapping/>
-  </p:clrMapOvr>
-</p:sld>
-</file>
-
-<file path=ppt/slides/slide5.xml><?xml version="1.0" encoding="utf-8"?>
-<p:sld xmlns:a="http://schemas.openxmlformats.org/drawingml/2006/main" xmlns:r="http://schemas.openxmlformats.org/officeDocument/2006/relationships" xmlns:p="http://schemas.openxmlformats.org/presentationml/2006/main">
-  <p:cSld>
-    <p:spTree>
-      <p:nvGrpSpPr>
-        <p:cNvPr id="1" name="">
-          <a:extLst>
-            <a:ext uri="{FF2B5EF4-FFF2-40B4-BE49-F238E27FC236}">
-              <a16:creationId xmlns:a16="http://schemas.microsoft.com/office/drawing/2014/main" id="{0DB262FB-4EC2-702C-3573-5C017E2F54F5}"/>
-            </a:ext>
-          </a:extLst>
-        </p:cNvPr>
-        <p:cNvGrpSpPr/>
-        <p:nvPr/>
-      </p:nvGrpSpPr>
-      <p:grpSpPr>
-        <a:xfrm>
-          <a:off x="0" y="0"/>
-          <a:ext cx="0" cy="0"/>
-          <a:chOff x="0" y="0"/>
-          <a:chExt cx="0" cy="0"/>
-        </a:xfrm>
-      </p:grpSpPr>
-      <p:sp>
-        <p:nvSpPr>
-          <p:cNvPr id="2" name="Title 1">
-            <a:extLst>
-              <a:ext uri="{FF2B5EF4-FFF2-40B4-BE49-F238E27FC236}">
-                <a16:creationId xmlns:a16="http://schemas.microsoft.com/office/drawing/2014/main" id="{49398429-31D0-5A8D-0AF4-418CC45DA57A}"/>
-              </a:ext>
-            </a:extLst>
-          </p:cNvPr>
-          <p:cNvSpPr>
-            <a:spLocks noGrp="1"/>
-          </p:cNvSpPr>
-          <p:nvPr>
-            <p:ph type="title"/>
-          </p:nvPr>
-        </p:nvSpPr>
-        <p:spPr/>
-        <p:txBody>
-          <a:bodyPr/>
-          <a:lstStyle/>
-          <a:p>
-            <a:r>
-              <a:rPr lang="en-GB" dirty="0"/>
-              <a:t>Issuing compute operations to vector unit</a:t>
-            </a:r>
-          </a:p>
-        </p:txBody>
-      </p:sp>
-      <p:sp>
-        <p:nvSpPr>
-          <p:cNvPr id="6" name="TextBox 5">
-            <a:extLst>
-              <a:ext uri="{FF2B5EF4-FFF2-40B4-BE49-F238E27FC236}">
-                <a16:creationId xmlns:a16="http://schemas.microsoft.com/office/drawing/2014/main" id="{88B09CAC-630A-59BE-7BFB-3952BBA584C7}"/>
-              </a:ext>
-            </a:extLst>
-          </p:cNvPr>
-          <p:cNvSpPr txBox="1"/>
-          <p:nvPr/>
-        </p:nvSpPr>
-        <p:spPr>
-          <a:xfrm>
-            <a:off x="191344" y="2433947"/>
-            <a:ext cx="3600400" cy="4247317"/>
-          </a:xfrm>
-          <a:prstGeom prst="rect">
-            <a:avLst/>
-          </a:prstGeom>
-          <a:noFill/>
-        </p:spPr>
-        <p:txBody>
-          <a:bodyPr wrap="square" rtlCol="0">
-            <a:spAutoFit/>
-          </a:bodyPr>
-          <a:lstStyle/>
-          <a:p>
-            <a:pPr marL="285750" indent="-285750">
-              <a:buFont typeface="Arial" panose="020B0604020202020204" pitchFamily="34" charset="0"/>
-              <a:buChar char="•"/>
-            </a:pPr>
-            <a:r>
-              <a:rPr lang="en-GB" dirty="0"/>
-              <a:t>Wait for two CBs (LHS and RHS) to be available via </a:t>
-            </a:r>
-            <a:r>
-              <a:rPr lang="en-GB" i="1" dirty="0" err="1"/>
-              <a:t>cb_wait_front</a:t>
-            </a:r>
-            <a:r>
-              <a:rPr lang="en-GB" i="1" dirty="0"/>
-              <a:t> </a:t>
-            </a:r>
-            <a:r>
-              <a:rPr lang="en-GB" dirty="0"/>
-              <a:t>API call</a:t>
-            </a:r>
-          </a:p>
-          <a:p>
-            <a:pPr marL="285750" indent="-285750">
-              <a:buFont typeface="Arial" panose="020B0604020202020204" pitchFamily="34" charset="0"/>
-              <a:buChar char="•"/>
-            </a:pPr>
-            <a:endParaRPr lang="en-GB" dirty="0"/>
-          </a:p>
-          <a:p>
-            <a:pPr marL="285750" indent="-285750">
-              <a:buFont typeface="Arial" panose="020B0604020202020204" pitchFamily="34" charset="0"/>
-              <a:buChar char="•"/>
-            </a:pPr>
-            <a:r>
-              <a:rPr lang="en-GB" dirty="0"/>
-              <a:t>Acquire exclusive pack lock on DST (target) registers using </a:t>
-            </a:r>
-            <a:r>
-              <a:rPr lang="en-GB" i="1" dirty="0" err="1"/>
-              <a:t>tile_regs_wait</a:t>
-            </a:r>
-            <a:r>
-              <a:rPr lang="en-GB" i="1" dirty="0"/>
-              <a:t> </a:t>
-            </a:r>
-            <a:r>
-              <a:rPr lang="en-GB" dirty="0"/>
-              <a:t>API call</a:t>
-            </a:r>
-          </a:p>
-          <a:p>
-            <a:pPr marL="285750" indent="-285750">
-              <a:buFont typeface="Arial" panose="020B0604020202020204" pitchFamily="34" charset="0"/>
-              <a:buChar char="•"/>
-            </a:pPr>
-            <a:endParaRPr lang="en-GB" dirty="0"/>
-          </a:p>
-          <a:p>
-            <a:pPr marL="285750" indent="-285750">
-              <a:buFont typeface="Arial" panose="020B0604020202020204" pitchFamily="34" charset="0"/>
-              <a:buChar char="•"/>
-            </a:pPr>
-            <a:r>
-              <a:rPr lang="en-GB" dirty="0"/>
-              <a:t>Copy both input tiles into </a:t>
-            </a:r>
-            <a:r>
-              <a:rPr lang="en-GB" i="1" dirty="0" err="1"/>
-              <a:t>dst</a:t>
-            </a:r>
-            <a:r>
-              <a:rPr lang="en-GB" dirty="0"/>
-              <a:t> register using segment index</a:t>
-            </a:r>
-          </a:p>
-          <a:p>
-            <a:pPr marL="285750" indent="-285750">
-              <a:buFont typeface="Arial" panose="020B0604020202020204" pitchFamily="34" charset="0"/>
-              <a:buChar char="•"/>
-            </a:pPr>
-            <a:endParaRPr lang="en-GB" dirty="0"/>
-          </a:p>
-          <a:p>
-            <a:pPr marL="285750" indent="-285750">
-              <a:buFont typeface="Arial" panose="020B0604020202020204" pitchFamily="34" charset="0"/>
-              <a:buChar char="•"/>
-            </a:pPr>
-            <a:r>
-              <a:rPr lang="en-GB" dirty="0"/>
-              <a:t>Release exclusive pack lock on DST (target) registers using </a:t>
-            </a:r>
-            <a:r>
-              <a:rPr lang="en-GB" i="1" dirty="0" err="1"/>
-              <a:t>tile_regs_release</a:t>
-            </a:r>
-            <a:r>
-              <a:rPr lang="en-GB" i="1" dirty="0"/>
-              <a:t> </a:t>
-            </a:r>
-            <a:r>
-              <a:rPr lang="en-GB" dirty="0"/>
-              <a:t>API call</a:t>
-            </a:r>
-          </a:p>
-          <a:p>
-            <a:pPr marL="285750" indent="-285750">
-              <a:buFont typeface="Arial" panose="020B0604020202020204" pitchFamily="34" charset="0"/>
-              <a:buChar char="•"/>
-            </a:pPr>
-            <a:endParaRPr lang="en-GB" i="1" dirty="0"/>
-          </a:p>
-        </p:txBody>
-      </p:sp>
-      <p:sp>
-        <p:nvSpPr>
-          <p:cNvPr id="7" name="TextBox 6">
-            <a:extLst>
-              <a:ext uri="{FF2B5EF4-FFF2-40B4-BE49-F238E27FC236}">
-                <a16:creationId xmlns:a16="http://schemas.microsoft.com/office/drawing/2014/main" id="{1BB72041-F4DA-296D-4221-DE5884C402B4}"/>
-              </a:ext>
-            </a:extLst>
-          </p:cNvPr>
-          <p:cNvSpPr txBox="1"/>
-          <p:nvPr/>
-        </p:nvSpPr>
-        <p:spPr>
-          <a:xfrm>
-            <a:off x="3935761" y="2382775"/>
-            <a:ext cx="4104451" cy="3970318"/>
-          </a:xfrm>
-          <a:prstGeom prst="rect">
-            <a:avLst/>
-          </a:prstGeom>
-          <a:noFill/>
-        </p:spPr>
-        <p:txBody>
-          <a:bodyPr wrap="square" rtlCol="0">
-            <a:spAutoFit/>
-          </a:bodyPr>
-          <a:lstStyle/>
-          <a:p>
-            <a:pPr marL="285750" indent="-285750">
-              <a:buFont typeface="Arial" panose="020B0604020202020204" pitchFamily="34" charset="0"/>
-              <a:buChar char="•"/>
-            </a:pPr>
-            <a:r>
-              <a:rPr lang="en-GB" dirty="0"/>
-              <a:t>Acquire exclusive compute lock on DST (target) registers using </a:t>
-            </a:r>
-            <a:r>
-              <a:rPr lang="en-GB" i="1" dirty="0" err="1"/>
-              <a:t>tile_regs_aqcuire</a:t>
-            </a:r>
-            <a:r>
-              <a:rPr lang="en-GB" i="1" dirty="0"/>
-              <a:t> </a:t>
-            </a:r>
-            <a:r>
-              <a:rPr lang="en-GB" dirty="0"/>
-              <a:t>API call</a:t>
-            </a:r>
-          </a:p>
-          <a:p>
-            <a:pPr marL="285750" indent="-285750">
-              <a:buFont typeface="Arial" panose="020B0604020202020204" pitchFamily="34" charset="0"/>
-              <a:buChar char="•"/>
-            </a:pPr>
-            <a:endParaRPr lang="en-GB" i="1" dirty="0"/>
-          </a:p>
-          <a:p>
-            <a:pPr marL="285750" indent="-285750">
-              <a:buFont typeface="Arial" panose="020B0604020202020204" pitchFamily="34" charset="0"/>
-              <a:buChar char="•"/>
-            </a:pPr>
-            <a:r>
-              <a:rPr lang="en-GB" dirty="0"/>
-              <a:t>Issue corresponding vector API call such as </a:t>
-            </a:r>
-            <a:r>
-              <a:rPr lang="en-GB" i="1" dirty="0" err="1"/>
-              <a:t>add_binary_tile</a:t>
-            </a:r>
-            <a:r>
-              <a:rPr lang="en-GB" i="1" dirty="0"/>
-              <a:t>, </a:t>
-            </a:r>
-            <a:r>
-              <a:rPr lang="en-GB" i="1" dirty="0" err="1"/>
-              <a:t>sub_binary_tile</a:t>
-            </a:r>
-            <a:r>
-              <a:rPr lang="en-GB" i="1" dirty="0"/>
-              <a:t> </a:t>
-            </a:r>
-            <a:r>
-              <a:rPr lang="en-GB" dirty="0"/>
-              <a:t> with segment index determining inputs (first input overwritten with results)</a:t>
-            </a:r>
-          </a:p>
-          <a:p>
-            <a:pPr marL="285750" indent="-285750">
-              <a:buFont typeface="Arial" panose="020B0604020202020204" pitchFamily="34" charset="0"/>
-              <a:buChar char="•"/>
-            </a:pPr>
-            <a:endParaRPr lang="en-GB" dirty="0"/>
-          </a:p>
-          <a:p>
-            <a:pPr marL="285750" indent="-285750">
-              <a:buFont typeface="Arial" panose="020B0604020202020204" pitchFamily="34" charset="0"/>
-              <a:buChar char="•"/>
-            </a:pPr>
-            <a:r>
-              <a:rPr lang="en-GB" dirty="0"/>
-              <a:t>Release exclusive compute lock on DST (target) registers using </a:t>
-            </a:r>
-            <a:r>
-              <a:rPr lang="en-GB" i="1" dirty="0" err="1"/>
-              <a:t>tile_regs_commit</a:t>
-            </a:r>
-            <a:r>
-              <a:rPr lang="en-GB" i="1" dirty="0"/>
-              <a:t> </a:t>
-            </a:r>
-            <a:r>
-              <a:rPr lang="en-GB" dirty="0"/>
-              <a:t>API call</a:t>
-            </a:r>
-          </a:p>
-          <a:p>
-            <a:pPr marL="285750" indent="-285750">
-              <a:buFont typeface="Arial" panose="020B0604020202020204" pitchFamily="34" charset="0"/>
-              <a:buChar char="•"/>
-            </a:pPr>
-            <a:endParaRPr lang="en-GB" i="1" dirty="0"/>
-          </a:p>
-        </p:txBody>
-      </p:sp>
-      <p:sp>
-        <p:nvSpPr>
-          <p:cNvPr id="8" name="TextBox 7">
-            <a:extLst>
-              <a:ext uri="{FF2B5EF4-FFF2-40B4-BE49-F238E27FC236}">
-                <a16:creationId xmlns:a16="http://schemas.microsoft.com/office/drawing/2014/main" id="{FD28C40B-2769-AC35-42ED-41C2671A02E1}"/>
-              </a:ext>
-            </a:extLst>
-          </p:cNvPr>
-          <p:cNvSpPr txBox="1"/>
-          <p:nvPr/>
-        </p:nvSpPr>
-        <p:spPr>
-          <a:xfrm>
-            <a:off x="335360" y="1772816"/>
-            <a:ext cx="3240360" cy="369332"/>
-          </a:xfrm>
-          <a:prstGeom prst="rect">
-            <a:avLst/>
-          </a:prstGeom>
-          <a:noFill/>
-        </p:spPr>
-        <p:txBody>
-          <a:bodyPr wrap="square" rtlCol="0">
-            <a:spAutoFit/>
-          </a:bodyPr>
-          <a:lstStyle/>
-          <a:p>
-            <a:pPr algn="ctr"/>
-            <a:r>
-              <a:rPr lang="en-GB" i="1" u="sng" dirty="0">
-                <a:solidFill>
-                  <a:srgbClr val="0070C0"/>
-                </a:solidFill>
-              </a:rPr>
-              <a:t>To get input data in</a:t>
-            </a:r>
-          </a:p>
-        </p:txBody>
-      </p:sp>
-      <p:sp>
-        <p:nvSpPr>
-          <p:cNvPr id="9" name="TextBox 8">
-            <a:extLst>
-              <a:ext uri="{FF2B5EF4-FFF2-40B4-BE49-F238E27FC236}">
-                <a16:creationId xmlns:a16="http://schemas.microsoft.com/office/drawing/2014/main" id="{A50B57E0-5779-6B9F-8279-26F7B299D0EF}"/>
-              </a:ext>
-            </a:extLst>
-          </p:cNvPr>
-          <p:cNvSpPr txBox="1"/>
-          <p:nvPr/>
-        </p:nvSpPr>
-        <p:spPr>
-          <a:xfrm>
-            <a:off x="4367808" y="1772816"/>
-            <a:ext cx="3240360" cy="369332"/>
-          </a:xfrm>
-          <a:prstGeom prst="rect">
-            <a:avLst/>
-          </a:prstGeom>
-          <a:noFill/>
-        </p:spPr>
-        <p:txBody>
-          <a:bodyPr wrap="square" rtlCol="0">
-            <a:spAutoFit/>
-          </a:bodyPr>
-          <a:lstStyle/>
-          <a:p>
-            <a:pPr algn="ctr"/>
-            <a:r>
-              <a:rPr lang="en-GB" i="1" u="sng" dirty="0">
-                <a:solidFill>
-                  <a:srgbClr val="0070C0"/>
-                </a:solidFill>
-              </a:rPr>
-              <a:t>To compute</a:t>
-            </a:r>
-          </a:p>
-        </p:txBody>
-      </p:sp>
-      <p:sp>
-        <p:nvSpPr>
-          <p:cNvPr id="10" name="TextBox 9">
-            <a:extLst>
-              <a:ext uri="{FF2B5EF4-FFF2-40B4-BE49-F238E27FC236}">
-                <a16:creationId xmlns:a16="http://schemas.microsoft.com/office/drawing/2014/main" id="{D3AFC488-E3A3-1DB0-69B1-54DCF8AC9AAA}"/>
-              </a:ext>
-            </a:extLst>
-          </p:cNvPr>
-          <p:cNvSpPr txBox="1"/>
-          <p:nvPr/>
-        </p:nvSpPr>
-        <p:spPr>
-          <a:xfrm>
-            <a:off x="8416489" y="1767632"/>
-            <a:ext cx="3240360" cy="369332"/>
-          </a:xfrm>
-          <a:prstGeom prst="rect">
-            <a:avLst/>
-          </a:prstGeom>
-          <a:noFill/>
-        </p:spPr>
-        <p:txBody>
-          <a:bodyPr wrap="square" rtlCol="0">
-            <a:spAutoFit/>
-          </a:bodyPr>
-          <a:lstStyle/>
-          <a:p>
-            <a:pPr algn="ctr"/>
-            <a:r>
-              <a:rPr lang="en-GB" i="1" u="sng" dirty="0">
-                <a:solidFill>
-                  <a:srgbClr val="0070C0"/>
-                </a:solidFill>
-              </a:rPr>
-              <a:t>To get results out</a:t>
-            </a:r>
-          </a:p>
-        </p:txBody>
-      </p:sp>
-      <p:sp>
-        <p:nvSpPr>
-          <p:cNvPr id="11" name="TextBox 10">
-            <a:extLst>
-              <a:ext uri="{FF2B5EF4-FFF2-40B4-BE49-F238E27FC236}">
-                <a16:creationId xmlns:a16="http://schemas.microsoft.com/office/drawing/2014/main" id="{EE00961E-D5B4-FAD7-5331-730435569ADA}"/>
-              </a:ext>
-            </a:extLst>
-          </p:cNvPr>
-          <p:cNvSpPr txBox="1"/>
-          <p:nvPr/>
-        </p:nvSpPr>
-        <p:spPr>
-          <a:xfrm>
-            <a:off x="8370486" y="2382775"/>
-            <a:ext cx="3486154" cy="3693319"/>
-          </a:xfrm>
-          <a:prstGeom prst="rect">
-            <a:avLst/>
-          </a:prstGeom>
-          <a:noFill/>
-        </p:spPr>
-        <p:txBody>
-          <a:bodyPr wrap="square" rtlCol="0">
-            <a:spAutoFit/>
-          </a:bodyPr>
-          <a:lstStyle/>
-          <a:p>
-            <a:pPr marL="285750" indent="-285750">
-              <a:buFont typeface="Arial" panose="020B0604020202020204" pitchFamily="34" charset="0"/>
-              <a:buChar char="•"/>
-            </a:pPr>
-            <a:r>
-              <a:rPr lang="en-GB" dirty="0"/>
-              <a:t>Acquire exclusive pack lock on DST (target) registers using </a:t>
-            </a:r>
-            <a:r>
-              <a:rPr lang="en-GB" i="1" dirty="0" err="1"/>
-              <a:t>tile_regs_wait</a:t>
-            </a:r>
-            <a:r>
-              <a:rPr lang="en-GB" i="1" dirty="0"/>
-              <a:t> </a:t>
-            </a:r>
-            <a:r>
-              <a:rPr lang="en-GB" dirty="0"/>
-              <a:t>API call</a:t>
-            </a:r>
-          </a:p>
-          <a:p>
-            <a:pPr marL="285750" indent="-285750">
-              <a:buFont typeface="Arial" panose="020B0604020202020204" pitchFamily="34" charset="0"/>
-              <a:buChar char="•"/>
-            </a:pPr>
-            <a:endParaRPr lang="en-GB" i="1" dirty="0"/>
-          </a:p>
-          <a:p>
-            <a:pPr marL="285750" indent="-285750">
-              <a:buFont typeface="Arial" panose="020B0604020202020204" pitchFamily="34" charset="0"/>
-              <a:buChar char="•"/>
-            </a:pPr>
-            <a:r>
-              <a:rPr lang="en-GB" dirty="0"/>
-              <a:t>Copy results from </a:t>
-            </a:r>
-            <a:r>
-              <a:rPr lang="en-GB" dirty="0" err="1"/>
-              <a:t>dst</a:t>
-            </a:r>
-            <a:r>
-              <a:rPr lang="en-GB" dirty="0"/>
-              <a:t> register to target CB via </a:t>
-            </a:r>
-            <a:r>
-              <a:rPr lang="en-GB" i="1" dirty="0" err="1"/>
-              <a:t>pack_tile</a:t>
-            </a:r>
-            <a:r>
-              <a:rPr lang="en-GB" dirty="0"/>
-              <a:t> API call</a:t>
-            </a:r>
-            <a:endParaRPr lang="en-GB" i="1" dirty="0"/>
-          </a:p>
-          <a:p>
-            <a:pPr marL="285750" indent="-285750">
-              <a:buFont typeface="Arial" panose="020B0604020202020204" pitchFamily="34" charset="0"/>
-              <a:buChar char="•"/>
-            </a:pPr>
-            <a:endParaRPr lang="en-GB" dirty="0"/>
-          </a:p>
-          <a:p>
-            <a:pPr marL="285750" indent="-285750">
-              <a:buFont typeface="Arial" panose="020B0604020202020204" pitchFamily="34" charset="0"/>
-              <a:buChar char="•"/>
-            </a:pPr>
-            <a:r>
-              <a:rPr lang="en-GB" dirty="0"/>
-              <a:t>Release exclusive pack lock on DST (target) registers using </a:t>
-            </a:r>
-            <a:r>
-              <a:rPr lang="en-GB" i="1" dirty="0" err="1"/>
-              <a:t>tile_regs_release</a:t>
-            </a:r>
-            <a:r>
-              <a:rPr lang="en-GB" i="1" dirty="0"/>
-              <a:t> </a:t>
-            </a:r>
-            <a:r>
-              <a:rPr lang="en-GB" dirty="0"/>
-              <a:t>API call</a:t>
-            </a:r>
-          </a:p>
-          <a:p>
-            <a:pPr marL="285750" indent="-285750">
-              <a:buFont typeface="Arial" panose="020B0604020202020204" pitchFamily="34" charset="0"/>
-              <a:buChar char="•"/>
-            </a:pPr>
-            <a:endParaRPr lang="en-GB" i="1" dirty="0"/>
-          </a:p>
-        </p:txBody>
-      </p:sp>
-      <p:cxnSp>
-        <p:nvCxnSpPr>
-          <p:cNvPr id="14" name="Straight Connector 13">
-            <a:extLst>
-              <a:ext uri="{FF2B5EF4-FFF2-40B4-BE49-F238E27FC236}">
-                <a16:creationId xmlns:a16="http://schemas.microsoft.com/office/drawing/2014/main" id="{2BFE811C-5414-C0EB-F7B1-15E4CA9E969F}"/>
-              </a:ext>
-            </a:extLst>
-          </p:cNvPr>
-          <p:cNvCxnSpPr/>
-          <p:nvPr/>
-        </p:nvCxnSpPr>
-        <p:spPr>
-          <a:xfrm>
-            <a:off x="3863752" y="2564904"/>
-            <a:ext cx="0" cy="2232248"/>
-          </a:xfrm>
-          <a:prstGeom prst="line">
-            <a:avLst/>
-          </a:prstGeom>
-          <a:ln w="22225">
-            <a:solidFill>
-              <a:srgbClr val="0070C0"/>
-            </a:solidFill>
-          </a:ln>
-        </p:spPr>
-        <p:style>
-          <a:lnRef idx="1">
-            <a:schemeClr val="accent1"/>
-          </a:lnRef>
-          <a:fillRef idx="0">
-            <a:schemeClr val="accent1"/>
-          </a:fillRef>
-          <a:effectRef idx="0">
-            <a:schemeClr val="accent1"/>
-          </a:effectRef>
-          <a:fontRef idx="minor">
-            <a:schemeClr val="tx1"/>
-          </a:fontRef>
-        </p:style>
-      </p:cxnSp>
-      <p:cxnSp>
-        <p:nvCxnSpPr>
-          <p:cNvPr id="15" name="Straight Connector 14">
-            <a:extLst>
-              <a:ext uri="{FF2B5EF4-FFF2-40B4-BE49-F238E27FC236}">
-                <a16:creationId xmlns:a16="http://schemas.microsoft.com/office/drawing/2014/main" id="{8483600F-BC6F-6FBB-C327-D246AC15E25F}"/>
-              </a:ext>
-            </a:extLst>
-          </p:cNvPr>
-          <p:cNvCxnSpPr>
-            <a:cxnSpLocks/>
-          </p:cNvCxnSpPr>
-          <p:nvPr/>
-        </p:nvCxnSpPr>
-        <p:spPr>
-          <a:xfrm>
-            <a:off x="8112224" y="2564904"/>
-            <a:ext cx="0" cy="3240360"/>
-          </a:xfrm>
-          <a:prstGeom prst="line">
-            <a:avLst/>
-          </a:prstGeom>
-          <a:ln w="22225">
-            <a:solidFill>
-              <a:srgbClr val="0070C0"/>
-            </a:solidFill>
-          </a:ln>
-        </p:spPr>
-        <p:style>
-          <a:lnRef idx="1">
-            <a:schemeClr val="accent1"/>
-          </a:lnRef>
-          <a:fillRef idx="0">
-            <a:schemeClr val="accent1"/>
-          </a:fillRef>
-          <a:effectRef idx="0">
-            <a:schemeClr val="accent1"/>
-          </a:effectRef>
-          <a:fontRef idx="minor">
-            <a:schemeClr val="tx1"/>
-          </a:fontRef>
-        </p:style>
-      </p:cxnSp>
-      <p:pic>
-        <p:nvPicPr>
-          <p:cNvPr id="3" name="Picture 2">
-            <a:extLst>
-              <a:ext uri="{FF2B5EF4-FFF2-40B4-BE49-F238E27FC236}">
-                <a16:creationId xmlns:a16="http://schemas.microsoft.com/office/drawing/2014/main" id="{F2BB112A-6480-AA11-6CF3-09BD53E12273}"/>
-              </a:ext>
-            </a:extLst>
-          </p:cNvPr>
-          <p:cNvPicPr>
-            <a:picLocks noChangeAspect="1"/>
-          </p:cNvPicPr>
-          <p:nvPr/>
-        </p:nvPicPr>
-        <p:blipFill>
-          <a:blip r:embed="rId2"/>
-          <a:stretch>
-            <a:fillRect/>
-          </a:stretch>
-        </p:blipFill>
-        <p:spPr>
-          <a:xfrm>
-            <a:off x="9912425" y="0"/>
-            <a:ext cx="2279576" cy="1836067"/>
-          </a:xfrm>
-          <a:prstGeom prst="rect">
-            <a:avLst/>
-          </a:prstGeom>
-        </p:spPr>
-      </p:pic>
-      <p:sp>
-        <p:nvSpPr>
-          <p:cNvPr id="4" name="TextBox 3">
-            <a:extLst>
-              <a:ext uri="{FF2B5EF4-FFF2-40B4-BE49-F238E27FC236}">
-                <a16:creationId xmlns:a16="http://schemas.microsoft.com/office/drawing/2014/main" id="{5B2B6785-E7B1-C065-A6E2-068D4CACAB46}"/>
-              </a:ext>
-            </a:extLst>
-          </p:cNvPr>
-          <p:cNvSpPr txBox="1"/>
-          <p:nvPr/>
-        </p:nvSpPr>
-        <p:spPr>
-          <a:xfrm>
-            <a:off x="5879976" y="6353093"/>
-            <a:ext cx="6192684" cy="369332"/>
-          </a:xfrm>
-          <a:prstGeom prst="rect">
-            <a:avLst/>
-          </a:prstGeom>
-          <a:noFill/>
-        </p:spPr>
-        <p:txBody>
-          <a:bodyPr wrap="square" rtlCol="0">
-            <a:spAutoFit/>
-          </a:bodyPr>
-          <a:lstStyle/>
-          <a:p>
-            <a:r>
-              <a:rPr lang="en-GB" i="1" dirty="0">
-                <a:solidFill>
-                  <a:srgbClr val="FF0000"/>
-                </a:solidFill>
-              </a:rPr>
-              <a:t>Vector unit uses the </a:t>
-            </a:r>
-            <a:r>
-              <a:rPr lang="en-GB" i="1" dirty="0" err="1">
-                <a:solidFill>
-                  <a:srgbClr val="FF0000"/>
-                </a:solidFill>
-              </a:rPr>
-              <a:t>dst</a:t>
-            </a:r>
-            <a:r>
-              <a:rPr lang="en-GB" i="1" dirty="0">
-                <a:solidFill>
-                  <a:srgbClr val="FF0000"/>
-                </a:solidFill>
-              </a:rPr>
-              <a:t> registers for both inputs and output</a:t>
-            </a:r>
-          </a:p>
-        </p:txBody>
-      </p:sp>
-    </p:spTree>
-    <p:extLst>
-      <p:ext uri="{BB962C8B-B14F-4D97-AF65-F5344CB8AC3E}">
-        <p14:creationId xmlns:p14="http://schemas.microsoft.com/office/powerpoint/2010/main" val="1887111017"/>
-      </p:ext>
-    </p:extLst>
-  </p:cSld>
-  <p:clrMapOvr>
-    <a:masterClrMapping/>
-  </p:clrMapOvr>
-</p:sld>
-</file>
-
-<file path=ppt/slides/slide6.xml><?xml version="1.0" encoding="utf-8"?>
-<p:sld xmlns:a="http://schemas.openxmlformats.org/drawingml/2006/main" xmlns:r="http://schemas.openxmlformats.org/officeDocument/2006/relationships" xmlns:p="http://schemas.openxmlformats.org/presentationml/2006/main">
-  <p:cSld>
-    <p:spTree>
-      <p:nvGrpSpPr>
-        <p:cNvPr id="1" name=""/>
-        <p:cNvGrpSpPr/>
-        <p:nvPr/>
-      </p:nvGrpSpPr>
-      <p:grpSpPr>
-        <a:xfrm>
-          <a:off x="0" y="0"/>
-          <a:ext cx="0" cy="0"/>
-          <a:chOff x="0" y="0"/>
-          <a:chExt cx="0" cy="0"/>
-        </a:xfrm>
-      </p:grpSpPr>
-      <p:sp>
-        <p:nvSpPr>
-          <p:cNvPr id="2" name="Title 1">
-            <a:extLst>
-              <a:ext uri="{FF2B5EF4-FFF2-40B4-BE49-F238E27FC236}">
-                <a16:creationId xmlns:a16="http://schemas.microsoft.com/office/drawing/2014/main" id="{5543BFA1-2CF3-1F16-E9C8-A1A87191AA34}"/>
-              </a:ext>
-            </a:extLst>
-          </p:cNvPr>
-          <p:cNvSpPr>
-            <a:spLocks noGrp="1"/>
-          </p:cNvSpPr>
-          <p:nvPr>
-            <p:ph type="title"/>
-          </p:nvPr>
-        </p:nvSpPr>
-        <p:spPr/>
-        <p:txBody>
-          <a:bodyPr/>
-          <a:lstStyle/>
-          <a:p>
-            <a:r>
-              <a:rPr lang="en-GB" dirty="0"/>
-              <a:t>The key points</a:t>
-            </a:r>
-          </a:p>
-        </p:txBody>
-      </p:sp>
-      <p:sp>
-        <p:nvSpPr>
-          <p:cNvPr id="3" name="Content Placeholder 2">
-            <a:extLst>
-              <a:ext uri="{FF2B5EF4-FFF2-40B4-BE49-F238E27FC236}">
-                <a16:creationId xmlns:a16="http://schemas.microsoft.com/office/drawing/2014/main" id="{26B88426-92BE-8DA5-3E12-5F453A377C6E}"/>
-              </a:ext>
-            </a:extLst>
-          </p:cNvPr>
-          <p:cNvSpPr>
-            <a:spLocks noGrp="1"/>
-          </p:cNvSpPr>
-          <p:nvPr>
-            <p:ph idx="1"/>
-          </p:nvPr>
-        </p:nvSpPr>
-        <p:spPr>
-          <a:xfrm>
-            <a:off x="609600" y="1600200"/>
-            <a:ext cx="5630416" cy="4876800"/>
-          </a:xfrm>
-        </p:spPr>
-        <p:txBody>
-          <a:bodyPr/>
-          <a:lstStyle/>
-          <a:p>
-            <a:r>
-              <a:rPr lang="en-GB" dirty="0"/>
-              <a:t>Need to initialise with the data type</a:t>
-            </a:r>
-          </a:p>
-          <a:p>
-            <a:pPr lvl="1"/>
-            <a:r>
-              <a:rPr lang="en-GB" dirty="0"/>
-              <a:t>And reinitialise if change this</a:t>
-            </a:r>
-          </a:p>
-          <a:p>
-            <a:pPr lvl="1"/>
-            <a:endParaRPr lang="en-GB" dirty="0"/>
-          </a:p>
-          <a:p>
-            <a:r>
-              <a:rPr lang="en-GB" dirty="0"/>
-              <a:t>Inputs are CBs and the output is a CB</a:t>
-            </a:r>
-          </a:p>
-          <a:p>
-            <a:endParaRPr lang="en-GB" dirty="0"/>
-          </a:p>
-          <a:p>
-            <a:r>
-              <a:rPr lang="en-GB" dirty="0" err="1"/>
-              <a:t>dst</a:t>
-            </a:r>
-            <a:r>
-              <a:rPr lang="en-GB" dirty="0"/>
-              <a:t> register is split into 16 segments</a:t>
-            </a:r>
-          </a:p>
-          <a:p>
-            <a:pPr lvl="1"/>
-            <a:r>
-              <a:rPr lang="en-GB" dirty="0"/>
-              <a:t>Matters more when using the vector unit</a:t>
-            </a:r>
-          </a:p>
-          <a:p>
-            <a:pPr lvl="1"/>
-            <a:endParaRPr lang="en-GB" dirty="0"/>
-          </a:p>
-          <a:p>
-            <a:r>
-              <a:rPr lang="en-GB" dirty="0"/>
-              <a:t>Need to acquire locks on the </a:t>
-            </a:r>
-            <a:r>
-              <a:rPr lang="en-GB" dirty="0" err="1"/>
-              <a:t>dst</a:t>
-            </a:r>
-            <a:r>
-              <a:rPr lang="en-GB" dirty="0"/>
-              <a:t> register as this coordinates instructions from the pack, compute and unpack RISC-V cores</a:t>
-            </a:r>
-          </a:p>
-        </p:txBody>
-      </p:sp>
-      <p:pic>
-        <p:nvPicPr>
-          <p:cNvPr id="4" name="Picture 3">
-            <a:extLst>
-              <a:ext uri="{FF2B5EF4-FFF2-40B4-BE49-F238E27FC236}">
-                <a16:creationId xmlns:a16="http://schemas.microsoft.com/office/drawing/2014/main" id="{A5310F59-94D4-B3CB-3049-9552576DDE89}"/>
-              </a:ext>
-            </a:extLst>
-          </p:cNvPr>
-          <p:cNvPicPr>
-            <a:picLocks noChangeAspect="1"/>
-          </p:cNvPicPr>
-          <p:nvPr/>
-        </p:nvPicPr>
-        <p:blipFill>
-          <a:blip r:embed="rId2"/>
-          <a:stretch>
-            <a:fillRect/>
-          </a:stretch>
-        </p:blipFill>
-        <p:spPr>
-          <a:xfrm>
-            <a:off x="6240016" y="1600200"/>
-            <a:ext cx="5660678" cy="4559349"/>
-          </a:xfrm>
-          <a:prstGeom prst="rect">
-            <a:avLst/>
-          </a:prstGeom>
-        </p:spPr>
-      </p:pic>
-    </p:spTree>
-    <p:extLst>
-      <p:ext uri="{BB962C8B-B14F-4D97-AF65-F5344CB8AC3E}">
-        <p14:creationId xmlns:p14="http://schemas.microsoft.com/office/powerpoint/2010/main" val="2211609916"/>
-      </p:ext>
-    </p:extLst>
-  </p:cSld>
-  <p:clrMapOvr>
-    <a:masterClrMapping/>
-  </p:clrMapOvr>
-</p:sld>
-</file>
-
-<file path=ppt/slides/slide7.xml><?xml version="1.0" encoding="utf-8"?>
+<file path=ppt/slides/slide10.xml><?xml version="1.0" encoding="utf-8"?>
 <p:sld xmlns:a="http://schemas.openxmlformats.org/drawingml/2006/main" xmlns:r="http://schemas.openxmlformats.org/officeDocument/2006/relationships" xmlns:p="http://schemas.openxmlformats.org/presentationml/2006/main">
   <p:cSld>
     <p:spTree>
@@ -6619,7 +4680,7 @@
         </p:nvSpPr>
         <p:spPr>
           <a:xfrm>
-            <a:off x="8195166" y="1481800"/>
+            <a:off x="9453837" y="1381326"/>
             <a:ext cx="2888975" cy="4876800"/>
           </a:xfrm>
           <a:prstGeom prst="rect">
@@ -6985,9 +5046,9 @@
           <p:nvPr/>
         </p:nvSpPr>
         <p:spPr>
-          <a:xfrm rot="1987337">
-            <a:off x="10157390" y="4902619"/>
-            <a:ext cx="144016" cy="1512168"/>
+          <a:xfrm rot="5400000">
+            <a:off x="10535379" y="4743996"/>
+            <a:ext cx="228594" cy="1865447"/>
           </a:xfrm>
           <a:prstGeom prst="rightBrace">
             <a:avLst/>
@@ -7035,8 +5096,8 @@
         </p:nvSpPr>
         <p:spPr>
           <a:xfrm>
-            <a:off x="10473035" y="5301208"/>
-            <a:ext cx="1440160" cy="1200329"/>
+            <a:off x="9280595" y="5830753"/>
+            <a:ext cx="2738162" cy="646331"/>
           </a:xfrm>
           <a:prstGeom prst="rect">
             <a:avLst/>
@@ -7049,13 +5110,14 @@
           </a:bodyPr>
           <a:lstStyle/>
           <a:p>
+            <a:pPr algn="ctr"/>
             <a:r>
               <a:rPr lang="en-GB" i="1" dirty="0">
                 <a:solidFill>
                   <a:srgbClr val="0070C0"/>
                 </a:solidFill>
               </a:rPr>
-              <a:t>This last column are comparison operations</a:t>
+              <a:t>This column operations are for comparison</a:t>
             </a:r>
           </a:p>
         </p:txBody>
@@ -7158,6 +5220,95 @@
           </a:p>
         </p:txBody>
       </p:sp>
+      <p:sp>
+        <p:nvSpPr>
+          <p:cNvPr id="12" name="Right Brace 11">
+            <a:extLst>
+              <a:ext uri="{FF2B5EF4-FFF2-40B4-BE49-F238E27FC236}">
+                <a16:creationId xmlns:a16="http://schemas.microsoft.com/office/drawing/2014/main" id="{92535344-8AC6-9C6B-567F-9DBA242A6BE8}"/>
+              </a:ext>
+            </a:extLst>
+          </p:cNvPr>
+          <p:cNvSpPr/>
+          <p:nvPr/>
+        </p:nvSpPr>
+        <p:spPr>
+          <a:xfrm>
+            <a:off x="7279050" y="1554462"/>
+            <a:ext cx="228594" cy="850474"/>
+          </a:xfrm>
+          <a:prstGeom prst="rightBrace">
+            <a:avLst/>
+          </a:prstGeom>
+          <a:ln w="25400">
+            <a:solidFill>
+              <a:srgbClr val="0070C0"/>
+            </a:solidFill>
+          </a:ln>
+        </p:spPr>
+        <p:style>
+          <a:lnRef idx="1">
+            <a:schemeClr val="accent1"/>
+          </a:lnRef>
+          <a:fillRef idx="0">
+            <a:schemeClr val="accent1"/>
+          </a:fillRef>
+          <a:effectRef idx="0">
+            <a:schemeClr val="accent1"/>
+          </a:effectRef>
+          <a:fontRef idx="minor">
+            <a:schemeClr val="tx1"/>
+          </a:fontRef>
+        </p:style>
+        <p:txBody>
+          <a:bodyPr rtlCol="0" anchor="ctr"/>
+          <a:lstStyle/>
+          <a:p>
+            <a:pPr algn="ctr"/>
+            <a:endParaRPr lang="en-GB"/>
+          </a:p>
+        </p:txBody>
+      </p:sp>
+      <p:sp>
+        <p:nvSpPr>
+          <p:cNvPr id="13" name="TextBox 12">
+            <a:extLst>
+              <a:ext uri="{FF2B5EF4-FFF2-40B4-BE49-F238E27FC236}">
+                <a16:creationId xmlns:a16="http://schemas.microsoft.com/office/drawing/2014/main" id="{743719BA-8021-BFE3-63CF-4EAB79C25D7B}"/>
+              </a:ext>
+            </a:extLst>
+          </p:cNvPr>
+          <p:cNvSpPr txBox="1"/>
+          <p:nvPr/>
+        </p:nvSpPr>
+        <p:spPr>
+          <a:xfrm>
+            <a:off x="7341711" y="1638001"/>
+            <a:ext cx="1500235" cy="646331"/>
+          </a:xfrm>
+          <a:prstGeom prst="rect">
+            <a:avLst/>
+          </a:prstGeom>
+          <a:noFill/>
+        </p:spPr>
+        <p:txBody>
+          <a:bodyPr wrap="square" rtlCol="0">
+            <a:spAutoFit/>
+          </a:bodyPr>
+          <a:lstStyle/>
+          <a:p>
+            <a:pPr algn="ctr"/>
+            <a:r>
+              <a:rPr lang="en-GB" i="1" dirty="0">
+                <a:solidFill>
+                  <a:srgbClr val="0070C0"/>
+                </a:solidFill>
+              </a:rPr>
+              <a:t>And integer variants</a:t>
+            </a:r>
+          </a:p>
+        </p:txBody>
+      </p:sp>
     </p:spTree>
     <p:extLst>
       <p:ext uri="{BB962C8B-B14F-4D97-AF65-F5344CB8AC3E}">
@@ -7171,7 +5322,7 @@
 </p:sld>
 </file>
 
-<file path=ppt/slides/slide8.xml><?xml version="1.0" encoding="utf-8"?>
+<file path=ppt/slides/slide11.xml><?xml version="1.0" encoding="utf-8"?>
 <p:sld xmlns:a="http://schemas.openxmlformats.org/drawingml/2006/main" xmlns:r="http://schemas.openxmlformats.org/officeDocument/2006/relationships" xmlns:p="http://schemas.openxmlformats.org/presentationml/2006/main">
   <p:cSld>
     <p:spTree>
@@ -7398,7 +5549,7 @@
 </p:sld>
 </file>
 
-<file path=ppt/slides/slide9.xml><?xml version="1.0" encoding="utf-8"?>
+<file path=ppt/slides/slide12.xml><?xml version="1.0" encoding="utf-8"?>
 <p:sld xmlns:a="http://schemas.openxmlformats.org/drawingml/2006/main" xmlns:r="http://schemas.openxmlformats.org/officeDocument/2006/relationships" xmlns:p="http://schemas.openxmlformats.org/presentationml/2006/main">
   <p:cSld>
     <p:spTree>
@@ -7462,12 +5613,12 @@
         <p:spPr>
           <a:xfrm>
             <a:off x="609600" y="1600199"/>
-            <a:ext cx="7214592" cy="4965865"/>
+            <a:ext cx="7214592" cy="5141169"/>
           </a:xfrm>
         </p:spPr>
         <p:txBody>
           <a:bodyPr>
-            <a:normAutofit/>
+            <a:normAutofit lnSpcReduction="10000"/>
           </a:bodyPr>
           <a:lstStyle/>
           <a:p>
@@ -7492,7 +5643,7 @@
             </a:r>
             <a:r>
               <a:rPr lang="en-GB" dirty="0"/>
-              <a:t> are 4KB, so maximum 1024 FP32 and similar if you use the SFPU</a:t>
+              <a:t> contain a maximum of 1024 elements and similar if you use the SFPU</a:t>
             </a:r>
           </a:p>
           <a:p>
@@ -7508,8 +5659,12 @@
           <a:p>
             <a:pPr lvl="1"/>
             <a:r>
-              <a:rPr lang="en-GB" dirty="0"/>
-              <a:t>They use the terminology </a:t>
+              <a:rPr lang="en-GB" dirty="0" err="1"/>
+              <a:t>Tenstorrent</a:t>
+            </a:r>
+            <a:r>
+              <a:rPr lang="en-GB" dirty="0"/>
+              <a:t> use the terminology </a:t>
             </a:r>
             <a:r>
               <a:rPr lang="en-GB" i="1" dirty="0"/>
@@ -7527,7 +5682,7 @@
           <a:p>
             <a:r>
               <a:rPr lang="en-GB" dirty="0"/>
-              <a:t>Practical three will explore how to do this, before using the matrix multiplication engine in practical four to perform the compute</a:t>
+              <a:t>Practical three will explore how to do this, before using the matrix multiplication engine in practical four and vector unit in practical five to perform the compute</a:t>
             </a:r>
           </a:p>
         </p:txBody>
@@ -8142,6 +6297,4458 @@
     <p:extLst>
       <p:ext uri="{BB962C8B-B14F-4D97-AF65-F5344CB8AC3E}">
         <p14:creationId xmlns:p14="http://schemas.microsoft.com/office/powerpoint/2010/main" val="2062514832"/>
+      </p:ext>
+    </p:extLst>
+  </p:cSld>
+  <p:clrMapOvr>
+    <a:masterClrMapping/>
+  </p:clrMapOvr>
+</p:sld>
+</file>
+
+<file path=ppt/slides/slide13.xml><?xml version="1.0" encoding="utf-8"?>
+<p:sld xmlns:a="http://schemas.openxmlformats.org/drawingml/2006/main" xmlns:r="http://schemas.openxmlformats.org/officeDocument/2006/relationships" xmlns:p="http://schemas.openxmlformats.org/presentationml/2006/main">
+  <p:cSld>
+    <p:spTree>
+      <p:nvGrpSpPr>
+        <p:cNvPr id="1" name=""/>
+        <p:cNvGrpSpPr/>
+        <p:nvPr/>
+      </p:nvGrpSpPr>
+      <p:grpSpPr>
+        <a:xfrm>
+          <a:off x="0" y="0"/>
+          <a:ext cx="0" cy="0"/>
+          <a:chOff x="0" y="0"/>
+          <a:chExt cx="0" cy="0"/>
+        </a:xfrm>
+      </p:grpSpPr>
+      <p:sp>
+        <p:nvSpPr>
+          <p:cNvPr id="2" name="Title 1">
+            <a:extLst>
+              <a:ext uri="{FF2B5EF4-FFF2-40B4-BE49-F238E27FC236}">
+                <a16:creationId xmlns:a16="http://schemas.microsoft.com/office/drawing/2014/main" id="{019D4782-F68F-6A4B-5DB4-F0A68B09DA8F}"/>
+              </a:ext>
+            </a:extLst>
+          </p:cNvPr>
+          <p:cNvSpPr>
+            <a:spLocks noGrp="1"/>
+          </p:cNvSpPr>
+          <p:nvPr>
+            <p:ph type="title"/>
+          </p:nvPr>
+        </p:nvSpPr>
+        <p:spPr/>
+        <p:txBody>
+          <a:bodyPr>
+            <a:normAutofit fontScale="90000"/>
+          </a:bodyPr>
+          <a:lstStyle/>
+          <a:p>
+            <a:r>
+              <a:rPr lang="en-GB" dirty="0"/>
+              <a:t>What now: </a:t>
+            </a:r>
+            <a:r>
+              <a:rPr lang="en-GB" dirty="0" err="1"/>
+              <a:t>Practicals</a:t>
+            </a:r>
+            <a:r>
+              <a:rPr lang="en-GB" dirty="0"/>
+              <a:t> </a:t>
+            </a:r>
+            <a:r>
+              <a:rPr lang="en-GB"/>
+              <a:t>3,4 &amp; </a:t>
+            </a:r>
+            <a:r>
+              <a:rPr lang="en-GB" dirty="0"/>
+              <a:t>5 and more information</a:t>
+            </a:r>
+          </a:p>
+        </p:txBody>
+      </p:sp>
+      <p:sp>
+        <p:nvSpPr>
+          <p:cNvPr id="3" name="Content Placeholder 2">
+            <a:extLst>
+              <a:ext uri="{FF2B5EF4-FFF2-40B4-BE49-F238E27FC236}">
+                <a16:creationId xmlns:a16="http://schemas.microsoft.com/office/drawing/2014/main" id="{D8877269-F73C-69B7-2596-20A607BF46D4}"/>
+              </a:ext>
+            </a:extLst>
+          </p:cNvPr>
+          <p:cNvSpPr>
+            <a:spLocks noGrp="1"/>
+          </p:cNvSpPr>
+          <p:nvPr>
+            <p:ph idx="1"/>
+          </p:nvPr>
+        </p:nvSpPr>
+        <p:spPr/>
+        <p:txBody>
+          <a:bodyPr>
+            <a:normAutofit fontScale="92500" lnSpcReduction="20000"/>
+          </a:bodyPr>
+          <a:lstStyle/>
+          <a:p>
+            <a:r>
+              <a:rPr lang="en-GB" dirty="0"/>
+              <a:t>We are now going to move onto looking at </a:t>
+            </a:r>
+            <a:r>
+              <a:rPr lang="en-GB" dirty="0" err="1"/>
+              <a:t>practicals</a:t>
+            </a:r>
+            <a:r>
+              <a:rPr lang="en-GB" dirty="0"/>
+              <a:t> 3, 4, and 5</a:t>
+            </a:r>
+          </a:p>
+          <a:p>
+            <a:pPr lvl="1"/>
+            <a:r>
+              <a:rPr lang="en-GB" dirty="0"/>
+              <a:t>Practical three chunks up data (into tiles) and operates on each chunk in tern. This is in preparation to use the FPU/SFPU as they have a maximum of 1024 elements at a time</a:t>
+            </a:r>
+          </a:p>
+          <a:p>
+            <a:pPr lvl="1"/>
+            <a:r>
+              <a:rPr lang="en-GB" dirty="0"/>
+              <a:t>Practical four explores using the FPU (matrix unit) to undertake element wise addition. We sacrifice accuracy (can only use int8) but get performance.</a:t>
+            </a:r>
+          </a:p>
+          <a:p>
+            <a:pPr lvl="1"/>
+            <a:r>
+              <a:rPr lang="en-GB" dirty="0"/>
+              <a:t>Practical five explores using the SFPU (vector unit) to undertake element wise addition. We sacrifice performance but get accuracy (can use int32).</a:t>
+            </a:r>
+          </a:p>
+          <a:p>
+            <a:pPr marL="0" indent="0">
+              <a:buNone/>
+            </a:pPr>
+            <a:endParaRPr lang="en-GB" dirty="0"/>
+          </a:p>
+          <a:p>
+            <a:endParaRPr lang="en-GB" dirty="0"/>
+          </a:p>
+          <a:p>
+            <a:r>
+              <a:rPr lang="en-GB" dirty="0"/>
+              <a:t>There is API based documentation at </a:t>
+            </a:r>
+            <a:r>
+              <a:rPr lang="en-GB" dirty="0">
+                <a:hlinkClick r:id="rId2"/>
+              </a:rPr>
+              <a:t>https://docs.tenstorrent.com/tt-metal/latest/tt-metalium/tt_metal/apis/index.html</a:t>
+            </a:r>
+            <a:r>
+              <a:rPr lang="en-GB" dirty="0"/>
+              <a:t> </a:t>
+            </a:r>
+          </a:p>
+          <a:p>
+            <a:pPr lvl="1"/>
+            <a:r>
+              <a:rPr lang="en-GB" dirty="0"/>
+              <a:t>But this is somewhat incomplete, the API header files at </a:t>
+            </a:r>
+            <a:r>
+              <a:rPr lang="en-GB" dirty="0">
+                <a:hlinkClick r:id="rId3"/>
+              </a:rPr>
+              <a:t>https://github.com/tenstorrent/tt-metal/tree/main/tt_metal/include/compute_kernel_api</a:t>
+            </a:r>
+            <a:r>
+              <a:rPr lang="en-GB" dirty="0"/>
+              <a:t> tend to be more useful</a:t>
+            </a:r>
+          </a:p>
+          <a:p>
+            <a:pPr marL="0" indent="0">
+              <a:buNone/>
+            </a:pPr>
+            <a:endParaRPr lang="en-GB" dirty="0"/>
+          </a:p>
+          <a:p>
+            <a:r>
+              <a:rPr lang="en-GB" dirty="0"/>
+              <a:t>Detailed architecture documentation can be found at </a:t>
+            </a:r>
+            <a:r>
+              <a:rPr lang="en-GB" dirty="0">
+                <a:hlinkClick r:id="rId4"/>
+              </a:rPr>
+              <a:t>https://github.com/tenstorrent/tt-isa-documentation/tree/main/WormholeB0</a:t>
+            </a:r>
+            <a:r>
+              <a:rPr lang="en-GB" dirty="0"/>
+              <a:t> </a:t>
+            </a:r>
+          </a:p>
+        </p:txBody>
+      </p:sp>
+    </p:spTree>
+    <p:extLst>
+      <p:ext uri="{BB962C8B-B14F-4D97-AF65-F5344CB8AC3E}">
+        <p14:creationId xmlns:p14="http://schemas.microsoft.com/office/powerpoint/2010/main" val="2926060181"/>
+      </p:ext>
+    </p:extLst>
+  </p:cSld>
+  <p:clrMapOvr>
+    <a:masterClrMapping/>
+  </p:clrMapOvr>
+</p:sld>
+</file>
+
+<file path=ppt/slides/slide2.xml><?xml version="1.0" encoding="utf-8"?>
+<p:sld xmlns:a="http://schemas.openxmlformats.org/drawingml/2006/main" xmlns:r="http://schemas.openxmlformats.org/officeDocument/2006/relationships" xmlns:p="http://schemas.openxmlformats.org/presentationml/2006/main">
+  <p:cSld>
+    <p:spTree>
+      <p:nvGrpSpPr>
+        <p:cNvPr id="1" name=""/>
+        <p:cNvGrpSpPr/>
+        <p:nvPr/>
+      </p:nvGrpSpPr>
+      <p:grpSpPr>
+        <a:xfrm>
+          <a:off x="0" y="0"/>
+          <a:ext cx="0" cy="0"/>
+          <a:chOff x="0" y="0"/>
+          <a:chExt cx="0" cy="0"/>
+        </a:xfrm>
+      </p:grpSpPr>
+      <p:pic>
+        <p:nvPicPr>
+          <p:cNvPr id="4" name="Picture 3">
+            <a:extLst>
+              <a:ext uri="{FF2B5EF4-FFF2-40B4-BE49-F238E27FC236}">
+                <a16:creationId xmlns:a16="http://schemas.microsoft.com/office/drawing/2014/main" id="{9DD0251A-DE53-B57B-2E9C-95CB67556F53}"/>
+              </a:ext>
+            </a:extLst>
+          </p:cNvPr>
+          <p:cNvPicPr>
+            <a:picLocks noChangeAspect="1"/>
+          </p:cNvPicPr>
+          <p:nvPr/>
+        </p:nvPicPr>
+        <p:blipFill>
+          <a:blip r:embed="rId2"/>
+          <a:stretch>
+            <a:fillRect/>
+          </a:stretch>
+        </p:blipFill>
+        <p:spPr>
+          <a:xfrm>
+            <a:off x="1919536" y="476672"/>
+            <a:ext cx="7553833" cy="2449566"/>
+          </a:xfrm>
+          <a:prstGeom prst="rect">
+            <a:avLst/>
+          </a:prstGeom>
+        </p:spPr>
+      </p:pic>
+      <p:sp>
+        <p:nvSpPr>
+          <p:cNvPr id="7" name="Right Brace 6">
+            <a:extLst>
+              <a:ext uri="{FF2B5EF4-FFF2-40B4-BE49-F238E27FC236}">
+                <a16:creationId xmlns:a16="http://schemas.microsoft.com/office/drawing/2014/main" id="{4D8CCDBD-0BAE-0538-22CB-562C9035572E}"/>
+              </a:ext>
+            </a:extLst>
+          </p:cNvPr>
+          <p:cNvSpPr/>
+          <p:nvPr/>
+        </p:nvSpPr>
+        <p:spPr>
+          <a:xfrm>
+            <a:off x="9408368" y="2915545"/>
+            <a:ext cx="360040" cy="3774920"/>
+          </a:xfrm>
+          <a:prstGeom prst="rightBrace">
+            <a:avLst/>
+          </a:prstGeom>
+          <a:ln w="19050">
+            <a:solidFill>
+              <a:schemeClr val="tx1"/>
+            </a:solidFill>
+          </a:ln>
+        </p:spPr>
+        <p:style>
+          <a:lnRef idx="1">
+            <a:schemeClr val="accent1"/>
+          </a:lnRef>
+          <a:fillRef idx="0">
+            <a:schemeClr val="accent1"/>
+          </a:fillRef>
+          <a:effectRef idx="0">
+            <a:schemeClr val="accent1"/>
+          </a:effectRef>
+          <a:fontRef idx="minor">
+            <a:schemeClr val="tx1"/>
+          </a:fontRef>
+        </p:style>
+        <p:txBody>
+          <a:bodyPr rtlCol="0" anchor="ctr"/>
+          <a:lstStyle/>
+          <a:p>
+            <a:pPr algn="ctr"/>
+            <a:endParaRPr lang="en-GB"/>
+          </a:p>
+        </p:txBody>
+      </p:sp>
+      <p:sp>
+        <p:nvSpPr>
+          <p:cNvPr id="8" name="TextBox 7">
+            <a:extLst>
+              <a:ext uri="{FF2B5EF4-FFF2-40B4-BE49-F238E27FC236}">
+                <a16:creationId xmlns:a16="http://schemas.microsoft.com/office/drawing/2014/main" id="{488222A6-50D9-8708-227A-453FFAA3C075}"/>
+              </a:ext>
+            </a:extLst>
+          </p:cNvPr>
+          <p:cNvSpPr txBox="1"/>
+          <p:nvPr/>
+        </p:nvSpPr>
+        <p:spPr>
+          <a:xfrm>
+            <a:off x="9797476" y="3140968"/>
+            <a:ext cx="2232248" cy="3139321"/>
+          </a:xfrm>
+          <a:prstGeom prst="rect">
+            <a:avLst/>
+          </a:prstGeom>
+          <a:noFill/>
+        </p:spPr>
+        <p:txBody>
+          <a:bodyPr wrap="square" rtlCol="0">
+            <a:spAutoFit/>
+          </a:bodyPr>
+          <a:lstStyle/>
+          <a:p>
+            <a:r>
+              <a:rPr lang="en-GB" dirty="0"/>
+              <a:t>The compute engine has a scalar, matrix and vector unit</a:t>
+            </a:r>
+          </a:p>
+          <a:p>
+            <a:pPr marL="285750" indent="-285750">
+              <a:buFont typeface="Arial" panose="020B0604020202020204" pitchFamily="34" charset="0"/>
+              <a:buChar char="•"/>
+            </a:pPr>
+            <a:r>
+              <a:rPr lang="en-GB" dirty="0" err="1"/>
+              <a:t>SrcA</a:t>
+            </a:r>
+            <a:r>
+              <a:rPr lang="en-GB" dirty="0"/>
+              <a:t> and </a:t>
+            </a:r>
+            <a:r>
+              <a:rPr lang="en-GB" dirty="0" err="1"/>
+              <a:t>SrcB</a:t>
+            </a:r>
+            <a:r>
+              <a:rPr lang="en-GB" dirty="0"/>
+              <a:t> are input registers</a:t>
+            </a:r>
+          </a:p>
+          <a:p>
+            <a:pPr marL="285750" indent="-285750">
+              <a:buFont typeface="Arial" panose="020B0604020202020204" pitchFamily="34" charset="0"/>
+              <a:buChar char="•"/>
+            </a:pPr>
+            <a:r>
+              <a:rPr lang="en-GB" dirty="0" err="1"/>
+              <a:t>Dst</a:t>
+            </a:r>
+            <a:r>
+              <a:rPr lang="en-GB" dirty="0"/>
+              <a:t> is an output register (and input register for Vector unit too)</a:t>
+            </a:r>
+          </a:p>
+        </p:txBody>
+      </p:sp>
+      <p:pic>
+        <p:nvPicPr>
+          <p:cNvPr id="10" name="Picture 9">
+            <a:extLst>
+              <a:ext uri="{FF2B5EF4-FFF2-40B4-BE49-F238E27FC236}">
+                <a16:creationId xmlns:a16="http://schemas.microsoft.com/office/drawing/2014/main" id="{60620C49-0A29-B825-64B9-7C904D069182}"/>
+              </a:ext>
+            </a:extLst>
+          </p:cNvPr>
+          <p:cNvPicPr>
+            <a:picLocks noChangeAspect="1"/>
+          </p:cNvPicPr>
+          <p:nvPr/>
+        </p:nvPicPr>
+        <p:blipFill>
+          <a:blip r:embed="rId3"/>
+          <a:stretch>
+            <a:fillRect/>
+          </a:stretch>
+        </p:blipFill>
+        <p:spPr>
+          <a:xfrm>
+            <a:off x="603473" y="2905981"/>
+            <a:ext cx="8709223" cy="3804742"/>
+          </a:xfrm>
+          <a:prstGeom prst="rect">
+            <a:avLst/>
+          </a:prstGeom>
+        </p:spPr>
+      </p:pic>
+    </p:spTree>
+    <p:extLst>
+      <p:ext uri="{BB962C8B-B14F-4D97-AF65-F5344CB8AC3E}">
+        <p14:creationId xmlns:p14="http://schemas.microsoft.com/office/powerpoint/2010/main" val="708325140"/>
+      </p:ext>
+    </p:extLst>
+  </p:cSld>
+  <p:clrMapOvr>
+    <a:masterClrMapping/>
+  </p:clrMapOvr>
+</p:sld>
+</file>
+
+<file path=ppt/slides/slide3.xml><?xml version="1.0" encoding="utf-8"?>
+<p:sld xmlns:a="http://schemas.openxmlformats.org/drawingml/2006/main" xmlns:r="http://schemas.openxmlformats.org/officeDocument/2006/relationships" xmlns:p="http://schemas.openxmlformats.org/presentationml/2006/main">
+  <p:cSld>
+    <p:spTree>
+      <p:nvGrpSpPr>
+        <p:cNvPr id="1" name=""/>
+        <p:cNvGrpSpPr/>
+        <p:nvPr/>
+      </p:nvGrpSpPr>
+      <p:grpSpPr>
+        <a:xfrm>
+          <a:off x="0" y="0"/>
+          <a:ext cx="0" cy="0"/>
+          <a:chOff x="0" y="0"/>
+          <a:chExt cx="0" cy="0"/>
+        </a:xfrm>
+      </p:grpSpPr>
+      <p:sp>
+        <p:nvSpPr>
+          <p:cNvPr id="2" name="Title 1">
+            <a:extLst>
+              <a:ext uri="{FF2B5EF4-FFF2-40B4-BE49-F238E27FC236}">
+                <a16:creationId xmlns:a16="http://schemas.microsoft.com/office/drawing/2014/main" id="{D0ECF74D-9939-B3E1-F0D3-7AEAD65CA0BE}"/>
+              </a:ext>
+            </a:extLst>
+          </p:cNvPr>
+          <p:cNvSpPr>
+            <a:spLocks noGrp="1"/>
+          </p:cNvSpPr>
+          <p:nvPr>
+            <p:ph type="title"/>
+          </p:nvPr>
+        </p:nvSpPr>
+        <p:spPr/>
+        <p:txBody>
+          <a:bodyPr/>
+          <a:lstStyle/>
+          <a:p>
+            <a:r>
+              <a:rPr lang="en-GB" dirty="0"/>
+              <a:t>A more accurate diagram….</a:t>
+            </a:r>
+          </a:p>
+        </p:txBody>
+      </p:sp>
+      <p:sp>
+        <p:nvSpPr>
+          <p:cNvPr id="3" name="Content Placeholder 2">
+            <a:extLst>
+              <a:ext uri="{FF2B5EF4-FFF2-40B4-BE49-F238E27FC236}">
+                <a16:creationId xmlns:a16="http://schemas.microsoft.com/office/drawing/2014/main" id="{7C87A92A-8282-F3C4-11D8-7928A89BD3D6}"/>
+              </a:ext>
+            </a:extLst>
+          </p:cNvPr>
+          <p:cNvSpPr>
+            <a:spLocks noGrp="1"/>
+          </p:cNvSpPr>
+          <p:nvPr>
+            <p:ph idx="1"/>
+          </p:nvPr>
+        </p:nvSpPr>
+        <p:spPr>
+          <a:xfrm>
+            <a:off x="6267972" y="1481800"/>
+            <a:ext cx="5516660" cy="5040560"/>
+          </a:xfrm>
+        </p:spPr>
+        <p:txBody>
+          <a:bodyPr>
+            <a:normAutofit lnSpcReduction="10000"/>
+          </a:bodyPr>
+          <a:lstStyle/>
+          <a:p>
+            <a:r>
+              <a:rPr lang="en-GB" dirty="0"/>
+              <a:t>The matrix unit can perform up to 4.096 TFLOP/s</a:t>
+            </a:r>
+          </a:p>
+          <a:p>
+            <a:r>
+              <a:rPr lang="en-GB" dirty="0"/>
+              <a:t>The vector unit can perform 32 FP32 maths operations per cycle</a:t>
+            </a:r>
+          </a:p>
+          <a:p>
+            <a:endParaRPr lang="en-GB" dirty="0"/>
+          </a:p>
+          <a:p>
+            <a:r>
+              <a:rPr lang="en-GB" dirty="0"/>
+              <a:t>This is FP32(</a:t>
+            </a:r>
+            <a:r>
+              <a:rPr lang="en-GB" dirty="0" err="1"/>
+              <a:t>ish</a:t>
+            </a:r>
+            <a:r>
+              <a:rPr lang="en-GB" dirty="0"/>
+              <a:t>)</a:t>
+            </a:r>
+          </a:p>
+          <a:p>
+            <a:pPr lvl="1"/>
+            <a:r>
+              <a:rPr lang="en-GB" dirty="0"/>
+              <a:t>The matrix unit makes several sacrifices to IEEE compliance to achieve this performance</a:t>
+            </a:r>
+          </a:p>
+          <a:p>
+            <a:pPr lvl="2"/>
+            <a:r>
+              <a:rPr lang="en-GB" dirty="0"/>
+              <a:t>Maximum of 19 bits for each element, so supports a maximum of TF32</a:t>
+            </a:r>
+          </a:p>
+          <a:p>
+            <a:pPr lvl="1"/>
+            <a:r>
+              <a:rPr lang="en-GB" dirty="0"/>
+              <a:t>The vector unit provides full FP32 support, so for HPC workloads this is probably the one we would use</a:t>
+            </a:r>
+          </a:p>
+          <a:p>
+            <a:pPr lvl="2"/>
+            <a:r>
+              <a:rPr lang="en-GB" dirty="0"/>
+              <a:t>However, performance is slower</a:t>
+            </a:r>
+          </a:p>
+        </p:txBody>
+      </p:sp>
+      <p:pic>
+        <p:nvPicPr>
+          <p:cNvPr id="5" name="Picture 4">
+            <a:extLst>
+              <a:ext uri="{FF2B5EF4-FFF2-40B4-BE49-F238E27FC236}">
+                <a16:creationId xmlns:a16="http://schemas.microsoft.com/office/drawing/2014/main" id="{0C7B079F-3604-4D81-6A1B-B5819FC8308C}"/>
+              </a:ext>
+            </a:extLst>
+          </p:cNvPr>
+          <p:cNvPicPr>
+            <a:picLocks noChangeAspect="1"/>
+          </p:cNvPicPr>
+          <p:nvPr/>
+        </p:nvPicPr>
+        <p:blipFill>
+          <a:blip r:embed="rId2"/>
+          <a:stretch>
+            <a:fillRect/>
+          </a:stretch>
+        </p:blipFill>
+        <p:spPr>
+          <a:xfrm>
+            <a:off x="263352" y="1481800"/>
+            <a:ext cx="5660678" cy="4559349"/>
+          </a:xfrm>
+          <a:prstGeom prst="rect">
+            <a:avLst/>
+          </a:prstGeom>
+        </p:spPr>
+      </p:pic>
+      <p:sp>
+        <p:nvSpPr>
+          <p:cNvPr id="6" name="TextBox 5">
+            <a:extLst>
+              <a:ext uri="{FF2B5EF4-FFF2-40B4-BE49-F238E27FC236}">
+                <a16:creationId xmlns:a16="http://schemas.microsoft.com/office/drawing/2014/main" id="{266039DD-EC7F-3338-2323-7520AFFAB6D7}"/>
+              </a:ext>
+            </a:extLst>
+          </p:cNvPr>
+          <p:cNvSpPr txBox="1"/>
+          <p:nvPr/>
+        </p:nvSpPr>
+        <p:spPr>
+          <a:xfrm>
+            <a:off x="407368" y="6041149"/>
+            <a:ext cx="5328592" cy="276999"/>
+          </a:xfrm>
+          <a:prstGeom prst="rect">
+            <a:avLst/>
+          </a:prstGeom>
+          <a:noFill/>
+        </p:spPr>
+        <p:txBody>
+          <a:bodyPr wrap="square" rtlCol="0">
+            <a:spAutoFit/>
+          </a:bodyPr>
+          <a:lstStyle/>
+          <a:p>
+            <a:pPr algn="ctr"/>
+            <a:r>
+              <a:rPr lang="en-GB" sz="1200" i="1" dirty="0"/>
+              <a:t>From Pete Cawley’s blog at </a:t>
+            </a:r>
+            <a:r>
+              <a:rPr lang="en-GB" sz="1200" i="1" dirty="0">
+                <a:hlinkClick r:id="rId3"/>
+              </a:rPr>
+              <a:t>https://www.corsix.org/content/tt-wh-part7</a:t>
+            </a:r>
+            <a:r>
+              <a:rPr lang="en-GB" sz="1200" i="1" dirty="0"/>
+              <a:t> </a:t>
+            </a:r>
+          </a:p>
+        </p:txBody>
+      </p:sp>
+    </p:spTree>
+    <p:extLst>
+      <p:ext uri="{BB962C8B-B14F-4D97-AF65-F5344CB8AC3E}">
+        <p14:creationId xmlns:p14="http://schemas.microsoft.com/office/powerpoint/2010/main" val="1225405598"/>
+      </p:ext>
+    </p:extLst>
+  </p:cSld>
+  <p:clrMapOvr>
+    <a:masterClrMapping/>
+  </p:clrMapOvr>
+</p:sld>
+</file>
+
+<file path=ppt/slides/slide4.xml><?xml version="1.0" encoding="utf-8"?>
+<p:sld xmlns:a="http://schemas.openxmlformats.org/drawingml/2006/main" xmlns:r="http://schemas.openxmlformats.org/officeDocument/2006/relationships" xmlns:p="http://schemas.openxmlformats.org/presentationml/2006/main">
+  <p:cSld>
+    <p:spTree>
+      <p:nvGrpSpPr>
+        <p:cNvPr id="1" name=""/>
+        <p:cNvGrpSpPr/>
+        <p:nvPr/>
+      </p:nvGrpSpPr>
+      <p:grpSpPr>
+        <a:xfrm>
+          <a:off x="0" y="0"/>
+          <a:ext cx="0" cy="0"/>
+          <a:chOff x="0" y="0"/>
+          <a:chExt cx="0" cy="0"/>
+        </a:xfrm>
+      </p:grpSpPr>
+      <p:sp>
+        <p:nvSpPr>
+          <p:cNvPr id="2" name="Title 1">
+            <a:extLst>
+              <a:ext uri="{FF2B5EF4-FFF2-40B4-BE49-F238E27FC236}">
+                <a16:creationId xmlns:a16="http://schemas.microsoft.com/office/drawing/2014/main" id="{9EC7782F-3D10-D140-F870-A0A9055A7C0C}"/>
+              </a:ext>
+            </a:extLst>
+          </p:cNvPr>
+          <p:cNvSpPr>
+            <a:spLocks noGrp="1"/>
+          </p:cNvSpPr>
+          <p:nvPr>
+            <p:ph type="title"/>
+          </p:nvPr>
+        </p:nvSpPr>
+        <p:spPr/>
+        <p:txBody>
+          <a:bodyPr/>
+          <a:lstStyle/>
+          <a:p>
+            <a:r>
+              <a:rPr lang="en-GB" dirty="0"/>
+              <a:t>Data supported by the matrix unit (FPU)</a:t>
+            </a:r>
+          </a:p>
+        </p:txBody>
+      </p:sp>
+      <p:sp>
+        <p:nvSpPr>
+          <p:cNvPr id="3" name="Content Placeholder 2">
+            <a:extLst>
+              <a:ext uri="{FF2B5EF4-FFF2-40B4-BE49-F238E27FC236}">
+                <a16:creationId xmlns:a16="http://schemas.microsoft.com/office/drawing/2014/main" id="{59A938AC-0317-1D6B-4749-59D7A928DE28}"/>
+              </a:ext>
+            </a:extLst>
+          </p:cNvPr>
+          <p:cNvSpPr>
+            <a:spLocks noGrp="1"/>
+          </p:cNvSpPr>
+          <p:nvPr>
+            <p:ph idx="1"/>
+          </p:nvPr>
+        </p:nvSpPr>
+        <p:spPr>
+          <a:xfrm>
+            <a:off x="609600" y="1600200"/>
+            <a:ext cx="7502624" cy="5141168"/>
+          </a:xfrm>
+        </p:spPr>
+        <p:txBody>
+          <a:bodyPr>
+            <a:normAutofit/>
+          </a:bodyPr>
+          <a:lstStyle/>
+          <a:p>
+            <a:r>
+              <a:rPr lang="en-GB" dirty="0"/>
+              <a:t>Inputs to the matrix unit (</a:t>
+            </a:r>
+            <a:r>
+              <a:rPr lang="en-GB" dirty="0" err="1"/>
+              <a:t>srcA</a:t>
+            </a:r>
+            <a:r>
+              <a:rPr lang="en-GB" dirty="0"/>
+              <a:t> and </a:t>
+            </a:r>
+            <a:r>
+              <a:rPr lang="en-GB" dirty="0" err="1"/>
+              <a:t>srcB</a:t>
+            </a:r>
+            <a:r>
+              <a:rPr lang="en-GB" dirty="0"/>
+              <a:t>) are two banks of 64 rows by 16 columns of 19-bit data</a:t>
+            </a:r>
+          </a:p>
+        </p:txBody>
+      </p:sp>
+      <p:pic>
+        <p:nvPicPr>
+          <p:cNvPr id="5" name="Picture 4">
+            <a:extLst>
+              <a:ext uri="{FF2B5EF4-FFF2-40B4-BE49-F238E27FC236}">
+                <a16:creationId xmlns:a16="http://schemas.microsoft.com/office/drawing/2014/main" id="{650D98DF-78E1-2EEE-6C24-C21195A6ACED}"/>
+              </a:ext>
+            </a:extLst>
+          </p:cNvPr>
+          <p:cNvPicPr>
+            <a:picLocks noChangeAspect="1"/>
+          </p:cNvPicPr>
+          <p:nvPr/>
+        </p:nvPicPr>
+        <p:blipFill>
+          <a:blip r:embed="rId2"/>
+          <a:stretch>
+            <a:fillRect/>
+          </a:stretch>
+        </p:blipFill>
+        <p:spPr>
+          <a:xfrm>
+            <a:off x="1628151" y="3861048"/>
+            <a:ext cx="8935697" cy="1524213"/>
+          </a:xfrm>
+          <a:prstGeom prst="rect">
+            <a:avLst/>
+          </a:prstGeom>
+        </p:spPr>
+      </p:pic>
+      <p:sp>
+        <p:nvSpPr>
+          <p:cNvPr id="6" name="TextBox 5">
+            <a:extLst>
+              <a:ext uri="{FF2B5EF4-FFF2-40B4-BE49-F238E27FC236}">
+                <a16:creationId xmlns:a16="http://schemas.microsoft.com/office/drawing/2014/main" id="{4637312A-F9D0-3137-521E-5013689D881A}"/>
+              </a:ext>
+            </a:extLst>
+          </p:cNvPr>
+          <p:cNvSpPr txBox="1"/>
+          <p:nvPr/>
+        </p:nvSpPr>
+        <p:spPr>
+          <a:xfrm>
+            <a:off x="1628151" y="5385261"/>
+            <a:ext cx="8935697" cy="276999"/>
+          </a:xfrm>
+          <a:prstGeom prst="rect">
+            <a:avLst/>
+          </a:prstGeom>
+          <a:noFill/>
+        </p:spPr>
+        <p:txBody>
+          <a:bodyPr wrap="square" rtlCol="0">
+            <a:spAutoFit/>
+          </a:bodyPr>
+          <a:lstStyle/>
+          <a:p>
+            <a:pPr algn="ctr"/>
+            <a:r>
+              <a:rPr lang="en-GB" sz="1200" dirty="0"/>
+              <a:t>From </a:t>
+            </a:r>
+            <a:r>
+              <a:rPr lang="en-GB" sz="1200" dirty="0">
+                <a:hlinkClick r:id="rId3"/>
+              </a:rPr>
+              <a:t>https://github.com/tenstorrent/tt-isa-documentation/blob/main/WormholeB0/TensixTile/TensixCoprocessor/SrcASrcB.md</a:t>
+            </a:r>
+            <a:endParaRPr lang="en-GB" sz="1200" dirty="0"/>
+          </a:p>
+        </p:txBody>
+      </p:sp>
+      <p:grpSp>
+        <p:nvGrpSpPr>
+          <p:cNvPr id="19" name="Group 18">
+            <a:extLst>
+              <a:ext uri="{FF2B5EF4-FFF2-40B4-BE49-F238E27FC236}">
+                <a16:creationId xmlns:a16="http://schemas.microsoft.com/office/drawing/2014/main" id="{7F30BC9C-7AFC-54F4-90D5-DF850A59DDE7}"/>
+              </a:ext>
+            </a:extLst>
+          </p:cNvPr>
+          <p:cNvGrpSpPr/>
+          <p:nvPr/>
+        </p:nvGrpSpPr>
+        <p:grpSpPr>
+          <a:xfrm>
+            <a:off x="8760296" y="1450804"/>
+            <a:ext cx="3240360" cy="948401"/>
+            <a:chOff x="10214248" y="444076"/>
+            <a:chExt cx="3565631" cy="1097910"/>
+          </a:xfrm>
+        </p:grpSpPr>
+        <p:sp>
+          <p:nvSpPr>
+            <p:cNvPr id="4" name="Rectangle: Rounded Corners 3">
+              <a:extLst>
+                <a:ext uri="{FF2B5EF4-FFF2-40B4-BE49-F238E27FC236}">
+                  <a16:creationId xmlns:a16="http://schemas.microsoft.com/office/drawing/2014/main" id="{8A06C9B5-CCB0-533D-149D-1233A96560F4}"/>
+                </a:ext>
+              </a:extLst>
+            </p:cNvPr>
+            <p:cNvSpPr/>
+            <p:nvPr/>
+          </p:nvSpPr>
+          <p:spPr>
+            <a:xfrm>
+              <a:off x="11438384" y="480586"/>
+              <a:ext cx="1152128" cy="1008112"/>
+            </a:xfrm>
+            <a:prstGeom prst="roundRect">
+              <a:avLst/>
+            </a:prstGeom>
+            <a:noFill/>
+            <a:ln>
+              <a:solidFill>
+                <a:srgbClr val="0070C0"/>
+              </a:solidFill>
+            </a:ln>
+          </p:spPr>
+          <p:style>
+            <a:lnRef idx="2">
+              <a:schemeClr val="accent1">
+                <a:shade val="15000"/>
+              </a:schemeClr>
+            </a:lnRef>
+            <a:fillRef idx="1">
+              <a:schemeClr val="accent1"/>
+            </a:fillRef>
+            <a:effectRef idx="0">
+              <a:schemeClr val="accent1"/>
+            </a:effectRef>
+            <a:fontRef idx="minor">
+              <a:schemeClr val="lt1"/>
+            </a:fontRef>
+          </p:style>
+          <p:txBody>
+            <a:bodyPr rtlCol="0" anchor="ctr"/>
+            <a:lstStyle/>
+            <a:p>
+              <a:pPr algn="ctr"/>
+              <a:r>
+                <a:rPr lang="en-GB" dirty="0">
+                  <a:solidFill>
+                    <a:srgbClr val="0070C0"/>
+                  </a:solidFill>
+                </a:rPr>
+                <a:t>FPU</a:t>
+              </a:r>
+            </a:p>
+          </p:txBody>
+        </p:sp>
+        <p:sp>
+          <p:nvSpPr>
+            <p:cNvPr id="7" name="Rectangle 6">
+              <a:extLst>
+                <a:ext uri="{FF2B5EF4-FFF2-40B4-BE49-F238E27FC236}">
+                  <a16:creationId xmlns:a16="http://schemas.microsoft.com/office/drawing/2014/main" id="{02A6826D-1EE7-5327-AB13-ABC0D2A6125A}"/>
+                </a:ext>
+              </a:extLst>
+            </p:cNvPr>
+            <p:cNvSpPr/>
+            <p:nvPr/>
+          </p:nvSpPr>
+          <p:spPr>
+            <a:xfrm>
+              <a:off x="10214248" y="458882"/>
+              <a:ext cx="864096" cy="432048"/>
+            </a:xfrm>
+            <a:prstGeom prst="rect">
+              <a:avLst/>
+            </a:prstGeom>
+            <a:noFill/>
+            <a:ln>
+              <a:solidFill>
+                <a:srgbClr val="C00000"/>
+              </a:solidFill>
+            </a:ln>
+          </p:spPr>
+          <p:style>
+            <a:lnRef idx="2">
+              <a:schemeClr val="accent1">
+                <a:shade val="15000"/>
+              </a:schemeClr>
+            </a:lnRef>
+            <a:fillRef idx="1">
+              <a:schemeClr val="accent1"/>
+            </a:fillRef>
+            <a:effectRef idx="0">
+              <a:schemeClr val="accent1"/>
+            </a:effectRef>
+            <a:fontRef idx="minor">
+              <a:schemeClr val="lt1"/>
+            </a:fontRef>
+          </p:style>
+          <p:txBody>
+            <a:bodyPr rtlCol="0" anchor="ctr"/>
+            <a:lstStyle/>
+            <a:p>
+              <a:pPr algn="ctr"/>
+              <a:r>
+                <a:rPr lang="en-GB" i="1" dirty="0" err="1">
+                  <a:solidFill>
+                    <a:srgbClr val="C00000"/>
+                  </a:solidFill>
+                </a:rPr>
+                <a:t>srcA</a:t>
+              </a:r>
+              <a:endParaRPr lang="en-GB" i="1" dirty="0">
+                <a:solidFill>
+                  <a:srgbClr val="C00000"/>
+                </a:solidFill>
+              </a:endParaRPr>
+            </a:p>
+          </p:txBody>
+        </p:sp>
+        <p:sp>
+          <p:nvSpPr>
+            <p:cNvPr id="8" name="Rectangle 7">
+              <a:extLst>
+                <a:ext uri="{FF2B5EF4-FFF2-40B4-BE49-F238E27FC236}">
+                  <a16:creationId xmlns:a16="http://schemas.microsoft.com/office/drawing/2014/main" id="{F6029C4E-B76E-E854-A0C7-5A7B88A0878B}"/>
+                </a:ext>
+              </a:extLst>
+            </p:cNvPr>
+            <p:cNvSpPr/>
+            <p:nvPr/>
+          </p:nvSpPr>
+          <p:spPr>
+            <a:xfrm>
+              <a:off x="10229084" y="1109938"/>
+              <a:ext cx="864096" cy="432048"/>
+            </a:xfrm>
+            <a:prstGeom prst="rect">
+              <a:avLst/>
+            </a:prstGeom>
+            <a:noFill/>
+            <a:ln>
+              <a:solidFill>
+                <a:srgbClr val="C00000"/>
+              </a:solidFill>
+            </a:ln>
+          </p:spPr>
+          <p:style>
+            <a:lnRef idx="2">
+              <a:schemeClr val="accent1">
+                <a:shade val="15000"/>
+              </a:schemeClr>
+            </a:lnRef>
+            <a:fillRef idx="1">
+              <a:schemeClr val="accent1"/>
+            </a:fillRef>
+            <a:effectRef idx="0">
+              <a:schemeClr val="accent1"/>
+            </a:effectRef>
+            <a:fontRef idx="minor">
+              <a:schemeClr val="lt1"/>
+            </a:fontRef>
+          </p:style>
+          <p:txBody>
+            <a:bodyPr rtlCol="0" anchor="ctr"/>
+            <a:lstStyle/>
+            <a:p>
+              <a:pPr algn="ctr"/>
+              <a:r>
+                <a:rPr lang="en-GB" i="1" dirty="0" err="1">
+                  <a:solidFill>
+                    <a:srgbClr val="C00000"/>
+                  </a:solidFill>
+                </a:rPr>
+                <a:t>srcB</a:t>
+              </a:r>
+              <a:endParaRPr lang="en-GB" i="1" dirty="0">
+                <a:solidFill>
+                  <a:srgbClr val="C00000"/>
+                </a:solidFill>
+              </a:endParaRPr>
+            </a:p>
+          </p:txBody>
+        </p:sp>
+        <p:sp>
+          <p:nvSpPr>
+            <p:cNvPr id="9" name="Rectangle 8">
+              <a:extLst>
+                <a:ext uri="{FF2B5EF4-FFF2-40B4-BE49-F238E27FC236}">
+                  <a16:creationId xmlns:a16="http://schemas.microsoft.com/office/drawing/2014/main" id="{14F968E9-1ED3-86B7-0A6E-8B34898E0634}"/>
+                </a:ext>
+              </a:extLst>
+            </p:cNvPr>
+            <p:cNvSpPr/>
+            <p:nvPr/>
+          </p:nvSpPr>
+          <p:spPr>
+            <a:xfrm>
+              <a:off x="12915783" y="444076"/>
+              <a:ext cx="864096" cy="1081132"/>
+            </a:xfrm>
+            <a:prstGeom prst="rect">
+              <a:avLst/>
+            </a:prstGeom>
+            <a:noFill/>
+            <a:ln>
+              <a:solidFill>
+                <a:srgbClr val="00B050"/>
+              </a:solidFill>
+            </a:ln>
+          </p:spPr>
+          <p:style>
+            <a:lnRef idx="2">
+              <a:schemeClr val="accent1">
+                <a:shade val="15000"/>
+              </a:schemeClr>
+            </a:lnRef>
+            <a:fillRef idx="1">
+              <a:schemeClr val="accent1"/>
+            </a:fillRef>
+            <a:effectRef idx="0">
+              <a:schemeClr val="accent1"/>
+            </a:effectRef>
+            <a:fontRef idx="minor">
+              <a:schemeClr val="lt1"/>
+            </a:fontRef>
+          </p:style>
+          <p:txBody>
+            <a:bodyPr rtlCol="0" anchor="ctr"/>
+            <a:lstStyle/>
+            <a:p>
+              <a:pPr algn="ctr"/>
+              <a:r>
+                <a:rPr lang="en-GB" i="1" dirty="0" err="1">
+                  <a:solidFill>
+                    <a:srgbClr val="00B050"/>
+                  </a:solidFill>
+                </a:rPr>
+                <a:t>dst</a:t>
+              </a:r>
+              <a:endParaRPr lang="en-GB" i="1" dirty="0">
+                <a:solidFill>
+                  <a:srgbClr val="00B050"/>
+                </a:solidFill>
+              </a:endParaRPr>
+            </a:p>
+          </p:txBody>
+        </p:sp>
+        <p:cxnSp>
+          <p:nvCxnSpPr>
+            <p:cNvPr id="11" name="Straight Arrow Connector 10">
+              <a:extLst>
+                <a:ext uri="{FF2B5EF4-FFF2-40B4-BE49-F238E27FC236}">
+                  <a16:creationId xmlns:a16="http://schemas.microsoft.com/office/drawing/2014/main" id="{12D2B76C-DAD3-3B86-39BF-F03C44892D73}"/>
+                </a:ext>
+              </a:extLst>
+            </p:cNvPr>
+            <p:cNvCxnSpPr>
+              <a:stCxn id="7" idx="3"/>
+            </p:cNvCxnSpPr>
+            <p:nvPr/>
+          </p:nvCxnSpPr>
+          <p:spPr>
+            <a:xfrm>
+              <a:off x="11078344" y="674906"/>
+              <a:ext cx="360040" cy="89798"/>
+            </a:xfrm>
+            <a:prstGeom prst="straightConnector1">
+              <a:avLst/>
+            </a:prstGeom>
+            <a:ln w="22225">
+              <a:solidFill>
+                <a:srgbClr val="C00000"/>
+              </a:solidFill>
+              <a:tailEnd type="triangle"/>
+            </a:ln>
+          </p:spPr>
+          <p:style>
+            <a:lnRef idx="1">
+              <a:schemeClr val="accent1"/>
+            </a:lnRef>
+            <a:fillRef idx="0">
+              <a:schemeClr val="accent1"/>
+            </a:fillRef>
+            <a:effectRef idx="0">
+              <a:schemeClr val="accent1"/>
+            </a:effectRef>
+            <a:fontRef idx="minor">
+              <a:schemeClr val="tx1"/>
+            </a:fontRef>
+          </p:style>
+        </p:cxnSp>
+        <p:cxnSp>
+          <p:nvCxnSpPr>
+            <p:cNvPr id="12" name="Straight Arrow Connector 11">
+              <a:extLst>
+                <a:ext uri="{FF2B5EF4-FFF2-40B4-BE49-F238E27FC236}">
+                  <a16:creationId xmlns:a16="http://schemas.microsoft.com/office/drawing/2014/main" id="{E8B1A029-E0FA-48D8-DD91-A06D459065AB}"/>
+                </a:ext>
+              </a:extLst>
+            </p:cNvPr>
+            <p:cNvCxnSpPr>
+              <a:cxnSpLocks/>
+              <a:stCxn id="8" idx="3"/>
+            </p:cNvCxnSpPr>
+            <p:nvPr/>
+          </p:nvCxnSpPr>
+          <p:spPr>
+            <a:xfrm flipV="1">
+              <a:off x="11093180" y="1196752"/>
+              <a:ext cx="345204" cy="129210"/>
+            </a:xfrm>
+            <a:prstGeom prst="straightConnector1">
+              <a:avLst/>
+            </a:prstGeom>
+            <a:ln w="22225">
+              <a:solidFill>
+                <a:srgbClr val="C00000"/>
+              </a:solidFill>
+              <a:tailEnd type="triangle"/>
+            </a:ln>
+          </p:spPr>
+          <p:style>
+            <a:lnRef idx="1">
+              <a:schemeClr val="accent1"/>
+            </a:lnRef>
+            <a:fillRef idx="0">
+              <a:schemeClr val="accent1"/>
+            </a:fillRef>
+            <a:effectRef idx="0">
+              <a:schemeClr val="accent1"/>
+            </a:effectRef>
+            <a:fontRef idx="minor">
+              <a:schemeClr val="tx1"/>
+            </a:fontRef>
+          </p:style>
+        </p:cxnSp>
+        <p:cxnSp>
+          <p:nvCxnSpPr>
+            <p:cNvPr id="15" name="Straight Arrow Connector 14">
+              <a:extLst>
+                <a:ext uri="{FF2B5EF4-FFF2-40B4-BE49-F238E27FC236}">
+                  <a16:creationId xmlns:a16="http://schemas.microsoft.com/office/drawing/2014/main" id="{BA98348D-960F-B18D-6837-DE4E5EC4B936}"/>
+                </a:ext>
+              </a:extLst>
+            </p:cNvPr>
+            <p:cNvCxnSpPr>
+              <a:cxnSpLocks/>
+              <a:stCxn id="4" idx="3"/>
+              <a:endCxn id="9" idx="1"/>
+            </p:cNvCxnSpPr>
+            <p:nvPr/>
+          </p:nvCxnSpPr>
+          <p:spPr>
+            <a:xfrm>
+              <a:off x="12590512" y="984642"/>
+              <a:ext cx="325271" cy="0"/>
+            </a:xfrm>
+            <a:prstGeom prst="straightConnector1">
+              <a:avLst/>
+            </a:prstGeom>
+            <a:ln w="22225">
+              <a:solidFill>
+                <a:srgbClr val="00B050"/>
+              </a:solidFill>
+              <a:tailEnd type="triangle"/>
+            </a:ln>
+          </p:spPr>
+          <p:style>
+            <a:lnRef idx="1">
+              <a:schemeClr val="accent1"/>
+            </a:lnRef>
+            <a:fillRef idx="0">
+              <a:schemeClr val="accent1"/>
+            </a:fillRef>
+            <a:effectRef idx="0">
+              <a:schemeClr val="accent1"/>
+            </a:effectRef>
+            <a:fontRef idx="minor">
+              <a:schemeClr val="tx1"/>
+            </a:fontRef>
+          </p:style>
+        </p:cxnSp>
+      </p:grpSp>
+      <p:sp>
+        <p:nvSpPr>
+          <p:cNvPr id="20" name="Content Placeholder 2">
+            <a:extLst>
+              <a:ext uri="{FF2B5EF4-FFF2-40B4-BE49-F238E27FC236}">
+                <a16:creationId xmlns:a16="http://schemas.microsoft.com/office/drawing/2014/main" id="{8E6B4258-830C-C992-D007-813600B5944E}"/>
+              </a:ext>
+            </a:extLst>
+          </p:cNvPr>
+          <p:cNvSpPr txBox="1">
+            <a:spLocks/>
+          </p:cNvSpPr>
+          <p:nvPr/>
+        </p:nvSpPr>
+        <p:spPr>
+          <a:xfrm>
+            <a:off x="609599" y="2420888"/>
+            <a:ext cx="10972800" cy="5141168"/>
+          </a:xfrm>
+          <a:prstGeom prst="rect">
+            <a:avLst/>
+          </a:prstGeom>
+        </p:spPr>
+        <p:txBody>
+          <a:bodyPr vert="horz" lIns="91440" tIns="45720" rIns="91440" bIns="45720" rtlCol="0">
+            <a:normAutofit/>
+          </a:bodyPr>
+          <a:lstStyle>
+            <a:lvl1pPr marL="182880" indent="-182880" algn="l" defTabSz="914400" rtl="0" eaLnBrk="1" latinLnBrk="0" hangingPunct="1">
+              <a:spcBef>
+                <a:spcPct val="20000"/>
+              </a:spcBef>
+              <a:buClr>
+                <a:schemeClr val="accent1"/>
+              </a:buClr>
+              <a:buSzPct val="85000"/>
+              <a:buFont typeface="Arial" pitchFamily="34" charset="0"/>
+              <a:buChar char="•"/>
+              <a:defRPr sz="2400" kern="1200">
+                <a:solidFill>
+                  <a:schemeClr val="tx1"/>
+                </a:solidFill>
+                <a:latin typeface="+mn-lt"/>
+                <a:ea typeface="+mn-ea"/>
+                <a:cs typeface="+mn-cs"/>
+              </a:defRPr>
+            </a:lvl1pPr>
+            <a:lvl2pPr marL="457200" indent="-182880" algn="l" defTabSz="914400" rtl="0" eaLnBrk="1" latinLnBrk="0" hangingPunct="1">
+              <a:spcBef>
+                <a:spcPct val="20000"/>
+              </a:spcBef>
+              <a:buClr>
+                <a:schemeClr val="accent1"/>
+              </a:buClr>
+              <a:buSzPct val="85000"/>
+              <a:buFont typeface="Arial" pitchFamily="34" charset="0"/>
+              <a:buChar char="•"/>
+              <a:defRPr sz="2000" kern="1200">
+                <a:solidFill>
+                  <a:schemeClr val="tx1"/>
+                </a:solidFill>
+                <a:latin typeface="+mn-lt"/>
+                <a:ea typeface="+mn-ea"/>
+                <a:cs typeface="+mn-cs"/>
+              </a:defRPr>
+            </a:lvl2pPr>
+            <a:lvl3pPr marL="731520" indent="-182880" algn="l" defTabSz="914400" rtl="0" eaLnBrk="1" latinLnBrk="0" hangingPunct="1">
+              <a:spcBef>
+                <a:spcPct val="20000"/>
+              </a:spcBef>
+              <a:buClr>
+                <a:schemeClr val="accent1"/>
+              </a:buClr>
+              <a:buSzPct val="90000"/>
+              <a:buFont typeface="Arial" pitchFamily="34" charset="0"/>
+              <a:buChar char="•"/>
+              <a:defRPr sz="1800" kern="1200">
+                <a:solidFill>
+                  <a:schemeClr val="tx1"/>
+                </a:solidFill>
+                <a:latin typeface="+mn-lt"/>
+                <a:ea typeface="+mn-ea"/>
+                <a:cs typeface="+mn-cs"/>
+              </a:defRPr>
+            </a:lvl3pPr>
+            <a:lvl4pPr marL="1005840" indent="-182880" algn="l" defTabSz="914400" rtl="0" eaLnBrk="1" latinLnBrk="0" hangingPunct="1">
+              <a:spcBef>
+                <a:spcPct val="20000"/>
+              </a:spcBef>
+              <a:buClr>
+                <a:schemeClr val="accent1"/>
+              </a:buClr>
+              <a:buFont typeface="Arial" pitchFamily="34" charset="0"/>
+              <a:buChar char="•"/>
+              <a:defRPr sz="1600" kern="1200">
+                <a:solidFill>
+                  <a:schemeClr val="tx1"/>
+                </a:solidFill>
+                <a:latin typeface="+mn-lt"/>
+                <a:ea typeface="+mn-ea"/>
+                <a:cs typeface="+mn-cs"/>
+              </a:defRPr>
+            </a:lvl4pPr>
+            <a:lvl5pPr marL="1188720" indent="-137160" algn="l" defTabSz="914400" rtl="0" eaLnBrk="1" latinLnBrk="0" hangingPunct="1">
+              <a:spcBef>
+                <a:spcPct val="20000"/>
+              </a:spcBef>
+              <a:buClr>
+                <a:schemeClr val="accent1"/>
+              </a:buClr>
+              <a:buSzPct val="100000"/>
+              <a:buFont typeface="Arial" pitchFamily="34" charset="0"/>
+              <a:buChar char="•"/>
+              <a:defRPr sz="1400" kern="1200" baseline="0">
+                <a:solidFill>
+                  <a:schemeClr val="tx1"/>
+                </a:solidFill>
+                <a:latin typeface="+mn-lt"/>
+                <a:ea typeface="+mn-ea"/>
+                <a:cs typeface="+mn-cs"/>
+              </a:defRPr>
+            </a:lvl5pPr>
+            <a:lvl6pPr marL="1371600" indent="-182880" algn="l" defTabSz="914400" rtl="0" eaLnBrk="1" latinLnBrk="0" hangingPunct="1">
+              <a:spcBef>
+                <a:spcPct val="20000"/>
+              </a:spcBef>
+              <a:buClr>
+                <a:schemeClr val="accent1"/>
+              </a:buClr>
+              <a:buFont typeface="Arial" pitchFamily="34" charset="0"/>
+              <a:buChar char="•"/>
+              <a:defRPr sz="1300" kern="1200">
+                <a:solidFill>
+                  <a:schemeClr val="tx1"/>
+                </a:solidFill>
+                <a:latin typeface="+mn-lt"/>
+                <a:ea typeface="+mn-ea"/>
+                <a:cs typeface="+mn-cs"/>
+              </a:defRPr>
+            </a:lvl6pPr>
+            <a:lvl7pPr marL="1554480" indent="-182880" algn="l" defTabSz="914400" rtl="0" eaLnBrk="1" latinLnBrk="0" hangingPunct="1">
+              <a:spcBef>
+                <a:spcPct val="20000"/>
+              </a:spcBef>
+              <a:buClr>
+                <a:schemeClr val="accent1"/>
+              </a:buClr>
+              <a:buFont typeface="Arial" pitchFamily="34" charset="0"/>
+              <a:buChar char="•"/>
+              <a:defRPr sz="1300" kern="1200">
+                <a:solidFill>
+                  <a:schemeClr val="tx1"/>
+                </a:solidFill>
+                <a:latin typeface="+mn-lt"/>
+                <a:ea typeface="+mn-ea"/>
+                <a:cs typeface="+mn-cs"/>
+              </a:defRPr>
+            </a:lvl7pPr>
+            <a:lvl8pPr marL="1737360" indent="-182880" algn="l" defTabSz="914400" rtl="0" eaLnBrk="1" latinLnBrk="0" hangingPunct="1">
+              <a:spcBef>
+                <a:spcPct val="20000"/>
+              </a:spcBef>
+              <a:buClr>
+                <a:schemeClr val="accent1"/>
+              </a:buClr>
+              <a:buFont typeface="Arial" pitchFamily="34" charset="0"/>
+              <a:buChar char="•"/>
+              <a:defRPr sz="1300" kern="1200">
+                <a:solidFill>
+                  <a:schemeClr val="tx1"/>
+                </a:solidFill>
+                <a:latin typeface="+mn-lt"/>
+                <a:ea typeface="+mn-ea"/>
+                <a:cs typeface="+mn-cs"/>
+              </a:defRPr>
+            </a:lvl8pPr>
+            <a:lvl9pPr marL="1920240" indent="-182880" algn="l" defTabSz="914400" rtl="0" eaLnBrk="1" latinLnBrk="0" hangingPunct="1">
+              <a:spcBef>
+                <a:spcPct val="20000"/>
+              </a:spcBef>
+              <a:buClr>
+                <a:schemeClr val="accent1"/>
+              </a:buClr>
+              <a:buFont typeface="Arial" pitchFamily="34" charset="0"/>
+              <a:buChar char="•"/>
+              <a:defRPr sz="1300" kern="1200">
+                <a:solidFill>
+                  <a:schemeClr val="tx1"/>
+                </a:solidFill>
+                <a:latin typeface="+mn-lt"/>
+                <a:ea typeface="+mn-ea"/>
+                <a:cs typeface="+mn-cs"/>
+              </a:defRPr>
+            </a:lvl9pPr>
+          </a:lstStyle>
+          <a:p>
+            <a:pPr lvl="1"/>
+            <a:r>
+              <a:rPr lang="en-GB" dirty="0"/>
+              <a:t>1024 elements computed with by the FPU, the majority of compute FPU operations have a latency of five cycles but are pipelined and can be issued each cycle</a:t>
+            </a:r>
+          </a:p>
+          <a:p>
+            <a:pPr lvl="1"/>
+            <a:r>
+              <a:rPr lang="en-GB" dirty="0"/>
+              <a:t>Matrix multiplication can deliver up to 4.096 TFLOP/s and element wide operations 0.256 TFLOP/s</a:t>
+            </a:r>
+          </a:p>
+          <a:p>
+            <a:pPr lvl="1"/>
+            <a:endParaRPr lang="en-GB" dirty="0"/>
+          </a:p>
+          <a:p>
+            <a:pPr lvl="1"/>
+            <a:endParaRPr lang="en-GB" dirty="0"/>
+          </a:p>
+          <a:p>
+            <a:pPr lvl="1"/>
+            <a:endParaRPr lang="en-GB" dirty="0"/>
+          </a:p>
+          <a:p>
+            <a:pPr lvl="1"/>
+            <a:endParaRPr lang="en-GB" dirty="0"/>
+          </a:p>
+          <a:p>
+            <a:pPr lvl="1"/>
+            <a:endParaRPr lang="en-GB" dirty="0"/>
+          </a:p>
+          <a:p>
+            <a:pPr lvl="1"/>
+            <a:endParaRPr lang="en-GB" dirty="0"/>
+          </a:p>
+          <a:p>
+            <a:pPr lvl="1"/>
+            <a:r>
+              <a:rPr lang="en-GB" dirty="0"/>
+              <a:t>Whilst the FPU provides the potential for performance, the data types that are supported are rather limited</a:t>
+            </a:r>
+          </a:p>
+        </p:txBody>
+      </p:sp>
+    </p:spTree>
+    <p:extLst>
+      <p:ext uri="{BB962C8B-B14F-4D97-AF65-F5344CB8AC3E}">
+        <p14:creationId xmlns:p14="http://schemas.microsoft.com/office/powerpoint/2010/main" val="1142066173"/>
+      </p:ext>
+    </p:extLst>
+  </p:cSld>
+  <p:clrMapOvr>
+    <a:masterClrMapping/>
+  </p:clrMapOvr>
+</p:sld>
+</file>
+
+<file path=ppt/slides/slide5.xml><?xml version="1.0" encoding="utf-8"?>
+<p:sld xmlns:a="http://schemas.openxmlformats.org/drawingml/2006/main" xmlns:r="http://schemas.openxmlformats.org/officeDocument/2006/relationships" xmlns:p="http://schemas.openxmlformats.org/presentationml/2006/main">
+  <p:cSld>
+    <p:spTree>
+      <p:nvGrpSpPr>
+        <p:cNvPr id="1" name=""/>
+        <p:cNvGrpSpPr/>
+        <p:nvPr/>
+      </p:nvGrpSpPr>
+      <p:grpSpPr>
+        <a:xfrm>
+          <a:off x="0" y="0"/>
+          <a:ext cx="0" cy="0"/>
+          <a:chOff x="0" y="0"/>
+          <a:chExt cx="0" cy="0"/>
+        </a:xfrm>
+      </p:grpSpPr>
+      <p:sp>
+        <p:nvSpPr>
+          <p:cNvPr id="2" name="Title 1">
+            <a:extLst>
+              <a:ext uri="{FF2B5EF4-FFF2-40B4-BE49-F238E27FC236}">
+                <a16:creationId xmlns:a16="http://schemas.microsoft.com/office/drawing/2014/main" id="{6830DE2E-43CF-7284-40FA-AA5A307106E3}"/>
+              </a:ext>
+            </a:extLst>
+          </p:cNvPr>
+          <p:cNvSpPr>
+            <a:spLocks noGrp="1"/>
+          </p:cNvSpPr>
+          <p:nvPr>
+            <p:ph type="title"/>
+          </p:nvPr>
+        </p:nvSpPr>
+        <p:spPr/>
+        <p:txBody>
+          <a:bodyPr/>
+          <a:lstStyle/>
+          <a:p>
+            <a:r>
+              <a:rPr lang="en-GB" dirty="0"/>
+              <a:t>Issuing compute operations to matrix unit</a:t>
+            </a:r>
+          </a:p>
+        </p:txBody>
+      </p:sp>
+      <p:sp>
+        <p:nvSpPr>
+          <p:cNvPr id="6" name="TextBox 5">
+            <a:extLst>
+              <a:ext uri="{FF2B5EF4-FFF2-40B4-BE49-F238E27FC236}">
+                <a16:creationId xmlns:a16="http://schemas.microsoft.com/office/drawing/2014/main" id="{910AB736-D18C-9CA5-ADBA-C03C121D193F}"/>
+              </a:ext>
+            </a:extLst>
+          </p:cNvPr>
+          <p:cNvSpPr txBox="1"/>
+          <p:nvPr/>
+        </p:nvSpPr>
+        <p:spPr>
+          <a:xfrm>
+            <a:off x="479376" y="2433947"/>
+            <a:ext cx="3312368" cy="1477328"/>
+          </a:xfrm>
+          <a:prstGeom prst="rect">
+            <a:avLst/>
+          </a:prstGeom>
+          <a:noFill/>
+        </p:spPr>
+        <p:txBody>
+          <a:bodyPr wrap="square" rtlCol="0">
+            <a:spAutoFit/>
+          </a:bodyPr>
+          <a:lstStyle/>
+          <a:p>
+            <a:pPr marL="285750" indent="-285750">
+              <a:buFont typeface="Arial" panose="020B0604020202020204" pitchFamily="34" charset="0"/>
+              <a:buChar char="•"/>
+            </a:pPr>
+            <a:r>
+              <a:rPr lang="en-GB" dirty="0"/>
+              <a:t>Wait for two CBs (LHS and RHS) to be available via </a:t>
+            </a:r>
+            <a:r>
+              <a:rPr lang="en-GB" i="1" dirty="0" err="1"/>
+              <a:t>cb_wait_front</a:t>
+            </a:r>
+            <a:r>
+              <a:rPr lang="en-GB" i="1" dirty="0"/>
+              <a:t> </a:t>
+            </a:r>
+            <a:r>
+              <a:rPr lang="en-GB" dirty="0"/>
+              <a:t>API call</a:t>
+            </a:r>
+            <a:endParaRPr lang="en-GB" i="1" dirty="0"/>
+          </a:p>
+          <a:p>
+            <a:pPr marL="285750" indent="-285750">
+              <a:buFont typeface="Arial" panose="020B0604020202020204" pitchFamily="34" charset="0"/>
+              <a:buChar char="•"/>
+            </a:pPr>
+            <a:endParaRPr lang="en-GB" dirty="0"/>
+          </a:p>
+          <a:p>
+            <a:pPr marL="285750" indent="-285750">
+              <a:buFont typeface="Arial" panose="020B0604020202020204" pitchFamily="34" charset="0"/>
+              <a:buChar char="•"/>
+            </a:pPr>
+            <a:endParaRPr lang="en-GB" i="1" dirty="0"/>
+          </a:p>
+        </p:txBody>
+      </p:sp>
+      <p:sp>
+        <p:nvSpPr>
+          <p:cNvPr id="7" name="TextBox 6">
+            <a:extLst>
+              <a:ext uri="{FF2B5EF4-FFF2-40B4-BE49-F238E27FC236}">
+                <a16:creationId xmlns:a16="http://schemas.microsoft.com/office/drawing/2014/main" id="{CFC138AE-F41E-CE14-F6F0-6CA0277F2FC0}"/>
+              </a:ext>
+            </a:extLst>
+          </p:cNvPr>
+          <p:cNvSpPr txBox="1"/>
+          <p:nvPr/>
+        </p:nvSpPr>
+        <p:spPr>
+          <a:xfrm>
+            <a:off x="4338038" y="2382775"/>
+            <a:ext cx="3486154" cy="4247317"/>
+          </a:xfrm>
+          <a:prstGeom prst="rect">
+            <a:avLst/>
+          </a:prstGeom>
+          <a:noFill/>
+        </p:spPr>
+        <p:txBody>
+          <a:bodyPr wrap="square" rtlCol="0">
+            <a:spAutoFit/>
+          </a:bodyPr>
+          <a:lstStyle/>
+          <a:p>
+            <a:pPr marL="285750" indent="-285750">
+              <a:buFont typeface="Arial" panose="020B0604020202020204" pitchFamily="34" charset="0"/>
+              <a:buChar char="•"/>
+            </a:pPr>
+            <a:r>
+              <a:rPr lang="en-GB" dirty="0"/>
+              <a:t>Acquire exclusive compute lock on DST (target) registers using </a:t>
+            </a:r>
+            <a:r>
+              <a:rPr lang="en-GB" i="1" dirty="0" err="1"/>
+              <a:t>tile_regs_aqcuire</a:t>
+            </a:r>
+            <a:r>
+              <a:rPr lang="en-GB" i="1" dirty="0"/>
+              <a:t> </a:t>
+            </a:r>
+            <a:r>
+              <a:rPr lang="en-GB" dirty="0"/>
+              <a:t>API call</a:t>
+            </a:r>
+          </a:p>
+          <a:p>
+            <a:pPr marL="285750" indent="-285750">
+              <a:buFont typeface="Arial" panose="020B0604020202020204" pitchFamily="34" charset="0"/>
+              <a:buChar char="•"/>
+            </a:pPr>
+            <a:endParaRPr lang="en-GB" i="1" dirty="0"/>
+          </a:p>
+          <a:p>
+            <a:pPr marL="285750" indent="-285750">
+              <a:buFont typeface="Arial" panose="020B0604020202020204" pitchFamily="34" charset="0"/>
+              <a:buChar char="•"/>
+            </a:pPr>
+            <a:r>
+              <a:rPr lang="en-GB" dirty="0"/>
+              <a:t>Issue corresponding matrix API call such as </a:t>
+            </a:r>
+            <a:r>
+              <a:rPr lang="en-GB" i="1" dirty="0" err="1"/>
+              <a:t>add_tiles</a:t>
+            </a:r>
+            <a:r>
+              <a:rPr lang="en-GB" i="1" dirty="0"/>
+              <a:t>, </a:t>
+            </a:r>
+            <a:r>
+              <a:rPr lang="en-GB" i="1" dirty="0" err="1"/>
+              <a:t>sub_tiles</a:t>
+            </a:r>
+            <a:r>
+              <a:rPr lang="en-GB" i="1" dirty="0"/>
+              <a:t>, </a:t>
+            </a:r>
+            <a:r>
+              <a:rPr lang="en-GB" i="1" dirty="0" err="1"/>
+              <a:t>mul_tiles</a:t>
+            </a:r>
+            <a:r>
+              <a:rPr lang="en-GB" i="1" dirty="0"/>
+              <a:t> </a:t>
+            </a:r>
+            <a:r>
+              <a:rPr lang="en-GB" dirty="0"/>
+              <a:t>with CB index as input</a:t>
+            </a:r>
+            <a:endParaRPr lang="en-GB" i="1" dirty="0"/>
+          </a:p>
+          <a:p>
+            <a:pPr marL="285750" indent="-285750">
+              <a:buFont typeface="Arial" panose="020B0604020202020204" pitchFamily="34" charset="0"/>
+              <a:buChar char="•"/>
+            </a:pPr>
+            <a:endParaRPr lang="en-GB" dirty="0"/>
+          </a:p>
+          <a:p>
+            <a:pPr marL="285750" indent="-285750">
+              <a:buFont typeface="Arial" panose="020B0604020202020204" pitchFamily="34" charset="0"/>
+              <a:buChar char="•"/>
+            </a:pPr>
+            <a:r>
+              <a:rPr lang="en-GB" dirty="0"/>
+              <a:t>Release exclusive compute lock on DST (target) registers using </a:t>
+            </a:r>
+            <a:r>
+              <a:rPr lang="en-GB" i="1" dirty="0" err="1"/>
+              <a:t>tile_regs_commit</a:t>
+            </a:r>
+            <a:r>
+              <a:rPr lang="en-GB" i="1" dirty="0"/>
+              <a:t> </a:t>
+            </a:r>
+            <a:r>
+              <a:rPr lang="en-GB" dirty="0"/>
+              <a:t>API call</a:t>
+            </a:r>
+          </a:p>
+          <a:p>
+            <a:pPr marL="285750" indent="-285750">
+              <a:buFont typeface="Arial" panose="020B0604020202020204" pitchFamily="34" charset="0"/>
+              <a:buChar char="•"/>
+            </a:pPr>
+            <a:endParaRPr lang="en-GB" i="1" dirty="0"/>
+          </a:p>
+        </p:txBody>
+      </p:sp>
+      <p:sp>
+        <p:nvSpPr>
+          <p:cNvPr id="8" name="TextBox 7">
+            <a:extLst>
+              <a:ext uri="{FF2B5EF4-FFF2-40B4-BE49-F238E27FC236}">
+                <a16:creationId xmlns:a16="http://schemas.microsoft.com/office/drawing/2014/main" id="{EF91AE2D-67A4-4F2E-AF67-F68B6BC0A31E}"/>
+              </a:ext>
+            </a:extLst>
+          </p:cNvPr>
+          <p:cNvSpPr txBox="1"/>
+          <p:nvPr/>
+        </p:nvSpPr>
+        <p:spPr>
+          <a:xfrm>
+            <a:off x="335360" y="1772816"/>
+            <a:ext cx="3240360" cy="369332"/>
+          </a:xfrm>
+          <a:prstGeom prst="rect">
+            <a:avLst/>
+          </a:prstGeom>
+          <a:noFill/>
+        </p:spPr>
+        <p:txBody>
+          <a:bodyPr wrap="square" rtlCol="0">
+            <a:spAutoFit/>
+          </a:bodyPr>
+          <a:lstStyle/>
+          <a:p>
+            <a:pPr algn="ctr"/>
+            <a:r>
+              <a:rPr lang="en-GB" i="1" u="sng" dirty="0">
+                <a:solidFill>
+                  <a:srgbClr val="0070C0"/>
+                </a:solidFill>
+              </a:rPr>
+              <a:t>To get input data in</a:t>
+            </a:r>
+          </a:p>
+        </p:txBody>
+      </p:sp>
+      <p:sp>
+        <p:nvSpPr>
+          <p:cNvPr id="9" name="TextBox 8">
+            <a:extLst>
+              <a:ext uri="{FF2B5EF4-FFF2-40B4-BE49-F238E27FC236}">
+                <a16:creationId xmlns:a16="http://schemas.microsoft.com/office/drawing/2014/main" id="{87E4E801-F315-5E42-1BFF-CBB53B213E9C}"/>
+              </a:ext>
+            </a:extLst>
+          </p:cNvPr>
+          <p:cNvSpPr txBox="1"/>
+          <p:nvPr/>
+        </p:nvSpPr>
+        <p:spPr>
+          <a:xfrm>
+            <a:off x="4367808" y="1772816"/>
+            <a:ext cx="3240360" cy="369332"/>
+          </a:xfrm>
+          <a:prstGeom prst="rect">
+            <a:avLst/>
+          </a:prstGeom>
+          <a:noFill/>
+        </p:spPr>
+        <p:txBody>
+          <a:bodyPr wrap="square" rtlCol="0">
+            <a:spAutoFit/>
+          </a:bodyPr>
+          <a:lstStyle/>
+          <a:p>
+            <a:pPr algn="ctr"/>
+            <a:r>
+              <a:rPr lang="en-GB" i="1" u="sng" dirty="0">
+                <a:solidFill>
+                  <a:srgbClr val="0070C0"/>
+                </a:solidFill>
+              </a:rPr>
+              <a:t>To compute</a:t>
+            </a:r>
+          </a:p>
+        </p:txBody>
+      </p:sp>
+      <p:sp>
+        <p:nvSpPr>
+          <p:cNvPr id="10" name="TextBox 9">
+            <a:extLst>
+              <a:ext uri="{FF2B5EF4-FFF2-40B4-BE49-F238E27FC236}">
+                <a16:creationId xmlns:a16="http://schemas.microsoft.com/office/drawing/2014/main" id="{4AD0E434-CD2A-E569-6C94-9E6EE64446B9}"/>
+              </a:ext>
+            </a:extLst>
+          </p:cNvPr>
+          <p:cNvSpPr txBox="1"/>
+          <p:nvPr/>
+        </p:nvSpPr>
+        <p:spPr>
+          <a:xfrm>
+            <a:off x="8416489" y="1767632"/>
+            <a:ext cx="3240360" cy="369332"/>
+          </a:xfrm>
+          <a:prstGeom prst="rect">
+            <a:avLst/>
+          </a:prstGeom>
+          <a:noFill/>
+        </p:spPr>
+        <p:txBody>
+          <a:bodyPr wrap="square" rtlCol="0">
+            <a:spAutoFit/>
+          </a:bodyPr>
+          <a:lstStyle/>
+          <a:p>
+            <a:pPr algn="ctr"/>
+            <a:r>
+              <a:rPr lang="en-GB" i="1" u="sng" dirty="0">
+                <a:solidFill>
+                  <a:srgbClr val="0070C0"/>
+                </a:solidFill>
+              </a:rPr>
+              <a:t>To get results out</a:t>
+            </a:r>
+          </a:p>
+        </p:txBody>
+      </p:sp>
+      <p:sp>
+        <p:nvSpPr>
+          <p:cNvPr id="11" name="TextBox 10">
+            <a:extLst>
+              <a:ext uri="{FF2B5EF4-FFF2-40B4-BE49-F238E27FC236}">
+                <a16:creationId xmlns:a16="http://schemas.microsoft.com/office/drawing/2014/main" id="{5FA3409C-AEB4-91D6-2651-FC86EDD1A011}"/>
+              </a:ext>
+            </a:extLst>
+          </p:cNvPr>
+          <p:cNvSpPr txBox="1"/>
+          <p:nvPr/>
+        </p:nvSpPr>
+        <p:spPr>
+          <a:xfrm>
+            <a:off x="8370486" y="2382775"/>
+            <a:ext cx="3486154" cy="3693319"/>
+          </a:xfrm>
+          <a:prstGeom prst="rect">
+            <a:avLst/>
+          </a:prstGeom>
+          <a:noFill/>
+        </p:spPr>
+        <p:txBody>
+          <a:bodyPr wrap="square" rtlCol="0">
+            <a:spAutoFit/>
+          </a:bodyPr>
+          <a:lstStyle/>
+          <a:p>
+            <a:pPr marL="285750" indent="-285750">
+              <a:buFont typeface="Arial" panose="020B0604020202020204" pitchFamily="34" charset="0"/>
+              <a:buChar char="•"/>
+            </a:pPr>
+            <a:r>
+              <a:rPr lang="en-GB" dirty="0"/>
+              <a:t>Acquire exclusive pack lock on DST (target) registers using </a:t>
+            </a:r>
+            <a:r>
+              <a:rPr lang="en-GB" i="1" dirty="0" err="1"/>
+              <a:t>tile_regs_wait</a:t>
+            </a:r>
+            <a:r>
+              <a:rPr lang="en-GB" i="1" dirty="0"/>
+              <a:t> </a:t>
+            </a:r>
+            <a:r>
+              <a:rPr lang="en-GB" dirty="0"/>
+              <a:t>API call</a:t>
+            </a:r>
+          </a:p>
+          <a:p>
+            <a:pPr marL="285750" indent="-285750">
+              <a:buFont typeface="Arial" panose="020B0604020202020204" pitchFamily="34" charset="0"/>
+              <a:buChar char="•"/>
+            </a:pPr>
+            <a:endParaRPr lang="en-GB" i="1" dirty="0"/>
+          </a:p>
+          <a:p>
+            <a:pPr marL="285750" indent="-285750">
+              <a:buFont typeface="Arial" panose="020B0604020202020204" pitchFamily="34" charset="0"/>
+              <a:buChar char="•"/>
+            </a:pPr>
+            <a:r>
+              <a:rPr lang="en-GB" dirty="0"/>
+              <a:t>Copy results from </a:t>
+            </a:r>
+            <a:r>
+              <a:rPr lang="en-GB" dirty="0" err="1"/>
+              <a:t>dst</a:t>
+            </a:r>
+            <a:r>
+              <a:rPr lang="en-GB" dirty="0"/>
+              <a:t> register to target CB via </a:t>
+            </a:r>
+            <a:r>
+              <a:rPr lang="en-GB" i="1" dirty="0" err="1"/>
+              <a:t>pack_tile</a:t>
+            </a:r>
+            <a:r>
+              <a:rPr lang="en-GB" dirty="0"/>
+              <a:t> API call</a:t>
+            </a:r>
+            <a:endParaRPr lang="en-GB" i="1" dirty="0"/>
+          </a:p>
+          <a:p>
+            <a:pPr marL="285750" indent="-285750">
+              <a:buFont typeface="Arial" panose="020B0604020202020204" pitchFamily="34" charset="0"/>
+              <a:buChar char="•"/>
+            </a:pPr>
+            <a:endParaRPr lang="en-GB" dirty="0"/>
+          </a:p>
+          <a:p>
+            <a:pPr marL="285750" indent="-285750">
+              <a:buFont typeface="Arial" panose="020B0604020202020204" pitchFamily="34" charset="0"/>
+              <a:buChar char="•"/>
+            </a:pPr>
+            <a:r>
+              <a:rPr lang="en-GB" dirty="0"/>
+              <a:t>Release exclusive pack lock on DST (target) registers using </a:t>
+            </a:r>
+            <a:r>
+              <a:rPr lang="en-GB" i="1" dirty="0" err="1"/>
+              <a:t>tile_regs_release</a:t>
+            </a:r>
+            <a:r>
+              <a:rPr lang="en-GB" i="1" dirty="0"/>
+              <a:t> </a:t>
+            </a:r>
+            <a:r>
+              <a:rPr lang="en-GB" dirty="0"/>
+              <a:t>API call</a:t>
+            </a:r>
+          </a:p>
+          <a:p>
+            <a:pPr marL="285750" indent="-285750">
+              <a:buFont typeface="Arial" panose="020B0604020202020204" pitchFamily="34" charset="0"/>
+              <a:buChar char="•"/>
+            </a:pPr>
+            <a:endParaRPr lang="en-GB" i="1" dirty="0"/>
+          </a:p>
+        </p:txBody>
+      </p:sp>
+      <p:cxnSp>
+        <p:nvCxnSpPr>
+          <p:cNvPr id="14" name="Straight Connector 13">
+            <a:extLst>
+              <a:ext uri="{FF2B5EF4-FFF2-40B4-BE49-F238E27FC236}">
+                <a16:creationId xmlns:a16="http://schemas.microsoft.com/office/drawing/2014/main" id="{072449D4-362D-8040-D764-153CBC2227B6}"/>
+              </a:ext>
+            </a:extLst>
+          </p:cNvPr>
+          <p:cNvCxnSpPr/>
+          <p:nvPr/>
+        </p:nvCxnSpPr>
+        <p:spPr>
+          <a:xfrm>
+            <a:off x="3863752" y="2564904"/>
+            <a:ext cx="0" cy="2232248"/>
+          </a:xfrm>
+          <a:prstGeom prst="line">
+            <a:avLst/>
+          </a:prstGeom>
+          <a:ln w="22225">
+            <a:solidFill>
+              <a:srgbClr val="0070C0"/>
+            </a:solidFill>
+          </a:ln>
+        </p:spPr>
+        <p:style>
+          <a:lnRef idx="1">
+            <a:schemeClr val="accent1"/>
+          </a:lnRef>
+          <a:fillRef idx="0">
+            <a:schemeClr val="accent1"/>
+          </a:fillRef>
+          <a:effectRef idx="0">
+            <a:schemeClr val="accent1"/>
+          </a:effectRef>
+          <a:fontRef idx="minor">
+            <a:schemeClr val="tx1"/>
+          </a:fontRef>
+        </p:style>
+      </p:cxnSp>
+      <p:cxnSp>
+        <p:nvCxnSpPr>
+          <p:cNvPr id="15" name="Straight Connector 14">
+            <a:extLst>
+              <a:ext uri="{FF2B5EF4-FFF2-40B4-BE49-F238E27FC236}">
+                <a16:creationId xmlns:a16="http://schemas.microsoft.com/office/drawing/2014/main" id="{52BF6312-4B42-5861-1FCA-17CE50AC87A4}"/>
+              </a:ext>
+            </a:extLst>
+          </p:cNvPr>
+          <p:cNvCxnSpPr>
+            <a:cxnSpLocks/>
+          </p:cNvCxnSpPr>
+          <p:nvPr/>
+        </p:nvCxnSpPr>
+        <p:spPr>
+          <a:xfrm>
+            <a:off x="8112224" y="2564904"/>
+            <a:ext cx="0" cy="3240360"/>
+          </a:xfrm>
+          <a:prstGeom prst="line">
+            <a:avLst/>
+          </a:prstGeom>
+          <a:ln w="22225">
+            <a:solidFill>
+              <a:srgbClr val="0070C0"/>
+            </a:solidFill>
+          </a:ln>
+        </p:spPr>
+        <p:style>
+          <a:lnRef idx="1">
+            <a:schemeClr val="accent1"/>
+          </a:lnRef>
+          <a:fillRef idx="0">
+            <a:schemeClr val="accent1"/>
+          </a:fillRef>
+          <a:effectRef idx="0">
+            <a:schemeClr val="accent1"/>
+          </a:effectRef>
+          <a:fontRef idx="minor">
+            <a:schemeClr val="tx1"/>
+          </a:fontRef>
+        </p:style>
+      </p:cxnSp>
+      <p:pic>
+        <p:nvPicPr>
+          <p:cNvPr id="18" name="Picture 17">
+            <a:extLst>
+              <a:ext uri="{FF2B5EF4-FFF2-40B4-BE49-F238E27FC236}">
+                <a16:creationId xmlns:a16="http://schemas.microsoft.com/office/drawing/2014/main" id="{074FCAEA-C8B7-77BE-DE28-61D465F2A0E7}"/>
+              </a:ext>
+            </a:extLst>
+          </p:cNvPr>
+          <p:cNvPicPr>
+            <a:picLocks noChangeAspect="1"/>
+          </p:cNvPicPr>
+          <p:nvPr/>
+        </p:nvPicPr>
+        <p:blipFill>
+          <a:blip r:embed="rId2"/>
+          <a:stretch>
+            <a:fillRect/>
+          </a:stretch>
+        </p:blipFill>
+        <p:spPr>
+          <a:xfrm>
+            <a:off x="278185" y="3937884"/>
+            <a:ext cx="3293947" cy="2653084"/>
+          </a:xfrm>
+          <a:prstGeom prst="rect">
+            <a:avLst/>
+          </a:prstGeom>
+        </p:spPr>
+      </p:pic>
+    </p:spTree>
+    <p:extLst>
+      <p:ext uri="{BB962C8B-B14F-4D97-AF65-F5344CB8AC3E}">
+        <p14:creationId xmlns:p14="http://schemas.microsoft.com/office/powerpoint/2010/main" val="2503777438"/>
+      </p:ext>
+    </p:extLst>
+  </p:cSld>
+  <p:clrMapOvr>
+    <a:masterClrMapping/>
+  </p:clrMapOvr>
+</p:sld>
+</file>
+
+<file path=ppt/slides/slide6.xml><?xml version="1.0" encoding="utf-8"?>
+<p:sld xmlns:a="http://schemas.openxmlformats.org/drawingml/2006/main" xmlns:r="http://schemas.openxmlformats.org/officeDocument/2006/relationships" xmlns:p="http://schemas.openxmlformats.org/presentationml/2006/main">
+  <p:cSld>
+    <p:spTree>
+      <p:nvGrpSpPr>
+        <p:cNvPr id="1" name=""/>
+        <p:cNvGrpSpPr/>
+        <p:nvPr/>
+      </p:nvGrpSpPr>
+      <p:grpSpPr>
+        <a:xfrm>
+          <a:off x="0" y="0"/>
+          <a:ext cx="0" cy="0"/>
+          <a:chOff x="0" y="0"/>
+          <a:chExt cx="0" cy="0"/>
+        </a:xfrm>
+      </p:grpSpPr>
+      <p:sp>
+        <p:nvSpPr>
+          <p:cNvPr id="2" name="Title 1">
+            <a:extLst>
+              <a:ext uri="{FF2B5EF4-FFF2-40B4-BE49-F238E27FC236}">
+                <a16:creationId xmlns:a16="http://schemas.microsoft.com/office/drawing/2014/main" id="{C4B5444C-38C0-34E0-DCBD-BAA8E7A01E73}"/>
+              </a:ext>
+            </a:extLst>
+          </p:cNvPr>
+          <p:cNvSpPr>
+            <a:spLocks noGrp="1"/>
+          </p:cNvSpPr>
+          <p:nvPr>
+            <p:ph type="title"/>
+          </p:nvPr>
+        </p:nvSpPr>
+        <p:spPr/>
+        <p:txBody>
+          <a:bodyPr/>
+          <a:lstStyle/>
+          <a:p>
+            <a:r>
+              <a:rPr lang="en-GB" dirty="0"/>
+              <a:t>Data supported by the vector unit (SFPU)</a:t>
+            </a:r>
+          </a:p>
+        </p:txBody>
+      </p:sp>
+      <p:sp>
+        <p:nvSpPr>
+          <p:cNvPr id="3" name="Content Placeholder 2">
+            <a:extLst>
+              <a:ext uri="{FF2B5EF4-FFF2-40B4-BE49-F238E27FC236}">
+                <a16:creationId xmlns:a16="http://schemas.microsoft.com/office/drawing/2014/main" id="{097E9F27-6F03-2A87-AA9A-CDA5D775EC27}"/>
+              </a:ext>
+            </a:extLst>
+          </p:cNvPr>
+          <p:cNvSpPr>
+            <a:spLocks noGrp="1"/>
+          </p:cNvSpPr>
+          <p:nvPr>
+            <p:ph idx="1"/>
+          </p:nvPr>
+        </p:nvSpPr>
+        <p:spPr>
+          <a:xfrm>
+            <a:off x="609600" y="1471961"/>
+            <a:ext cx="7112761" cy="2260847"/>
+          </a:xfrm>
+        </p:spPr>
+        <p:txBody>
+          <a:bodyPr>
+            <a:normAutofit lnSpcReduction="10000"/>
+          </a:bodyPr>
+          <a:lstStyle/>
+          <a:p>
+            <a:r>
+              <a:rPr lang="en-GB" dirty="0"/>
+              <a:t>Inputs to the vector unit are from the </a:t>
+            </a:r>
+            <a:r>
+              <a:rPr lang="en-GB" i="1" dirty="0" err="1"/>
+              <a:t>dst</a:t>
+            </a:r>
+            <a:r>
+              <a:rPr lang="en-GB" i="1" dirty="0"/>
+              <a:t> </a:t>
+            </a:r>
+            <a:r>
+              <a:rPr lang="en-GB" dirty="0"/>
+              <a:t>register</a:t>
+            </a:r>
+          </a:p>
+          <a:p>
+            <a:pPr lvl="1"/>
+            <a:r>
+              <a:rPr lang="en-GB" dirty="0"/>
+              <a:t>1024 rows of 16 columns of 16-bit data, or 512 rows of 16 columns of 32-bit data</a:t>
+            </a:r>
+          </a:p>
+          <a:p>
+            <a:pPr lvl="1"/>
+            <a:r>
+              <a:rPr lang="en-GB" dirty="0"/>
+              <a:t>BF16, FP16, FP32, int8, int16 and int32 are supported</a:t>
+            </a:r>
+          </a:p>
+          <a:p>
+            <a:pPr lvl="1"/>
+            <a:endParaRPr lang="en-GB" dirty="0"/>
+          </a:p>
+          <a:p>
+            <a:r>
+              <a:rPr lang="en-GB" dirty="0"/>
+              <a:t>The vector unit has 32 lanes, each of 32 bit</a:t>
+            </a:r>
+          </a:p>
+          <a:p>
+            <a:endParaRPr lang="en-GB" dirty="0"/>
+          </a:p>
+        </p:txBody>
+      </p:sp>
+      <p:sp>
+        <p:nvSpPr>
+          <p:cNvPr id="4" name="Rectangle 3">
+            <a:extLst>
+              <a:ext uri="{FF2B5EF4-FFF2-40B4-BE49-F238E27FC236}">
+                <a16:creationId xmlns:a16="http://schemas.microsoft.com/office/drawing/2014/main" id="{37A66826-2379-7943-B124-3126F118C2FF}"/>
+              </a:ext>
+            </a:extLst>
+          </p:cNvPr>
+          <p:cNvSpPr/>
+          <p:nvPr/>
+        </p:nvSpPr>
+        <p:spPr>
+          <a:xfrm>
+            <a:off x="1271464" y="3693495"/>
+            <a:ext cx="3024336" cy="2808312"/>
+          </a:xfrm>
+          <a:prstGeom prst="rect">
+            <a:avLst/>
+          </a:prstGeom>
+          <a:noFill/>
+          <a:ln>
+            <a:solidFill>
+              <a:srgbClr val="4B53EB"/>
+            </a:solidFill>
+          </a:ln>
+        </p:spPr>
+        <p:style>
+          <a:lnRef idx="2">
+            <a:schemeClr val="accent1">
+              <a:shade val="15000"/>
+            </a:schemeClr>
+          </a:lnRef>
+          <a:fillRef idx="1">
+            <a:schemeClr val="accent1"/>
+          </a:fillRef>
+          <a:effectRef idx="0">
+            <a:schemeClr val="accent1"/>
+          </a:effectRef>
+          <a:fontRef idx="minor">
+            <a:schemeClr val="lt1"/>
+          </a:fontRef>
+        </p:style>
+        <p:txBody>
+          <a:bodyPr rtlCol="0" anchor="ctr"/>
+          <a:lstStyle/>
+          <a:p>
+            <a:pPr algn="ctr"/>
+            <a:r>
+              <a:rPr lang="en-GB" i="1" dirty="0" err="1">
+                <a:solidFill>
+                  <a:schemeClr val="tx1"/>
+                </a:solidFill>
+              </a:rPr>
+              <a:t>dst</a:t>
+            </a:r>
+            <a:endParaRPr lang="en-GB" i="1" dirty="0">
+              <a:solidFill>
+                <a:schemeClr val="tx1"/>
+              </a:solidFill>
+            </a:endParaRPr>
+          </a:p>
+        </p:txBody>
+      </p:sp>
+      <p:sp>
+        <p:nvSpPr>
+          <p:cNvPr id="5" name="Right Brace 4">
+            <a:extLst>
+              <a:ext uri="{FF2B5EF4-FFF2-40B4-BE49-F238E27FC236}">
+                <a16:creationId xmlns:a16="http://schemas.microsoft.com/office/drawing/2014/main" id="{B4ADDA01-85CB-F922-B688-2B01FA78D048}"/>
+              </a:ext>
+            </a:extLst>
+          </p:cNvPr>
+          <p:cNvSpPr/>
+          <p:nvPr/>
+        </p:nvSpPr>
+        <p:spPr>
+          <a:xfrm>
+            <a:off x="4511824" y="3691416"/>
+            <a:ext cx="216024" cy="743617"/>
+          </a:xfrm>
+          <a:prstGeom prst="rightBrace">
+            <a:avLst/>
+          </a:prstGeom>
+          <a:ln>
+            <a:solidFill>
+              <a:srgbClr val="FF0000"/>
+            </a:solidFill>
+          </a:ln>
+        </p:spPr>
+        <p:style>
+          <a:lnRef idx="1">
+            <a:schemeClr val="accent1"/>
+          </a:lnRef>
+          <a:fillRef idx="0">
+            <a:schemeClr val="accent1"/>
+          </a:fillRef>
+          <a:effectRef idx="0">
+            <a:schemeClr val="accent1"/>
+          </a:effectRef>
+          <a:fontRef idx="minor">
+            <a:schemeClr val="tx1"/>
+          </a:fontRef>
+        </p:style>
+        <p:txBody>
+          <a:bodyPr rtlCol="0" anchor="ctr"/>
+          <a:lstStyle/>
+          <a:p>
+            <a:pPr algn="ctr"/>
+            <a:endParaRPr lang="en-GB"/>
+          </a:p>
+        </p:txBody>
+      </p:sp>
+      <p:sp>
+        <p:nvSpPr>
+          <p:cNvPr id="6" name="Rectangle 5">
+            <a:extLst>
+              <a:ext uri="{FF2B5EF4-FFF2-40B4-BE49-F238E27FC236}">
+                <a16:creationId xmlns:a16="http://schemas.microsoft.com/office/drawing/2014/main" id="{D97FEDA9-F85F-9890-772A-B0BE85F59931}"/>
+              </a:ext>
+            </a:extLst>
+          </p:cNvPr>
+          <p:cNvSpPr/>
+          <p:nvPr/>
+        </p:nvSpPr>
+        <p:spPr>
+          <a:xfrm>
+            <a:off x="5447928" y="3691416"/>
+            <a:ext cx="3024336" cy="743617"/>
+          </a:xfrm>
+          <a:prstGeom prst="rect">
+            <a:avLst/>
+          </a:prstGeom>
+          <a:noFill/>
+          <a:ln>
+            <a:solidFill>
+              <a:srgbClr val="4B53EB"/>
+            </a:solidFill>
+          </a:ln>
+        </p:spPr>
+        <p:style>
+          <a:lnRef idx="2">
+            <a:schemeClr val="accent1">
+              <a:shade val="15000"/>
+            </a:schemeClr>
+          </a:lnRef>
+          <a:fillRef idx="1">
+            <a:schemeClr val="accent1"/>
+          </a:fillRef>
+          <a:effectRef idx="0">
+            <a:schemeClr val="accent1"/>
+          </a:effectRef>
+          <a:fontRef idx="minor">
+            <a:schemeClr val="lt1"/>
+          </a:fontRef>
+        </p:style>
+        <p:txBody>
+          <a:bodyPr rtlCol="0" anchor="ctr"/>
+          <a:lstStyle/>
+          <a:p>
+            <a:pPr algn="ctr"/>
+            <a:r>
+              <a:rPr lang="en-GB" i="1" dirty="0" err="1">
+                <a:solidFill>
+                  <a:schemeClr val="tx1"/>
+                </a:solidFill>
+              </a:rPr>
+              <a:t>LReg</a:t>
+            </a:r>
+            <a:endParaRPr lang="en-GB" i="1" dirty="0">
+              <a:solidFill>
+                <a:schemeClr val="tx1"/>
+              </a:solidFill>
+            </a:endParaRPr>
+          </a:p>
+        </p:txBody>
+      </p:sp>
+      <p:cxnSp>
+        <p:nvCxnSpPr>
+          <p:cNvPr id="8" name="Straight Arrow Connector 7">
+            <a:extLst>
+              <a:ext uri="{FF2B5EF4-FFF2-40B4-BE49-F238E27FC236}">
+                <a16:creationId xmlns:a16="http://schemas.microsoft.com/office/drawing/2014/main" id="{8165D1E3-D8F7-3A3C-70FA-3C6EE0C89B0E}"/>
+              </a:ext>
+            </a:extLst>
+          </p:cNvPr>
+          <p:cNvCxnSpPr>
+            <a:cxnSpLocks/>
+          </p:cNvCxnSpPr>
+          <p:nvPr/>
+        </p:nvCxnSpPr>
+        <p:spPr>
+          <a:xfrm flipV="1">
+            <a:off x="4799856" y="4063224"/>
+            <a:ext cx="576064" cy="1"/>
+          </a:xfrm>
+          <a:prstGeom prst="straightConnector1">
+            <a:avLst/>
+          </a:prstGeom>
+          <a:ln>
+            <a:solidFill>
+              <a:srgbClr val="FF0000"/>
+            </a:solidFill>
+            <a:tailEnd type="triangle"/>
+          </a:ln>
+        </p:spPr>
+        <p:style>
+          <a:lnRef idx="1">
+            <a:schemeClr val="accent1"/>
+          </a:lnRef>
+          <a:fillRef idx="0">
+            <a:schemeClr val="accent1"/>
+          </a:fillRef>
+          <a:effectRef idx="0">
+            <a:schemeClr val="accent1"/>
+          </a:effectRef>
+          <a:fontRef idx="minor">
+            <a:schemeClr val="tx1"/>
+          </a:fontRef>
+        </p:style>
+      </p:cxnSp>
+      <p:sp>
+        <p:nvSpPr>
+          <p:cNvPr id="9" name="Content Placeholder 2">
+            <a:extLst>
+              <a:ext uri="{FF2B5EF4-FFF2-40B4-BE49-F238E27FC236}">
+                <a16:creationId xmlns:a16="http://schemas.microsoft.com/office/drawing/2014/main" id="{0F789196-B82A-0759-EF77-4F0CE9180493}"/>
+              </a:ext>
+            </a:extLst>
+          </p:cNvPr>
+          <p:cNvSpPr txBox="1">
+            <a:spLocks/>
+          </p:cNvSpPr>
+          <p:nvPr/>
+        </p:nvSpPr>
+        <p:spPr>
+          <a:xfrm>
+            <a:off x="4815887" y="4653135"/>
+            <a:ext cx="7112761" cy="2204865"/>
+          </a:xfrm>
+          <a:prstGeom prst="rect">
+            <a:avLst/>
+          </a:prstGeom>
+        </p:spPr>
+        <p:txBody>
+          <a:bodyPr vert="horz" lIns="91440" tIns="45720" rIns="91440" bIns="45720" rtlCol="0">
+            <a:normAutofit lnSpcReduction="10000"/>
+          </a:bodyPr>
+          <a:lstStyle>
+            <a:lvl1pPr marL="182880" indent="-182880" algn="l" defTabSz="914400" rtl="0" eaLnBrk="1" latinLnBrk="0" hangingPunct="1">
+              <a:spcBef>
+                <a:spcPct val="20000"/>
+              </a:spcBef>
+              <a:buClr>
+                <a:schemeClr val="accent1"/>
+              </a:buClr>
+              <a:buSzPct val="85000"/>
+              <a:buFont typeface="Arial" pitchFamily="34" charset="0"/>
+              <a:buChar char="•"/>
+              <a:defRPr sz="2400" kern="1200">
+                <a:solidFill>
+                  <a:schemeClr val="tx1"/>
+                </a:solidFill>
+                <a:latin typeface="+mn-lt"/>
+                <a:ea typeface="+mn-ea"/>
+                <a:cs typeface="+mn-cs"/>
+              </a:defRPr>
+            </a:lvl1pPr>
+            <a:lvl2pPr marL="457200" indent="-182880" algn="l" defTabSz="914400" rtl="0" eaLnBrk="1" latinLnBrk="0" hangingPunct="1">
+              <a:spcBef>
+                <a:spcPct val="20000"/>
+              </a:spcBef>
+              <a:buClr>
+                <a:schemeClr val="accent1"/>
+              </a:buClr>
+              <a:buSzPct val="85000"/>
+              <a:buFont typeface="Arial" pitchFamily="34" charset="0"/>
+              <a:buChar char="•"/>
+              <a:defRPr sz="2000" kern="1200">
+                <a:solidFill>
+                  <a:schemeClr val="tx1"/>
+                </a:solidFill>
+                <a:latin typeface="+mn-lt"/>
+                <a:ea typeface="+mn-ea"/>
+                <a:cs typeface="+mn-cs"/>
+              </a:defRPr>
+            </a:lvl2pPr>
+            <a:lvl3pPr marL="731520" indent="-182880" algn="l" defTabSz="914400" rtl="0" eaLnBrk="1" latinLnBrk="0" hangingPunct="1">
+              <a:spcBef>
+                <a:spcPct val="20000"/>
+              </a:spcBef>
+              <a:buClr>
+                <a:schemeClr val="accent1"/>
+              </a:buClr>
+              <a:buSzPct val="90000"/>
+              <a:buFont typeface="Arial" pitchFamily="34" charset="0"/>
+              <a:buChar char="•"/>
+              <a:defRPr sz="1800" kern="1200">
+                <a:solidFill>
+                  <a:schemeClr val="tx1"/>
+                </a:solidFill>
+                <a:latin typeface="+mn-lt"/>
+                <a:ea typeface="+mn-ea"/>
+                <a:cs typeface="+mn-cs"/>
+              </a:defRPr>
+            </a:lvl3pPr>
+            <a:lvl4pPr marL="1005840" indent="-182880" algn="l" defTabSz="914400" rtl="0" eaLnBrk="1" latinLnBrk="0" hangingPunct="1">
+              <a:spcBef>
+                <a:spcPct val="20000"/>
+              </a:spcBef>
+              <a:buClr>
+                <a:schemeClr val="accent1"/>
+              </a:buClr>
+              <a:buFont typeface="Arial" pitchFamily="34" charset="0"/>
+              <a:buChar char="•"/>
+              <a:defRPr sz="1600" kern="1200">
+                <a:solidFill>
+                  <a:schemeClr val="tx1"/>
+                </a:solidFill>
+                <a:latin typeface="+mn-lt"/>
+                <a:ea typeface="+mn-ea"/>
+                <a:cs typeface="+mn-cs"/>
+              </a:defRPr>
+            </a:lvl4pPr>
+            <a:lvl5pPr marL="1188720" indent="-137160" algn="l" defTabSz="914400" rtl="0" eaLnBrk="1" latinLnBrk="0" hangingPunct="1">
+              <a:spcBef>
+                <a:spcPct val="20000"/>
+              </a:spcBef>
+              <a:buClr>
+                <a:schemeClr val="accent1"/>
+              </a:buClr>
+              <a:buSzPct val="100000"/>
+              <a:buFont typeface="Arial" pitchFamily="34" charset="0"/>
+              <a:buChar char="•"/>
+              <a:defRPr sz="1400" kern="1200" baseline="0">
+                <a:solidFill>
+                  <a:schemeClr val="tx1"/>
+                </a:solidFill>
+                <a:latin typeface="+mn-lt"/>
+                <a:ea typeface="+mn-ea"/>
+                <a:cs typeface="+mn-cs"/>
+              </a:defRPr>
+            </a:lvl5pPr>
+            <a:lvl6pPr marL="1371600" indent="-182880" algn="l" defTabSz="914400" rtl="0" eaLnBrk="1" latinLnBrk="0" hangingPunct="1">
+              <a:spcBef>
+                <a:spcPct val="20000"/>
+              </a:spcBef>
+              <a:buClr>
+                <a:schemeClr val="accent1"/>
+              </a:buClr>
+              <a:buFont typeface="Arial" pitchFamily="34" charset="0"/>
+              <a:buChar char="•"/>
+              <a:defRPr sz="1300" kern="1200">
+                <a:solidFill>
+                  <a:schemeClr val="tx1"/>
+                </a:solidFill>
+                <a:latin typeface="+mn-lt"/>
+                <a:ea typeface="+mn-ea"/>
+                <a:cs typeface="+mn-cs"/>
+              </a:defRPr>
+            </a:lvl6pPr>
+            <a:lvl7pPr marL="1554480" indent="-182880" algn="l" defTabSz="914400" rtl="0" eaLnBrk="1" latinLnBrk="0" hangingPunct="1">
+              <a:spcBef>
+                <a:spcPct val="20000"/>
+              </a:spcBef>
+              <a:buClr>
+                <a:schemeClr val="accent1"/>
+              </a:buClr>
+              <a:buFont typeface="Arial" pitchFamily="34" charset="0"/>
+              <a:buChar char="•"/>
+              <a:defRPr sz="1300" kern="1200">
+                <a:solidFill>
+                  <a:schemeClr val="tx1"/>
+                </a:solidFill>
+                <a:latin typeface="+mn-lt"/>
+                <a:ea typeface="+mn-ea"/>
+                <a:cs typeface="+mn-cs"/>
+              </a:defRPr>
+            </a:lvl7pPr>
+            <a:lvl8pPr marL="1737360" indent="-182880" algn="l" defTabSz="914400" rtl="0" eaLnBrk="1" latinLnBrk="0" hangingPunct="1">
+              <a:spcBef>
+                <a:spcPct val="20000"/>
+              </a:spcBef>
+              <a:buClr>
+                <a:schemeClr val="accent1"/>
+              </a:buClr>
+              <a:buFont typeface="Arial" pitchFamily="34" charset="0"/>
+              <a:buChar char="•"/>
+              <a:defRPr sz="1300" kern="1200">
+                <a:solidFill>
+                  <a:schemeClr val="tx1"/>
+                </a:solidFill>
+                <a:latin typeface="+mn-lt"/>
+                <a:ea typeface="+mn-ea"/>
+                <a:cs typeface="+mn-cs"/>
+              </a:defRPr>
+            </a:lvl8pPr>
+            <a:lvl9pPr marL="1920240" indent="-182880" algn="l" defTabSz="914400" rtl="0" eaLnBrk="1" latinLnBrk="0" hangingPunct="1">
+              <a:spcBef>
+                <a:spcPct val="20000"/>
+              </a:spcBef>
+              <a:buClr>
+                <a:schemeClr val="accent1"/>
+              </a:buClr>
+              <a:buFont typeface="Arial" pitchFamily="34" charset="0"/>
+              <a:buChar char="•"/>
+              <a:defRPr sz="1300" kern="1200">
+                <a:solidFill>
+                  <a:schemeClr val="tx1"/>
+                </a:solidFill>
+                <a:latin typeface="+mn-lt"/>
+                <a:ea typeface="+mn-ea"/>
+                <a:cs typeface="+mn-cs"/>
+              </a:defRPr>
+            </a:lvl9pPr>
+          </a:lstStyle>
+          <a:p>
+            <a:r>
+              <a:rPr lang="en-GB" dirty="0"/>
+              <a:t>The vector unit is fed from </a:t>
+            </a:r>
+            <a:r>
+              <a:rPr lang="en-GB" i="1" dirty="0" err="1"/>
+              <a:t>LReg</a:t>
+            </a:r>
+            <a:r>
+              <a:rPr lang="en-GB" dirty="0"/>
+              <a:t>, which contains 17 times, 32 lanes of 32 bit</a:t>
+            </a:r>
+          </a:p>
+          <a:p>
+            <a:r>
+              <a:rPr lang="en-GB" i="1" dirty="0" err="1"/>
+              <a:t>LReg</a:t>
+            </a:r>
+            <a:r>
+              <a:rPr lang="en-GB" dirty="0"/>
+              <a:t> is loaded from chunks of </a:t>
+            </a:r>
+            <a:r>
+              <a:rPr lang="en-GB" i="1" dirty="0" err="1"/>
+              <a:t>dst</a:t>
+            </a:r>
+            <a:r>
+              <a:rPr lang="en-GB" i="1" dirty="0"/>
+              <a:t> , </a:t>
+            </a:r>
+            <a:r>
+              <a:rPr lang="en-GB" dirty="0"/>
+              <a:t>from a maximum of 1024 elements</a:t>
+            </a:r>
+          </a:p>
+          <a:p>
+            <a:pPr lvl="1"/>
+            <a:r>
+              <a:rPr lang="en-GB" dirty="0"/>
+              <a:t>Binary operations will load different lanes of </a:t>
+            </a:r>
+            <a:r>
+              <a:rPr lang="en-GB" i="1" dirty="0" err="1"/>
+              <a:t>LReg</a:t>
+            </a:r>
+            <a:r>
+              <a:rPr lang="en-GB" dirty="0"/>
+              <a:t> from different chunks in </a:t>
+            </a:r>
+            <a:r>
+              <a:rPr lang="en-GB" i="1" dirty="0" err="1"/>
+              <a:t>dst</a:t>
+            </a:r>
+            <a:endParaRPr lang="en-GB" i="1" dirty="0"/>
+          </a:p>
+          <a:p>
+            <a:endParaRPr lang="en-GB" dirty="0"/>
+          </a:p>
+        </p:txBody>
+      </p:sp>
+      <p:sp>
+        <p:nvSpPr>
+          <p:cNvPr id="10" name="Rectangle: Rounded Corners 9">
+            <a:extLst>
+              <a:ext uri="{FF2B5EF4-FFF2-40B4-BE49-F238E27FC236}">
+                <a16:creationId xmlns:a16="http://schemas.microsoft.com/office/drawing/2014/main" id="{1FF93EFD-6496-4D6C-6DCC-F5321A1BB239}"/>
+              </a:ext>
+            </a:extLst>
+          </p:cNvPr>
+          <p:cNvSpPr/>
+          <p:nvPr/>
+        </p:nvSpPr>
+        <p:spPr>
+          <a:xfrm>
+            <a:off x="9460654" y="2165098"/>
+            <a:ext cx="1047026" cy="870831"/>
+          </a:xfrm>
+          <a:prstGeom prst="roundRect">
+            <a:avLst/>
+          </a:prstGeom>
+          <a:noFill/>
+          <a:ln>
+            <a:solidFill>
+              <a:srgbClr val="0070C0"/>
+            </a:solidFill>
+          </a:ln>
+        </p:spPr>
+        <p:style>
+          <a:lnRef idx="2">
+            <a:schemeClr val="accent1">
+              <a:shade val="15000"/>
+            </a:schemeClr>
+          </a:lnRef>
+          <a:fillRef idx="1">
+            <a:schemeClr val="accent1"/>
+          </a:fillRef>
+          <a:effectRef idx="0">
+            <a:schemeClr val="accent1"/>
+          </a:effectRef>
+          <a:fontRef idx="minor">
+            <a:schemeClr val="lt1"/>
+          </a:fontRef>
+        </p:style>
+        <p:txBody>
+          <a:bodyPr rtlCol="0" anchor="ctr"/>
+          <a:lstStyle/>
+          <a:p>
+            <a:pPr algn="ctr"/>
+            <a:endParaRPr lang="en-GB" dirty="0">
+              <a:solidFill>
+                <a:srgbClr val="0070C0"/>
+              </a:solidFill>
+            </a:endParaRPr>
+          </a:p>
+          <a:p>
+            <a:pPr algn="ctr"/>
+            <a:r>
+              <a:rPr lang="en-GB" dirty="0">
+                <a:solidFill>
+                  <a:srgbClr val="0070C0"/>
+                </a:solidFill>
+              </a:rPr>
+              <a:t>SFPU</a:t>
+            </a:r>
+          </a:p>
+        </p:txBody>
+      </p:sp>
+      <p:sp>
+        <p:nvSpPr>
+          <p:cNvPr id="13" name="Rectangle 12">
+            <a:extLst>
+              <a:ext uri="{FF2B5EF4-FFF2-40B4-BE49-F238E27FC236}">
+                <a16:creationId xmlns:a16="http://schemas.microsoft.com/office/drawing/2014/main" id="{719EF818-12F9-FBBF-ACC2-1F7D8DF41B99}"/>
+              </a:ext>
+            </a:extLst>
+          </p:cNvPr>
+          <p:cNvSpPr/>
+          <p:nvPr/>
+        </p:nvSpPr>
+        <p:spPr>
+          <a:xfrm>
+            <a:off x="10912519" y="2133560"/>
+            <a:ext cx="785270" cy="933908"/>
+          </a:xfrm>
+          <a:prstGeom prst="rect">
+            <a:avLst/>
+          </a:prstGeom>
+          <a:noFill/>
+          <a:ln>
+            <a:solidFill>
+              <a:srgbClr val="00B050"/>
+            </a:solidFill>
+          </a:ln>
+        </p:spPr>
+        <p:style>
+          <a:lnRef idx="2">
+            <a:schemeClr val="accent1">
+              <a:shade val="15000"/>
+            </a:schemeClr>
+          </a:lnRef>
+          <a:fillRef idx="1">
+            <a:schemeClr val="accent1"/>
+          </a:fillRef>
+          <a:effectRef idx="0">
+            <a:schemeClr val="accent1"/>
+          </a:effectRef>
+          <a:fontRef idx="minor">
+            <a:schemeClr val="lt1"/>
+          </a:fontRef>
+        </p:style>
+        <p:txBody>
+          <a:bodyPr rtlCol="0" anchor="ctr"/>
+          <a:lstStyle/>
+          <a:p>
+            <a:pPr algn="ctr"/>
+            <a:r>
+              <a:rPr lang="en-GB" i="1" dirty="0" err="1">
+                <a:solidFill>
+                  <a:srgbClr val="00B050"/>
+                </a:solidFill>
+              </a:rPr>
+              <a:t>dst</a:t>
+            </a:r>
+            <a:endParaRPr lang="en-GB" i="1" dirty="0">
+              <a:solidFill>
+                <a:srgbClr val="00B050"/>
+              </a:solidFill>
+            </a:endParaRPr>
+          </a:p>
+        </p:txBody>
+      </p:sp>
+      <p:cxnSp>
+        <p:nvCxnSpPr>
+          <p:cNvPr id="16" name="Straight Arrow Connector 15">
+            <a:extLst>
+              <a:ext uri="{FF2B5EF4-FFF2-40B4-BE49-F238E27FC236}">
+                <a16:creationId xmlns:a16="http://schemas.microsoft.com/office/drawing/2014/main" id="{DD10A41D-6F54-7132-0584-8BA2153D8F1C}"/>
+              </a:ext>
+            </a:extLst>
+          </p:cNvPr>
+          <p:cNvCxnSpPr>
+            <a:cxnSpLocks/>
+            <a:stCxn id="10" idx="3"/>
+            <a:endCxn id="13" idx="1"/>
+          </p:cNvCxnSpPr>
+          <p:nvPr/>
+        </p:nvCxnSpPr>
+        <p:spPr>
+          <a:xfrm>
+            <a:off x="10507680" y="2600514"/>
+            <a:ext cx="404839" cy="0"/>
+          </a:xfrm>
+          <a:prstGeom prst="straightConnector1">
+            <a:avLst/>
+          </a:prstGeom>
+          <a:ln w="22225">
+            <a:solidFill>
+              <a:srgbClr val="00B050"/>
+            </a:solidFill>
+            <a:tailEnd type="triangle"/>
+          </a:ln>
+        </p:spPr>
+        <p:style>
+          <a:lnRef idx="1">
+            <a:schemeClr val="accent1"/>
+          </a:lnRef>
+          <a:fillRef idx="0">
+            <a:schemeClr val="accent1"/>
+          </a:fillRef>
+          <a:effectRef idx="0">
+            <a:schemeClr val="accent1"/>
+          </a:effectRef>
+          <a:fontRef idx="minor">
+            <a:schemeClr val="tx1"/>
+          </a:fontRef>
+        </p:style>
+      </p:cxnSp>
+      <p:sp>
+        <p:nvSpPr>
+          <p:cNvPr id="17" name="Rectangle 16">
+            <a:extLst>
+              <a:ext uri="{FF2B5EF4-FFF2-40B4-BE49-F238E27FC236}">
+                <a16:creationId xmlns:a16="http://schemas.microsoft.com/office/drawing/2014/main" id="{47CD0D25-761C-CA9F-1C2B-0C2C0FDC9198}"/>
+              </a:ext>
+            </a:extLst>
+          </p:cNvPr>
+          <p:cNvSpPr/>
+          <p:nvPr/>
+        </p:nvSpPr>
+        <p:spPr>
+          <a:xfrm>
+            <a:off x="8256240" y="2133559"/>
+            <a:ext cx="785270" cy="933908"/>
+          </a:xfrm>
+          <a:prstGeom prst="rect">
+            <a:avLst/>
+          </a:prstGeom>
+          <a:noFill/>
+          <a:ln>
+            <a:solidFill>
+              <a:srgbClr val="00B050"/>
+            </a:solidFill>
+          </a:ln>
+        </p:spPr>
+        <p:style>
+          <a:lnRef idx="2">
+            <a:schemeClr val="accent1">
+              <a:shade val="15000"/>
+            </a:schemeClr>
+          </a:lnRef>
+          <a:fillRef idx="1">
+            <a:schemeClr val="accent1"/>
+          </a:fillRef>
+          <a:effectRef idx="0">
+            <a:schemeClr val="accent1"/>
+          </a:effectRef>
+          <a:fontRef idx="minor">
+            <a:schemeClr val="lt1"/>
+          </a:fontRef>
+        </p:style>
+        <p:txBody>
+          <a:bodyPr rtlCol="0" anchor="ctr"/>
+          <a:lstStyle/>
+          <a:p>
+            <a:pPr algn="ctr"/>
+            <a:r>
+              <a:rPr lang="en-GB" i="1" dirty="0" err="1">
+                <a:solidFill>
+                  <a:srgbClr val="00B050"/>
+                </a:solidFill>
+              </a:rPr>
+              <a:t>dst</a:t>
+            </a:r>
+            <a:endParaRPr lang="en-GB" i="1" dirty="0">
+              <a:solidFill>
+                <a:srgbClr val="00B050"/>
+              </a:solidFill>
+            </a:endParaRPr>
+          </a:p>
+        </p:txBody>
+      </p:sp>
+      <p:cxnSp>
+        <p:nvCxnSpPr>
+          <p:cNvPr id="18" name="Straight Arrow Connector 17">
+            <a:extLst>
+              <a:ext uri="{FF2B5EF4-FFF2-40B4-BE49-F238E27FC236}">
+                <a16:creationId xmlns:a16="http://schemas.microsoft.com/office/drawing/2014/main" id="{6EE2F781-724E-A8F5-3DA9-98BBA7663F6C}"/>
+              </a:ext>
+            </a:extLst>
+          </p:cNvPr>
+          <p:cNvCxnSpPr>
+            <a:cxnSpLocks/>
+          </p:cNvCxnSpPr>
+          <p:nvPr/>
+        </p:nvCxnSpPr>
+        <p:spPr>
+          <a:xfrm>
+            <a:off x="9041510" y="2508274"/>
+            <a:ext cx="419144" cy="1"/>
+          </a:xfrm>
+          <a:prstGeom prst="straightConnector1">
+            <a:avLst/>
+          </a:prstGeom>
+          <a:ln w="22225">
+            <a:solidFill>
+              <a:srgbClr val="00B050"/>
+            </a:solidFill>
+            <a:tailEnd type="triangle"/>
+          </a:ln>
+        </p:spPr>
+        <p:style>
+          <a:lnRef idx="1">
+            <a:schemeClr val="accent1"/>
+          </a:lnRef>
+          <a:fillRef idx="0">
+            <a:schemeClr val="accent1"/>
+          </a:fillRef>
+          <a:effectRef idx="0">
+            <a:schemeClr val="accent1"/>
+          </a:effectRef>
+          <a:fontRef idx="minor">
+            <a:schemeClr val="tx1"/>
+          </a:fontRef>
+        </p:style>
+      </p:cxnSp>
+      <p:sp>
+        <p:nvSpPr>
+          <p:cNvPr id="23" name="Rectangle 22">
+            <a:extLst>
+              <a:ext uri="{FF2B5EF4-FFF2-40B4-BE49-F238E27FC236}">
+                <a16:creationId xmlns:a16="http://schemas.microsoft.com/office/drawing/2014/main" id="{34F18B3F-C060-43D1-7BE8-F0C16AB97A00}"/>
+              </a:ext>
+            </a:extLst>
+          </p:cNvPr>
+          <p:cNvSpPr/>
+          <p:nvPr/>
+        </p:nvSpPr>
+        <p:spPr>
+          <a:xfrm>
+            <a:off x="9648056" y="2236530"/>
+            <a:ext cx="702709" cy="302669"/>
+          </a:xfrm>
+          <a:prstGeom prst="rect">
+            <a:avLst/>
+          </a:prstGeom>
+          <a:noFill/>
+          <a:ln>
+            <a:solidFill>
+              <a:srgbClr val="0070C0"/>
+            </a:solidFill>
+            <a:prstDash val="dash"/>
+          </a:ln>
+        </p:spPr>
+        <p:style>
+          <a:lnRef idx="2">
+            <a:schemeClr val="accent1">
+              <a:shade val="15000"/>
+            </a:schemeClr>
+          </a:lnRef>
+          <a:fillRef idx="1">
+            <a:schemeClr val="accent1"/>
+          </a:fillRef>
+          <a:effectRef idx="0">
+            <a:schemeClr val="accent1"/>
+          </a:effectRef>
+          <a:fontRef idx="minor">
+            <a:schemeClr val="lt1"/>
+          </a:fontRef>
+        </p:style>
+        <p:txBody>
+          <a:bodyPr rtlCol="0" anchor="ctr"/>
+          <a:lstStyle/>
+          <a:p>
+            <a:pPr algn="ctr"/>
+            <a:r>
+              <a:rPr lang="en-GB" sz="1200" i="1" dirty="0" err="1">
+                <a:solidFill>
+                  <a:srgbClr val="0070C0"/>
+                </a:solidFill>
+              </a:rPr>
+              <a:t>LReg</a:t>
+            </a:r>
+            <a:endParaRPr lang="en-GB" sz="1200" i="1" dirty="0">
+              <a:solidFill>
+                <a:srgbClr val="0070C0"/>
+              </a:solidFill>
+            </a:endParaRPr>
+          </a:p>
+        </p:txBody>
+      </p:sp>
+      <p:cxnSp>
+        <p:nvCxnSpPr>
+          <p:cNvPr id="26" name="Straight Arrow Connector 25">
+            <a:extLst>
+              <a:ext uri="{FF2B5EF4-FFF2-40B4-BE49-F238E27FC236}">
+                <a16:creationId xmlns:a16="http://schemas.microsoft.com/office/drawing/2014/main" id="{30A9560B-D3C3-7EB4-68B6-E0ADCC678202}"/>
+              </a:ext>
+            </a:extLst>
+          </p:cNvPr>
+          <p:cNvCxnSpPr>
+            <a:cxnSpLocks/>
+          </p:cNvCxnSpPr>
+          <p:nvPr/>
+        </p:nvCxnSpPr>
+        <p:spPr>
+          <a:xfrm>
+            <a:off x="9063056" y="2692752"/>
+            <a:ext cx="419144" cy="1"/>
+          </a:xfrm>
+          <a:prstGeom prst="straightConnector1">
+            <a:avLst/>
+          </a:prstGeom>
+          <a:ln w="22225">
+            <a:solidFill>
+              <a:srgbClr val="00B050"/>
+            </a:solidFill>
+            <a:tailEnd type="triangle"/>
+          </a:ln>
+        </p:spPr>
+        <p:style>
+          <a:lnRef idx="1">
+            <a:schemeClr val="accent1"/>
+          </a:lnRef>
+          <a:fillRef idx="0">
+            <a:schemeClr val="accent1"/>
+          </a:fillRef>
+          <a:effectRef idx="0">
+            <a:schemeClr val="accent1"/>
+          </a:effectRef>
+          <a:fontRef idx="minor">
+            <a:schemeClr val="tx1"/>
+          </a:fontRef>
+        </p:style>
+      </p:cxnSp>
+    </p:spTree>
+    <p:extLst>
+      <p:ext uri="{BB962C8B-B14F-4D97-AF65-F5344CB8AC3E}">
+        <p14:creationId xmlns:p14="http://schemas.microsoft.com/office/powerpoint/2010/main" val="763844044"/>
+      </p:ext>
+    </p:extLst>
+  </p:cSld>
+  <p:clrMapOvr>
+    <a:masterClrMapping/>
+  </p:clrMapOvr>
+</p:sld>
+</file>
+
+<file path=ppt/slides/slide7.xml><?xml version="1.0" encoding="utf-8"?>
+<p:sld xmlns:a="http://schemas.openxmlformats.org/drawingml/2006/main" xmlns:r="http://schemas.openxmlformats.org/officeDocument/2006/relationships" xmlns:p="http://schemas.openxmlformats.org/presentationml/2006/main">
+  <p:cSld>
+    <p:spTree>
+      <p:nvGrpSpPr>
+        <p:cNvPr id="1" name="">
+          <a:extLst>
+            <a:ext uri="{FF2B5EF4-FFF2-40B4-BE49-F238E27FC236}">
+              <a16:creationId xmlns:a16="http://schemas.microsoft.com/office/drawing/2014/main" id="{0DB262FB-4EC2-702C-3573-5C017E2F54F5}"/>
+            </a:ext>
+          </a:extLst>
+        </p:cNvPr>
+        <p:cNvGrpSpPr/>
+        <p:nvPr/>
+      </p:nvGrpSpPr>
+      <p:grpSpPr>
+        <a:xfrm>
+          <a:off x="0" y="0"/>
+          <a:ext cx="0" cy="0"/>
+          <a:chOff x="0" y="0"/>
+          <a:chExt cx="0" cy="0"/>
+        </a:xfrm>
+      </p:grpSpPr>
+      <p:sp>
+        <p:nvSpPr>
+          <p:cNvPr id="2" name="Title 1">
+            <a:extLst>
+              <a:ext uri="{FF2B5EF4-FFF2-40B4-BE49-F238E27FC236}">
+                <a16:creationId xmlns:a16="http://schemas.microsoft.com/office/drawing/2014/main" id="{49398429-31D0-5A8D-0AF4-418CC45DA57A}"/>
+              </a:ext>
+            </a:extLst>
+          </p:cNvPr>
+          <p:cNvSpPr>
+            <a:spLocks noGrp="1"/>
+          </p:cNvSpPr>
+          <p:nvPr>
+            <p:ph type="title"/>
+          </p:nvPr>
+        </p:nvSpPr>
+        <p:spPr/>
+        <p:txBody>
+          <a:bodyPr/>
+          <a:lstStyle/>
+          <a:p>
+            <a:r>
+              <a:rPr lang="en-GB" dirty="0"/>
+              <a:t>Issuing compute operations to vector unit</a:t>
+            </a:r>
+          </a:p>
+        </p:txBody>
+      </p:sp>
+      <p:sp>
+        <p:nvSpPr>
+          <p:cNvPr id="6" name="TextBox 5">
+            <a:extLst>
+              <a:ext uri="{FF2B5EF4-FFF2-40B4-BE49-F238E27FC236}">
+                <a16:creationId xmlns:a16="http://schemas.microsoft.com/office/drawing/2014/main" id="{88B09CAC-630A-59BE-7BFB-3952BBA584C7}"/>
+              </a:ext>
+            </a:extLst>
+          </p:cNvPr>
+          <p:cNvSpPr txBox="1"/>
+          <p:nvPr/>
+        </p:nvSpPr>
+        <p:spPr>
+          <a:xfrm>
+            <a:off x="191344" y="2433947"/>
+            <a:ext cx="3600400" cy="4247317"/>
+          </a:xfrm>
+          <a:prstGeom prst="rect">
+            <a:avLst/>
+          </a:prstGeom>
+          <a:noFill/>
+        </p:spPr>
+        <p:txBody>
+          <a:bodyPr wrap="square" rtlCol="0">
+            <a:spAutoFit/>
+          </a:bodyPr>
+          <a:lstStyle/>
+          <a:p>
+            <a:pPr marL="285750" indent="-285750">
+              <a:buFont typeface="Arial" panose="020B0604020202020204" pitchFamily="34" charset="0"/>
+              <a:buChar char="•"/>
+            </a:pPr>
+            <a:r>
+              <a:rPr lang="en-GB" dirty="0"/>
+              <a:t>Wait for two CBs (LHS and RHS) to be available via </a:t>
+            </a:r>
+            <a:r>
+              <a:rPr lang="en-GB" i="1" dirty="0" err="1"/>
+              <a:t>cb_wait_front</a:t>
+            </a:r>
+            <a:r>
+              <a:rPr lang="en-GB" i="1" dirty="0"/>
+              <a:t> </a:t>
+            </a:r>
+            <a:r>
+              <a:rPr lang="en-GB" dirty="0"/>
+              <a:t>API call</a:t>
+            </a:r>
+          </a:p>
+          <a:p>
+            <a:pPr marL="285750" indent="-285750">
+              <a:buFont typeface="Arial" panose="020B0604020202020204" pitchFamily="34" charset="0"/>
+              <a:buChar char="•"/>
+            </a:pPr>
+            <a:endParaRPr lang="en-GB" dirty="0"/>
+          </a:p>
+          <a:p>
+            <a:pPr marL="285750" indent="-285750">
+              <a:buFont typeface="Arial" panose="020B0604020202020204" pitchFamily="34" charset="0"/>
+              <a:buChar char="•"/>
+            </a:pPr>
+            <a:r>
+              <a:rPr lang="en-GB" dirty="0"/>
+              <a:t>Acquire exclusive pack lock on DST (target) registers using </a:t>
+            </a:r>
+            <a:r>
+              <a:rPr lang="en-GB" i="1" dirty="0" err="1"/>
+              <a:t>tile_regs_wait</a:t>
+            </a:r>
+            <a:r>
+              <a:rPr lang="en-GB" i="1" dirty="0"/>
+              <a:t> </a:t>
+            </a:r>
+            <a:r>
+              <a:rPr lang="en-GB" dirty="0"/>
+              <a:t>API call</a:t>
+            </a:r>
+          </a:p>
+          <a:p>
+            <a:pPr marL="285750" indent="-285750">
+              <a:buFont typeface="Arial" panose="020B0604020202020204" pitchFamily="34" charset="0"/>
+              <a:buChar char="•"/>
+            </a:pPr>
+            <a:endParaRPr lang="en-GB" dirty="0"/>
+          </a:p>
+          <a:p>
+            <a:pPr marL="285750" indent="-285750">
+              <a:buFont typeface="Arial" panose="020B0604020202020204" pitchFamily="34" charset="0"/>
+              <a:buChar char="•"/>
+            </a:pPr>
+            <a:r>
+              <a:rPr lang="en-GB" dirty="0"/>
+              <a:t>Copy both input tiles into </a:t>
+            </a:r>
+            <a:r>
+              <a:rPr lang="en-GB" i="1" dirty="0" err="1"/>
+              <a:t>dst</a:t>
+            </a:r>
+            <a:r>
+              <a:rPr lang="en-GB" dirty="0"/>
+              <a:t> register using segment index</a:t>
+            </a:r>
+          </a:p>
+          <a:p>
+            <a:pPr marL="285750" indent="-285750">
+              <a:buFont typeface="Arial" panose="020B0604020202020204" pitchFamily="34" charset="0"/>
+              <a:buChar char="•"/>
+            </a:pPr>
+            <a:endParaRPr lang="en-GB" dirty="0"/>
+          </a:p>
+          <a:p>
+            <a:pPr marL="285750" indent="-285750">
+              <a:buFont typeface="Arial" panose="020B0604020202020204" pitchFamily="34" charset="0"/>
+              <a:buChar char="•"/>
+            </a:pPr>
+            <a:r>
+              <a:rPr lang="en-GB" dirty="0"/>
+              <a:t>Release exclusive pack lock on DST (target) registers using </a:t>
+            </a:r>
+            <a:r>
+              <a:rPr lang="en-GB" i="1" dirty="0" err="1"/>
+              <a:t>tile_regs_release</a:t>
+            </a:r>
+            <a:r>
+              <a:rPr lang="en-GB" i="1" dirty="0"/>
+              <a:t> </a:t>
+            </a:r>
+            <a:r>
+              <a:rPr lang="en-GB" dirty="0"/>
+              <a:t>API call</a:t>
+            </a:r>
+          </a:p>
+          <a:p>
+            <a:pPr marL="285750" indent="-285750">
+              <a:buFont typeface="Arial" panose="020B0604020202020204" pitchFamily="34" charset="0"/>
+              <a:buChar char="•"/>
+            </a:pPr>
+            <a:endParaRPr lang="en-GB" i="1" dirty="0"/>
+          </a:p>
+        </p:txBody>
+      </p:sp>
+      <p:sp>
+        <p:nvSpPr>
+          <p:cNvPr id="7" name="TextBox 6">
+            <a:extLst>
+              <a:ext uri="{FF2B5EF4-FFF2-40B4-BE49-F238E27FC236}">
+                <a16:creationId xmlns:a16="http://schemas.microsoft.com/office/drawing/2014/main" id="{1BB72041-F4DA-296D-4221-DE5884C402B4}"/>
+              </a:ext>
+            </a:extLst>
+          </p:cNvPr>
+          <p:cNvSpPr txBox="1"/>
+          <p:nvPr/>
+        </p:nvSpPr>
+        <p:spPr>
+          <a:xfrm>
+            <a:off x="3935761" y="2382775"/>
+            <a:ext cx="4104451" cy="3970318"/>
+          </a:xfrm>
+          <a:prstGeom prst="rect">
+            <a:avLst/>
+          </a:prstGeom>
+          <a:noFill/>
+        </p:spPr>
+        <p:txBody>
+          <a:bodyPr wrap="square" rtlCol="0">
+            <a:spAutoFit/>
+          </a:bodyPr>
+          <a:lstStyle/>
+          <a:p>
+            <a:pPr marL="285750" indent="-285750">
+              <a:buFont typeface="Arial" panose="020B0604020202020204" pitchFamily="34" charset="0"/>
+              <a:buChar char="•"/>
+            </a:pPr>
+            <a:r>
+              <a:rPr lang="en-GB" dirty="0"/>
+              <a:t>Acquire exclusive compute lock on DST (target) registers using </a:t>
+            </a:r>
+            <a:r>
+              <a:rPr lang="en-GB" i="1" dirty="0" err="1"/>
+              <a:t>tile_regs_aqcuire</a:t>
+            </a:r>
+            <a:r>
+              <a:rPr lang="en-GB" i="1" dirty="0"/>
+              <a:t> </a:t>
+            </a:r>
+            <a:r>
+              <a:rPr lang="en-GB" dirty="0"/>
+              <a:t>API call</a:t>
+            </a:r>
+          </a:p>
+          <a:p>
+            <a:pPr marL="285750" indent="-285750">
+              <a:buFont typeface="Arial" panose="020B0604020202020204" pitchFamily="34" charset="0"/>
+              <a:buChar char="•"/>
+            </a:pPr>
+            <a:endParaRPr lang="en-GB" i="1" dirty="0"/>
+          </a:p>
+          <a:p>
+            <a:pPr marL="285750" indent="-285750">
+              <a:buFont typeface="Arial" panose="020B0604020202020204" pitchFamily="34" charset="0"/>
+              <a:buChar char="•"/>
+            </a:pPr>
+            <a:r>
+              <a:rPr lang="en-GB" dirty="0"/>
+              <a:t>Issue corresponding vector API call such as </a:t>
+            </a:r>
+            <a:r>
+              <a:rPr lang="en-GB" i="1" dirty="0" err="1"/>
+              <a:t>add_binary_tile</a:t>
+            </a:r>
+            <a:r>
+              <a:rPr lang="en-GB" i="1" dirty="0"/>
+              <a:t>, </a:t>
+            </a:r>
+            <a:r>
+              <a:rPr lang="en-GB" i="1" dirty="0" err="1"/>
+              <a:t>sub_binary_tile</a:t>
+            </a:r>
+            <a:r>
+              <a:rPr lang="en-GB" i="1" dirty="0"/>
+              <a:t> </a:t>
+            </a:r>
+            <a:r>
+              <a:rPr lang="en-GB" dirty="0"/>
+              <a:t> with segment index determining inputs (first input overwritten with results)</a:t>
+            </a:r>
+          </a:p>
+          <a:p>
+            <a:pPr marL="285750" indent="-285750">
+              <a:buFont typeface="Arial" panose="020B0604020202020204" pitchFamily="34" charset="0"/>
+              <a:buChar char="•"/>
+            </a:pPr>
+            <a:endParaRPr lang="en-GB" dirty="0"/>
+          </a:p>
+          <a:p>
+            <a:pPr marL="285750" indent="-285750">
+              <a:buFont typeface="Arial" panose="020B0604020202020204" pitchFamily="34" charset="0"/>
+              <a:buChar char="•"/>
+            </a:pPr>
+            <a:r>
+              <a:rPr lang="en-GB" dirty="0"/>
+              <a:t>Release exclusive compute lock on DST (target) registers using </a:t>
+            </a:r>
+            <a:r>
+              <a:rPr lang="en-GB" i="1" dirty="0" err="1"/>
+              <a:t>tile_regs_commit</a:t>
+            </a:r>
+            <a:r>
+              <a:rPr lang="en-GB" i="1" dirty="0"/>
+              <a:t> </a:t>
+            </a:r>
+            <a:r>
+              <a:rPr lang="en-GB" dirty="0"/>
+              <a:t>API call</a:t>
+            </a:r>
+          </a:p>
+          <a:p>
+            <a:pPr marL="285750" indent="-285750">
+              <a:buFont typeface="Arial" panose="020B0604020202020204" pitchFamily="34" charset="0"/>
+              <a:buChar char="•"/>
+            </a:pPr>
+            <a:endParaRPr lang="en-GB" i="1" dirty="0"/>
+          </a:p>
+        </p:txBody>
+      </p:sp>
+      <p:sp>
+        <p:nvSpPr>
+          <p:cNvPr id="8" name="TextBox 7">
+            <a:extLst>
+              <a:ext uri="{FF2B5EF4-FFF2-40B4-BE49-F238E27FC236}">
+                <a16:creationId xmlns:a16="http://schemas.microsoft.com/office/drawing/2014/main" id="{FD28C40B-2769-AC35-42ED-41C2671A02E1}"/>
+              </a:ext>
+            </a:extLst>
+          </p:cNvPr>
+          <p:cNvSpPr txBox="1"/>
+          <p:nvPr/>
+        </p:nvSpPr>
+        <p:spPr>
+          <a:xfrm>
+            <a:off x="335360" y="1772816"/>
+            <a:ext cx="3240360" cy="369332"/>
+          </a:xfrm>
+          <a:prstGeom prst="rect">
+            <a:avLst/>
+          </a:prstGeom>
+          <a:noFill/>
+        </p:spPr>
+        <p:txBody>
+          <a:bodyPr wrap="square" rtlCol="0">
+            <a:spAutoFit/>
+          </a:bodyPr>
+          <a:lstStyle/>
+          <a:p>
+            <a:pPr algn="ctr"/>
+            <a:r>
+              <a:rPr lang="en-GB" i="1" u="sng" dirty="0">
+                <a:solidFill>
+                  <a:srgbClr val="0070C0"/>
+                </a:solidFill>
+              </a:rPr>
+              <a:t>To get input data in</a:t>
+            </a:r>
+          </a:p>
+        </p:txBody>
+      </p:sp>
+      <p:sp>
+        <p:nvSpPr>
+          <p:cNvPr id="9" name="TextBox 8">
+            <a:extLst>
+              <a:ext uri="{FF2B5EF4-FFF2-40B4-BE49-F238E27FC236}">
+                <a16:creationId xmlns:a16="http://schemas.microsoft.com/office/drawing/2014/main" id="{A50B57E0-5779-6B9F-8279-26F7B299D0EF}"/>
+              </a:ext>
+            </a:extLst>
+          </p:cNvPr>
+          <p:cNvSpPr txBox="1"/>
+          <p:nvPr/>
+        </p:nvSpPr>
+        <p:spPr>
+          <a:xfrm>
+            <a:off x="4367808" y="1772816"/>
+            <a:ext cx="3240360" cy="369332"/>
+          </a:xfrm>
+          <a:prstGeom prst="rect">
+            <a:avLst/>
+          </a:prstGeom>
+          <a:noFill/>
+        </p:spPr>
+        <p:txBody>
+          <a:bodyPr wrap="square" rtlCol="0">
+            <a:spAutoFit/>
+          </a:bodyPr>
+          <a:lstStyle/>
+          <a:p>
+            <a:pPr algn="ctr"/>
+            <a:r>
+              <a:rPr lang="en-GB" i="1" u="sng" dirty="0">
+                <a:solidFill>
+                  <a:srgbClr val="0070C0"/>
+                </a:solidFill>
+              </a:rPr>
+              <a:t>To compute</a:t>
+            </a:r>
+          </a:p>
+        </p:txBody>
+      </p:sp>
+      <p:sp>
+        <p:nvSpPr>
+          <p:cNvPr id="10" name="TextBox 9">
+            <a:extLst>
+              <a:ext uri="{FF2B5EF4-FFF2-40B4-BE49-F238E27FC236}">
+                <a16:creationId xmlns:a16="http://schemas.microsoft.com/office/drawing/2014/main" id="{D3AFC488-E3A3-1DB0-69B1-54DCF8AC9AAA}"/>
+              </a:ext>
+            </a:extLst>
+          </p:cNvPr>
+          <p:cNvSpPr txBox="1"/>
+          <p:nvPr/>
+        </p:nvSpPr>
+        <p:spPr>
+          <a:xfrm>
+            <a:off x="8416489" y="1767632"/>
+            <a:ext cx="3240360" cy="369332"/>
+          </a:xfrm>
+          <a:prstGeom prst="rect">
+            <a:avLst/>
+          </a:prstGeom>
+          <a:noFill/>
+        </p:spPr>
+        <p:txBody>
+          <a:bodyPr wrap="square" rtlCol="0">
+            <a:spAutoFit/>
+          </a:bodyPr>
+          <a:lstStyle/>
+          <a:p>
+            <a:pPr algn="ctr"/>
+            <a:r>
+              <a:rPr lang="en-GB" i="1" u="sng" dirty="0">
+                <a:solidFill>
+                  <a:srgbClr val="0070C0"/>
+                </a:solidFill>
+              </a:rPr>
+              <a:t>To get results out</a:t>
+            </a:r>
+          </a:p>
+        </p:txBody>
+      </p:sp>
+      <p:sp>
+        <p:nvSpPr>
+          <p:cNvPr id="11" name="TextBox 10">
+            <a:extLst>
+              <a:ext uri="{FF2B5EF4-FFF2-40B4-BE49-F238E27FC236}">
+                <a16:creationId xmlns:a16="http://schemas.microsoft.com/office/drawing/2014/main" id="{EE00961E-D5B4-FAD7-5331-730435569ADA}"/>
+              </a:ext>
+            </a:extLst>
+          </p:cNvPr>
+          <p:cNvSpPr txBox="1"/>
+          <p:nvPr/>
+        </p:nvSpPr>
+        <p:spPr>
+          <a:xfrm>
+            <a:off x="8370486" y="2382775"/>
+            <a:ext cx="3486154" cy="3693319"/>
+          </a:xfrm>
+          <a:prstGeom prst="rect">
+            <a:avLst/>
+          </a:prstGeom>
+          <a:noFill/>
+        </p:spPr>
+        <p:txBody>
+          <a:bodyPr wrap="square" rtlCol="0">
+            <a:spAutoFit/>
+          </a:bodyPr>
+          <a:lstStyle/>
+          <a:p>
+            <a:pPr marL="285750" indent="-285750">
+              <a:buFont typeface="Arial" panose="020B0604020202020204" pitchFamily="34" charset="0"/>
+              <a:buChar char="•"/>
+            </a:pPr>
+            <a:r>
+              <a:rPr lang="en-GB" dirty="0"/>
+              <a:t>Acquire exclusive pack lock on DST (target) registers using </a:t>
+            </a:r>
+            <a:r>
+              <a:rPr lang="en-GB" i="1" dirty="0" err="1"/>
+              <a:t>tile_regs_wait</a:t>
+            </a:r>
+            <a:r>
+              <a:rPr lang="en-GB" i="1" dirty="0"/>
+              <a:t> </a:t>
+            </a:r>
+            <a:r>
+              <a:rPr lang="en-GB" dirty="0"/>
+              <a:t>API call</a:t>
+            </a:r>
+          </a:p>
+          <a:p>
+            <a:pPr marL="285750" indent="-285750">
+              <a:buFont typeface="Arial" panose="020B0604020202020204" pitchFamily="34" charset="0"/>
+              <a:buChar char="•"/>
+            </a:pPr>
+            <a:endParaRPr lang="en-GB" i="1" dirty="0"/>
+          </a:p>
+          <a:p>
+            <a:pPr marL="285750" indent="-285750">
+              <a:buFont typeface="Arial" panose="020B0604020202020204" pitchFamily="34" charset="0"/>
+              <a:buChar char="•"/>
+            </a:pPr>
+            <a:r>
+              <a:rPr lang="en-GB" dirty="0"/>
+              <a:t>Copy results from </a:t>
+            </a:r>
+            <a:r>
+              <a:rPr lang="en-GB" dirty="0" err="1"/>
+              <a:t>dst</a:t>
+            </a:r>
+            <a:r>
+              <a:rPr lang="en-GB" dirty="0"/>
+              <a:t> register to target CB via </a:t>
+            </a:r>
+            <a:r>
+              <a:rPr lang="en-GB" i="1" dirty="0" err="1"/>
+              <a:t>pack_tile</a:t>
+            </a:r>
+            <a:r>
+              <a:rPr lang="en-GB" dirty="0"/>
+              <a:t> API call</a:t>
+            </a:r>
+            <a:endParaRPr lang="en-GB" i="1" dirty="0"/>
+          </a:p>
+          <a:p>
+            <a:pPr marL="285750" indent="-285750">
+              <a:buFont typeface="Arial" panose="020B0604020202020204" pitchFamily="34" charset="0"/>
+              <a:buChar char="•"/>
+            </a:pPr>
+            <a:endParaRPr lang="en-GB" dirty="0"/>
+          </a:p>
+          <a:p>
+            <a:pPr marL="285750" indent="-285750">
+              <a:buFont typeface="Arial" panose="020B0604020202020204" pitchFamily="34" charset="0"/>
+              <a:buChar char="•"/>
+            </a:pPr>
+            <a:r>
+              <a:rPr lang="en-GB" dirty="0"/>
+              <a:t>Release exclusive pack lock on DST (target) registers using </a:t>
+            </a:r>
+            <a:r>
+              <a:rPr lang="en-GB" i="1" dirty="0" err="1"/>
+              <a:t>tile_regs_release</a:t>
+            </a:r>
+            <a:r>
+              <a:rPr lang="en-GB" i="1" dirty="0"/>
+              <a:t> </a:t>
+            </a:r>
+            <a:r>
+              <a:rPr lang="en-GB" dirty="0"/>
+              <a:t>API call</a:t>
+            </a:r>
+          </a:p>
+          <a:p>
+            <a:pPr marL="285750" indent="-285750">
+              <a:buFont typeface="Arial" panose="020B0604020202020204" pitchFamily="34" charset="0"/>
+              <a:buChar char="•"/>
+            </a:pPr>
+            <a:endParaRPr lang="en-GB" i="1" dirty="0"/>
+          </a:p>
+        </p:txBody>
+      </p:sp>
+      <p:cxnSp>
+        <p:nvCxnSpPr>
+          <p:cNvPr id="14" name="Straight Connector 13">
+            <a:extLst>
+              <a:ext uri="{FF2B5EF4-FFF2-40B4-BE49-F238E27FC236}">
+                <a16:creationId xmlns:a16="http://schemas.microsoft.com/office/drawing/2014/main" id="{2BFE811C-5414-C0EB-F7B1-15E4CA9E969F}"/>
+              </a:ext>
+            </a:extLst>
+          </p:cNvPr>
+          <p:cNvCxnSpPr/>
+          <p:nvPr/>
+        </p:nvCxnSpPr>
+        <p:spPr>
+          <a:xfrm>
+            <a:off x="3863752" y="2564904"/>
+            <a:ext cx="0" cy="2232248"/>
+          </a:xfrm>
+          <a:prstGeom prst="line">
+            <a:avLst/>
+          </a:prstGeom>
+          <a:ln w="22225">
+            <a:solidFill>
+              <a:srgbClr val="0070C0"/>
+            </a:solidFill>
+          </a:ln>
+        </p:spPr>
+        <p:style>
+          <a:lnRef idx="1">
+            <a:schemeClr val="accent1"/>
+          </a:lnRef>
+          <a:fillRef idx="0">
+            <a:schemeClr val="accent1"/>
+          </a:fillRef>
+          <a:effectRef idx="0">
+            <a:schemeClr val="accent1"/>
+          </a:effectRef>
+          <a:fontRef idx="minor">
+            <a:schemeClr val="tx1"/>
+          </a:fontRef>
+        </p:style>
+      </p:cxnSp>
+      <p:cxnSp>
+        <p:nvCxnSpPr>
+          <p:cNvPr id="15" name="Straight Connector 14">
+            <a:extLst>
+              <a:ext uri="{FF2B5EF4-FFF2-40B4-BE49-F238E27FC236}">
+                <a16:creationId xmlns:a16="http://schemas.microsoft.com/office/drawing/2014/main" id="{8483600F-BC6F-6FBB-C327-D246AC15E25F}"/>
+              </a:ext>
+            </a:extLst>
+          </p:cNvPr>
+          <p:cNvCxnSpPr>
+            <a:cxnSpLocks/>
+          </p:cNvCxnSpPr>
+          <p:nvPr/>
+        </p:nvCxnSpPr>
+        <p:spPr>
+          <a:xfrm>
+            <a:off x="8112224" y="2564904"/>
+            <a:ext cx="0" cy="3240360"/>
+          </a:xfrm>
+          <a:prstGeom prst="line">
+            <a:avLst/>
+          </a:prstGeom>
+          <a:ln w="22225">
+            <a:solidFill>
+              <a:srgbClr val="0070C0"/>
+            </a:solidFill>
+          </a:ln>
+        </p:spPr>
+        <p:style>
+          <a:lnRef idx="1">
+            <a:schemeClr val="accent1"/>
+          </a:lnRef>
+          <a:fillRef idx="0">
+            <a:schemeClr val="accent1"/>
+          </a:fillRef>
+          <a:effectRef idx="0">
+            <a:schemeClr val="accent1"/>
+          </a:effectRef>
+          <a:fontRef idx="minor">
+            <a:schemeClr val="tx1"/>
+          </a:fontRef>
+        </p:style>
+      </p:cxnSp>
+      <p:pic>
+        <p:nvPicPr>
+          <p:cNvPr id="3" name="Picture 2">
+            <a:extLst>
+              <a:ext uri="{FF2B5EF4-FFF2-40B4-BE49-F238E27FC236}">
+                <a16:creationId xmlns:a16="http://schemas.microsoft.com/office/drawing/2014/main" id="{F2BB112A-6480-AA11-6CF3-09BD53E12273}"/>
+              </a:ext>
+            </a:extLst>
+          </p:cNvPr>
+          <p:cNvPicPr>
+            <a:picLocks noChangeAspect="1"/>
+          </p:cNvPicPr>
+          <p:nvPr/>
+        </p:nvPicPr>
+        <p:blipFill>
+          <a:blip r:embed="rId2"/>
+          <a:stretch>
+            <a:fillRect/>
+          </a:stretch>
+        </p:blipFill>
+        <p:spPr>
+          <a:xfrm>
+            <a:off x="9912425" y="0"/>
+            <a:ext cx="2279576" cy="1836067"/>
+          </a:xfrm>
+          <a:prstGeom prst="rect">
+            <a:avLst/>
+          </a:prstGeom>
+        </p:spPr>
+      </p:pic>
+      <p:sp>
+        <p:nvSpPr>
+          <p:cNvPr id="4" name="TextBox 3">
+            <a:extLst>
+              <a:ext uri="{FF2B5EF4-FFF2-40B4-BE49-F238E27FC236}">
+                <a16:creationId xmlns:a16="http://schemas.microsoft.com/office/drawing/2014/main" id="{5B2B6785-E7B1-C065-A6E2-068D4CACAB46}"/>
+              </a:ext>
+            </a:extLst>
+          </p:cNvPr>
+          <p:cNvSpPr txBox="1"/>
+          <p:nvPr/>
+        </p:nvSpPr>
+        <p:spPr>
+          <a:xfrm>
+            <a:off x="5879976" y="6353093"/>
+            <a:ext cx="6192684" cy="369332"/>
+          </a:xfrm>
+          <a:prstGeom prst="rect">
+            <a:avLst/>
+          </a:prstGeom>
+          <a:noFill/>
+        </p:spPr>
+        <p:txBody>
+          <a:bodyPr wrap="square" rtlCol="0">
+            <a:spAutoFit/>
+          </a:bodyPr>
+          <a:lstStyle/>
+          <a:p>
+            <a:r>
+              <a:rPr lang="en-GB" i="1" dirty="0">
+                <a:solidFill>
+                  <a:srgbClr val="FF0000"/>
+                </a:solidFill>
+              </a:rPr>
+              <a:t>Vector unit uses the </a:t>
+            </a:r>
+            <a:r>
+              <a:rPr lang="en-GB" i="1" dirty="0" err="1">
+                <a:solidFill>
+                  <a:srgbClr val="FF0000"/>
+                </a:solidFill>
+              </a:rPr>
+              <a:t>dst</a:t>
+            </a:r>
+            <a:r>
+              <a:rPr lang="en-GB" i="1" dirty="0">
+                <a:solidFill>
+                  <a:srgbClr val="FF0000"/>
+                </a:solidFill>
+              </a:rPr>
+              <a:t> registers for both inputs and output</a:t>
+            </a:r>
+          </a:p>
+        </p:txBody>
+      </p:sp>
+    </p:spTree>
+    <p:extLst>
+      <p:ext uri="{BB962C8B-B14F-4D97-AF65-F5344CB8AC3E}">
+        <p14:creationId xmlns:p14="http://schemas.microsoft.com/office/powerpoint/2010/main" val="1887111017"/>
+      </p:ext>
+    </p:extLst>
+  </p:cSld>
+  <p:clrMapOvr>
+    <a:masterClrMapping/>
+  </p:clrMapOvr>
+</p:sld>
+</file>
+
+<file path=ppt/slides/slide8.xml><?xml version="1.0" encoding="utf-8"?>
+<p:sld xmlns:a="http://schemas.openxmlformats.org/drawingml/2006/main" xmlns:r="http://schemas.openxmlformats.org/officeDocument/2006/relationships" xmlns:p="http://schemas.openxmlformats.org/presentationml/2006/main">
+  <p:cSld>
+    <p:spTree>
+      <p:nvGrpSpPr>
+        <p:cNvPr id="1" name=""/>
+        <p:cNvGrpSpPr/>
+        <p:nvPr/>
+      </p:nvGrpSpPr>
+      <p:grpSpPr>
+        <a:xfrm>
+          <a:off x="0" y="0"/>
+          <a:ext cx="0" cy="0"/>
+          <a:chOff x="0" y="0"/>
+          <a:chExt cx="0" cy="0"/>
+        </a:xfrm>
+      </p:grpSpPr>
+      <p:sp>
+        <p:nvSpPr>
+          <p:cNvPr id="2" name="Title 1">
+            <a:extLst>
+              <a:ext uri="{FF2B5EF4-FFF2-40B4-BE49-F238E27FC236}">
+                <a16:creationId xmlns:a16="http://schemas.microsoft.com/office/drawing/2014/main" id="{5543BFA1-2CF3-1F16-E9C8-A1A87191AA34}"/>
+              </a:ext>
+            </a:extLst>
+          </p:cNvPr>
+          <p:cNvSpPr>
+            <a:spLocks noGrp="1"/>
+          </p:cNvSpPr>
+          <p:nvPr>
+            <p:ph type="title"/>
+          </p:nvPr>
+        </p:nvSpPr>
+        <p:spPr/>
+        <p:txBody>
+          <a:bodyPr/>
+          <a:lstStyle/>
+          <a:p>
+            <a:r>
+              <a:rPr lang="en-GB" dirty="0"/>
+              <a:t>The key points</a:t>
+            </a:r>
+          </a:p>
+        </p:txBody>
+      </p:sp>
+      <p:sp>
+        <p:nvSpPr>
+          <p:cNvPr id="3" name="Content Placeholder 2">
+            <a:extLst>
+              <a:ext uri="{FF2B5EF4-FFF2-40B4-BE49-F238E27FC236}">
+                <a16:creationId xmlns:a16="http://schemas.microsoft.com/office/drawing/2014/main" id="{26B88426-92BE-8DA5-3E12-5F453A377C6E}"/>
+              </a:ext>
+            </a:extLst>
+          </p:cNvPr>
+          <p:cNvSpPr>
+            <a:spLocks noGrp="1"/>
+          </p:cNvSpPr>
+          <p:nvPr>
+            <p:ph idx="1"/>
+          </p:nvPr>
+        </p:nvSpPr>
+        <p:spPr>
+          <a:xfrm>
+            <a:off x="609600" y="1600200"/>
+            <a:ext cx="5630416" cy="4876800"/>
+          </a:xfrm>
+        </p:spPr>
+        <p:txBody>
+          <a:bodyPr/>
+          <a:lstStyle/>
+          <a:p>
+            <a:r>
+              <a:rPr lang="en-GB" dirty="0"/>
+              <a:t>Need to initialise with the data type</a:t>
+            </a:r>
+          </a:p>
+          <a:p>
+            <a:pPr lvl="1"/>
+            <a:r>
+              <a:rPr lang="en-GB" dirty="0"/>
+              <a:t>And reinitialise if change this</a:t>
+            </a:r>
+          </a:p>
+          <a:p>
+            <a:pPr lvl="1"/>
+            <a:endParaRPr lang="en-GB" dirty="0"/>
+          </a:p>
+          <a:p>
+            <a:r>
+              <a:rPr lang="en-GB" dirty="0"/>
+              <a:t>Inputs are CBs and the output is a CB</a:t>
+            </a:r>
+          </a:p>
+          <a:p>
+            <a:endParaRPr lang="en-GB" dirty="0"/>
+          </a:p>
+          <a:p>
+            <a:r>
+              <a:rPr lang="en-GB" i="1" dirty="0" err="1"/>
+              <a:t>dst</a:t>
+            </a:r>
+            <a:r>
+              <a:rPr lang="en-GB" dirty="0"/>
+              <a:t> register is split into 16 segments</a:t>
+            </a:r>
+          </a:p>
+          <a:p>
+            <a:pPr lvl="1"/>
+            <a:r>
+              <a:rPr lang="en-GB" dirty="0"/>
+              <a:t>Matters more when using the vector unit</a:t>
+            </a:r>
+          </a:p>
+          <a:p>
+            <a:pPr lvl="1"/>
+            <a:endParaRPr lang="en-GB" dirty="0"/>
+          </a:p>
+          <a:p>
+            <a:r>
+              <a:rPr lang="en-GB" dirty="0"/>
+              <a:t>Need to acquire locks on the </a:t>
+            </a:r>
+            <a:r>
+              <a:rPr lang="en-GB" i="1" dirty="0" err="1"/>
+              <a:t>dst</a:t>
+            </a:r>
+            <a:r>
+              <a:rPr lang="en-GB" dirty="0"/>
+              <a:t> register as this coordinates instructions from the pack, compute and unpack RISC-V cores</a:t>
+            </a:r>
+          </a:p>
+        </p:txBody>
+      </p:sp>
+      <p:pic>
+        <p:nvPicPr>
+          <p:cNvPr id="4" name="Picture 3">
+            <a:extLst>
+              <a:ext uri="{FF2B5EF4-FFF2-40B4-BE49-F238E27FC236}">
+                <a16:creationId xmlns:a16="http://schemas.microsoft.com/office/drawing/2014/main" id="{A5310F59-94D4-B3CB-3049-9552576DDE89}"/>
+              </a:ext>
+            </a:extLst>
+          </p:cNvPr>
+          <p:cNvPicPr>
+            <a:picLocks noChangeAspect="1"/>
+          </p:cNvPicPr>
+          <p:nvPr/>
+        </p:nvPicPr>
+        <p:blipFill>
+          <a:blip r:embed="rId2"/>
+          <a:stretch>
+            <a:fillRect/>
+          </a:stretch>
+        </p:blipFill>
+        <p:spPr>
+          <a:xfrm>
+            <a:off x="6240016" y="1600200"/>
+            <a:ext cx="5660678" cy="4559349"/>
+          </a:xfrm>
+          <a:prstGeom prst="rect">
+            <a:avLst/>
+          </a:prstGeom>
+        </p:spPr>
+      </p:pic>
+    </p:spTree>
+    <p:extLst>
+      <p:ext uri="{BB962C8B-B14F-4D97-AF65-F5344CB8AC3E}">
+        <p14:creationId xmlns:p14="http://schemas.microsoft.com/office/powerpoint/2010/main" val="2211609916"/>
+      </p:ext>
+    </p:extLst>
+  </p:cSld>
+  <p:clrMapOvr>
+    <a:masterClrMapping/>
+  </p:clrMapOvr>
+</p:sld>
+</file>
+
+<file path=ppt/slides/slide9.xml><?xml version="1.0" encoding="utf-8"?>
+<p:sld xmlns:a="http://schemas.openxmlformats.org/drawingml/2006/main" xmlns:r="http://schemas.openxmlformats.org/officeDocument/2006/relationships" xmlns:p="http://schemas.openxmlformats.org/presentationml/2006/main">
+  <p:cSld>
+    <p:spTree>
+      <p:nvGrpSpPr>
+        <p:cNvPr id="1" name=""/>
+        <p:cNvGrpSpPr/>
+        <p:nvPr/>
+      </p:nvGrpSpPr>
+      <p:grpSpPr>
+        <a:xfrm>
+          <a:off x="0" y="0"/>
+          <a:ext cx="0" cy="0"/>
+          <a:chOff x="0" y="0"/>
+          <a:chExt cx="0" cy="0"/>
+        </a:xfrm>
+      </p:grpSpPr>
+      <p:sp>
+        <p:nvSpPr>
+          <p:cNvPr id="2" name="Title 1">
+            <a:extLst>
+              <a:ext uri="{FF2B5EF4-FFF2-40B4-BE49-F238E27FC236}">
+                <a16:creationId xmlns:a16="http://schemas.microsoft.com/office/drawing/2014/main" id="{9D2989DE-0D5F-8F3C-AFA8-7A71DEDEEFC7}"/>
+              </a:ext>
+            </a:extLst>
+          </p:cNvPr>
+          <p:cNvSpPr>
+            <a:spLocks noGrp="1"/>
+          </p:cNvSpPr>
+          <p:nvPr>
+            <p:ph type="title"/>
+          </p:nvPr>
+        </p:nvSpPr>
+        <p:spPr/>
+        <p:txBody>
+          <a:bodyPr/>
+          <a:lstStyle/>
+          <a:p>
+            <a:r>
+              <a:rPr lang="en-GB" dirty="0"/>
+              <a:t>Initialisation</a:t>
+            </a:r>
+          </a:p>
+        </p:txBody>
+      </p:sp>
+      <p:sp>
+        <p:nvSpPr>
+          <p:cNvPr id="3" name="Content Placeholder 2">
+            <a:extLst>
+              <a:ext uri="{FF2B5EF4-FFF2-40B4-BE49-F238E27FC236}">
+                <a16:creationId xmlns:a16="http://schemas.microsoft.com/office/drawing/2014/main" id="{B7DAA310-D36B-E920-D383-371A80C83846}"/>
+              </a:ext>
+            </a:extLst>
+          </p:cNvPr>
+          <p:cNvSpPr>
+            <a:spLocks noGrp="1"/>
+          </p:cNvSpPr>
+          <p:nvPr>
+            <p:ph idx="1"/>
+          </p:nvPr>
+        </p:nvSpPr>
+        <p:spPr>
+          <a:xfrm>
+            <a:off x="609600" y="1600200"/>
+            <a:ext cx="7286600" cy="2475131"/>
+          </a:xfrm>
+        </p:spPr>
+        <p:txBody>
+          <a:bodyPr/>
+          <a:lstStyle/>
+          <a:p>
+            <a:r>
+              <a:rPr lang="en-GB" dirty="0"/>
+              <a:t>The compute engine must be initialised, taking the input and output circular buffers as arguments</a:t>
+            </a:r>
+          </a:p>
+          <a:p>
+            <a:pPr lvl="1"/>
+            <a:r>
+              <a:rPr lang="en-GB" dirty="0"/>
+              <a:t>This configures the unpacker, packer, and FPU for the specific operation being performed.</a:t>
+            </a:r>
+          </a:p>
+          <a:p>
+            <a:pPr lvl="1"/>
+            <a:r>
+              <a:rPr lang="en-GB" dirty="0"/>
+              <a:t>Re-initialization is not required for repeated operations with the same source, destination, and data type parameters.</a:t>
+            </a:r>
+          </a:p>
+        </p:txBody>
+      </p:sp>
+      <p:pic>
+        <p:nvPicPr>
+          <p:cNvPr id="7" name="Picture 6">
+            <a:extLst>
+              <a:ext uri="{FF2B5EF4-FFF2-40B4-BE49-F238E27FC236}">
+                <a16:creationId xmlns:a16="http://schemas.microsoft.com/office/drawing/2014/main" id="{A23A7404-9140-6A68-68FA-EFC1E8C2D8E5}"/>
+              </a:ext>
+            </a:extLst>
+          </p:cNvPr>
+          <p:cNvPicPr>
+            <a:picLocks noChangeAspect="1"/>
+          </p:cNvPicPr>
+          <p:nvPr/>
+        </p:nvPicPr>
+        <p:blipFill>
+          <a:blip r:embed="rId2"/>
+          <a:stretch>
+            <a:fillRect/>
+          </a:stretch>
+        </p:blipFill>
+        <p:spPr>
+          <a:xfrm>
+            <a:off x="8180408" y="533399"/>
+            <a:ext cx="3888255" cy="2895601"/>
+          </a:xfrm>
+          <a:prstGeom prst="rect">
+            <a:avLst/>
+          </a:prstGeom>
+        </p:spPr>
+      </p:pic>
+      <p:sp>
+        <p:nvSpPr>
+          <p:cNvPr id="9" name="TextBox 8">
+            <a:extLst>
+              <a:ext uri="{FF2B5EF4-FFF2-40B4-BE49-F238E27FC236}">
+                <a16:creationId xmlns:a16="http://schemas.microsoft.com/office/drawing/2014/main" id="{62AAC01F-7D35-66E4-7B14-78640C8CA0E5}"/>
+              </a:ext>
+            </a:extLst>
+          </p:cNvPr>
+          <p:cNvSpPr txBox="1"/>
+          <p:nvPr/>
+        </p:nvSpPr>
+        <p:spPr>
+          <a:xfrm>
+            <a:off x="8616280" y="3429000"/>
+            <a:ext cx="3452383" cy="646331"/>
+          </a:xfrm>
+          <a:prstGeom prst="rect">
+            <a:avLst/>
+          </a:prstGeom>
+          <a:noFill/>
+        </p:spPr>
+        <p:txBody>
+          <a:bodyPr wrap="square" rtlCol="0">
+            <a:spAutoFit/>
+          </a:bodyPr>
+          <a:lstStyle/>
+          <a:p>
+            <a:r>
+              <a:rPr lang="en-GB" sz="1200" dirty="0"/>
+              <a:t>Image from </a:t>
+            </a:r>
+            <a:r>
+              <a:rPr lang="en-GB" sz="1200" dirty="0">
+                <a:hlinkClick r:id="rId3"/>
+              </a:rPr>
+              <a:t>https://docs.tenstorrent.com/tt-metal/latest/tt-metalium/tt_metal/advanced_topics</a:t>
+            </a:r>
+            <a:endParaRPr lang="en-GB" sz="1200" dirty="0"/>
+          </a:p>
+        </p:txBody>
+      </p:sp>
+      <p:sp>
+        <p:nvSpPr>
+          <p:cNvPr id="10" name="Content Placeholder 2">
+            <a:extLst>
+              <a:ext uri="{FF2B5EF4-FFF2-40B4-BE49-F238E27FC236}">
+                <a16:creationId xmlns:a16="http://schemas.microsoft.com/office/drawing/2014/main" id="{2FDF1A03-BF8E-2070-AABF-A133B2CFA304}"/>
+              </a:ext>
+            </a:extLst>
+          </p:cNvPr>
+          <p:cNvSpPr txBox="1">
+            <a:spLocks/>
+          </p:cNvSpPr>
+          <p:nvPr/>
+        </p:nvSpPr>
+        <p:spPr>
+          <a:xfrm>
+            <a:off x="609600" y="4193731"/>
+            <a:ext cx="11247040" cy="2475131"/>
+          </a:xfrm>
+          <a:prstGeom prst="rect">
+            <a:avLst/>
+          </a:prstGeom>
+        </p:spPr>
+        <p:txBody>
+          <a:bodyPr vert="horz" lIns="91440" tIns="45720" rIns="91440" bIns="45720" rtlCol="0">
+            <a:normAutofit/>
+          </a:bodyPr>
+          <a:lstStyle>
+            <a:lvl1pPr marL="182880" indent="-182880" algn="l" defTabSz="914400" rtl="0" eaLnBrk="1" latinLnBrk="0" hangingPunct="1">
+              <a:spcBef>
+                <a:spcPct val="20000"/>
+              </a:spcBef>
+              <a:buClr>
+                <a:schemeClr val="accent1"/>
+              </a:buClr>
+              <a:buSzPct val="85000"/>
+              <a:buFont typeface="Arial" pitchFamily="34" charset="0"/>
+              <a:buChar char="•"/>
+              <a:defRPr sz="2400" kern="1200">
+                <a:solidFill>
+                  <a:schemeClr val="tx1"/>
+                </a:solidFill>
+                <a:latin typeface="+mn-lt"/>
+                <a:ea typeface="+mn-ea"/>
+                <a:cs typeface="+mn-cs"/>
+              </a:defRPr>
+            </a:lvl1pPr>
+            <a:lvl2pPr marL="457200" indent="-182880" algn="l" defTabSz="914400" rtl="0" eaLnBrk="1" latinLnBrk="0" hangingPunct="1">
+              <a:spcBef>
+                <a:spcPct val="20000"/>
+              </a:spcBef>
+              <a:buClr>
+                <a:schemeClr val="accent1"/>
+              </a:buClr>
+              <a:buSzPct val="85000"/>
+              <a:buFont typeface="Arial" pitchFamily="34" charset="0"/>
+              <a:buChar char="•"/>
+              <a:defRPr sz="2000" kern="1200">
+                <a:solidFill>
+                  <a:schemeClr val="tx1"/>
+                </a:solidFill>
+                <a:latin typeface="+mn-lt"/>
+                <a:ea typeface="+mn-ea"/>
+                <a:cs typeface="+mn-cs"/>
+              </a:defRPr>
+            </a:lvl2pPr>
+            <a:lvl3pPr marL="731520" indent="-182880" algn="l" defTabSz="914400" rtl="0" eaLnBrk="1" latinLnBrk="0" hangingPunct="1">
+              <a:spcBef>
+                <a:spcPct val="20000"/>
+              </a:spcBef>
+              <a:buClr>
+                <a:schemeClr val="accent1"/>
+              </a:buClr>
+              <a:buSzPct val="90000"/>
+              <a:buFont typeface="Arial" pitchFamily="34" charset="0"/>
+              <a:buChar char="•"/>
+              <a:defRPr sz="1800" kern="1200">
+                <a:solidFill>
+                  <a:schemeClr val="tx1"/>
+                </a:solidFill>
+                <a:latin typeface="+mn-lt"/>
+                <a:ea typeface="+mn-ea"/>
+                <a:cs typeface="+mn-cs"/>
+              </a:defRPr>
+            </a:lvl3pPr>
+            <a:lvl4pPr marL="1005840" indent="-182880" algn="l" defTabSz="914400" rtl="0" eaLnBrk="1" latinLnBrk="0" hangingPunct="1">
+              <a:spcBef>
+                <a:spcPct val="20000"/>
+              </a:spcBef>
+              <a:buClr>
+                <a:schemeClr val="accent1"/>
+              </a:buClr>
+              <a:buFont typeface="Arial" pitchFamily="34" charset="0"/>
+              <a:buChar char="•"/>
+              <a:defRPr sz="1600" kern="1200">
+                <a:solidFill>
+                  <a:schemeClr val="tx1"/>
+                </a:solidFill>
+                <a:latin typeface="+mn-lt"/>
+                <a:ea typeface="+mn-ea"/>
+                <a:cs typeface="+mn-cs"/>
+              </a:defRPr>
+            </a:lvl4pPr>
+            <a:lvl5pPr marL="1188720" indent="-137160" algn="l" defTabSz="914400" rtl="0" eaLnBrk="1" latinLnBrk="0" hangingPunct="1">
+              <a:spcBef>
+                <a:spcPct val="20000"/>
+              </a:spcBef>
+              <a:buClr>
+                <a:schemeClr val="accent1"/>
+              </a:buClr>
+              <a:buSzPct val="100000"/>
+              <a:buFont typeface="Arial" pitchFamily="34" charset="0"/>
+              <a:buChar char="•"/>
+              <a:defRPr sz="1400" kern="1200" baseline="0">
+                <a:solidFill>
+                  <a:schemeClr val="tx1"/>
+                </a:solidFill>
+                <a:latin typeface="+mn-lt"/>
+                <a:ea typeface="+mn-ea"/>
+                <a:cs typeface="+mn-cs"/>
+              </a:defRPr>
+            </a:lvl5pPr>
+            <a:lvl6pPr marL="1371600" indent="-182880" algn="l" defTabSz="914400" rtl="0" eaLnBrk="1" latinLnBrk="0" hangingPunct="1">
+              <a:spcBef>
+                <a:spcPct val="20000"/>
+              </a:spcBef>
+              <a:buClr>
+                <a:schemeClr val="accent1"/>
+              </a:buClr>
+              <a:buFont typeface="Arial" pitchFamily="34" charset="0"/>
+              <a:buChar char="•"/>
+              <a:defRPr sz="1300" kern="1200">
+                <a:solidFill>
+                  <a:schemeClr val="tx1"/>
+                </a:solidFill>
+                <a:latin typeface="+mn-lt"/>
+                <a:ea typeface="+mn-ea"/>
+                <a:cs typeface="+mn-cs"/>
+              </a:defRPr>
+            </a:lvl6pPr>
+            <a:lvl7pPr marL="1554480" indent="-182880" algn="l" defTabSz="914400" rtl="0" eaLnBrk="1" latinLnBrk="0" hangingPunct="1">
+              <a:spcBef>
+                <a:spcPct val="20000"/>
+              </a:spcBef>
+              <a:buClr>
+                <a:schemeClr val="accent1"/>
+              </a:buClr>
+              <a:buFont typeface="Arial" pitchFamily="34" charset="0"/>
+              <a:buChar char="•"/>
+              <a:defRPr sz="1300" kern="1200">
+                <a:solidFill>
+                  <a:schemeClr val="tx1"/>
+                </a:solidFill>
+                <a:latin typeface="+mn-lt"/>
+                <a:ea typeface="+mn-ea"/>
+                <a:cs typeface="+mn-cs"/>
+              </a:defRPr>
+            </a:lvl7pPr>
+            <a:lvl8pPr marL="1737360" indent="-182880" algn="l" defTabSz="914400" rtl="0" eaLnBrk="1" latinLnBrk="0" hangingPunct="1">
+              <a:spcBef>
+                <a:spcPct val="20000"/>
+              </a:spcBef>
+              <a:buClr>
+                <a:schemeClr val="accent1"/>
+              </a:buClr>
+              <a:buFont typeface="Arial" pitchFamily="34" charset="0"/>
+              <a:buChar char="•"/>
+              <a:defRPr sz="1300" kern="1200">
+                <a:solidFill>
+                  <a:schemeClr val="tx1"/>
+                </a:solidFill>
+                <a:latin typeface="+mn-lt"/>
+                <a:ea typeface="+mn-ea"/>
+                <a:cs typeface="+mn-cs"/>
+              </a:defRPr>
+            </a:lvl8pPr>
+            <a:lvl9pPr marL="1920240" indent="-182880" algn="l" defTabSz="914400" rtl="0" eaLnBrk="1" latinLnBrk="0" hangingPunct="1">
+              <a:spcBef>
+                <a:spcPct val="20000"/>
+              </a:spcBef>
+              <a:buClr>
+                <a:schemeClr val="accent1"/>
+              </a:buClr>
+              <a:buFont typeface="Arial" pitchFamily="34" charset="0"/>
+              <a:buChar char="•"/>
+              <a:defRPr sz="1300" kern="1200">
+                <a:solidFill>
+                  <a:schemeClr val="tx1"/>
+                </a:solidFill>
+                <a:latin typeface="+mn-lt"/>
+                <a:ea typeface="+mn-ea"/>
+                <a:cs typeface="+mn-cs"/>
+              </a:defRPr>
+            </a:lvl9pPr>
+          </a:lstStyle>
+          <a:p>
+            <a:r>
+              <a:rPr lang="en-GB" dirty="0"/>
+              <a:t>In practical four (FPU) you will see we use </a:t>
+            </a:r>
+            <a:r>
+              <a:rPr lang="en-GB" i="1" dirty="0" err="1"/>
+              <a:t>binary_op_init_common</a:t>
+            </a:r>
+            <a:r>
+              <a:rPr lang="en-GB" i="1" dirty="0"/>
+              <a:t> </a:t>
+            </a:r>
+            <a:r>
+              <a:rPr lang="en-GB" dirty="0"/>
+              <a:t>(with input and output CBs) and </a:t>
+            </a:r>
+            <a:r>
+              <a:rPr lang="en-GB" i="1" dirty="0" err="1"/>
+              <a:t>add_tiles_init</a:t>
+            </a:r>
+            <a:r>
+              <a:rPr lang="en-GB" i="1" dirty="0"/>
+              <a:t> </a:t>
+            </a:r>
+            <a:r>
+              <a:rPr lang="en-GB" dirty="0"/>
+              <a:t>(with input CBs)</a:t>
+            </a:r>
+          </a:p>
+          <a:p>
+            <a:r>
+              <a:rPr lang="en-GB" dirty="0"/>
+              <a:t>In practical five (SFPU) we use </a:t>
+            </a:r>
+            <a:r>
+              <a:rPr lang="en-GB" i="1" dirty="0" err="1"/>
+              <a:t>init_sfpu</a:t>
+            </a:r>
+            <a:r>
+              <a:rPr lang="en-GB" i="1" dirty="0"/>
+              <a:t> </a:t>
+            </a:r>
+            <a:r>
+              <a:rPr lang="en-GB" dirty="0"/>
+              <a:t>(with an input and output CB) and </a:t>
+            </a:r>
+            <a:r>
+              <a:rPr lang="en-GB" i="1" dirty="0" err="1"/>
+              <a:t>add_int_tile_init</a:t>
+            </a:r>
+            <a:r>
+              <a:rPr lang="en-GB" i="1" dirty="0"/>
+              <a:t> </a:t>
+            </a:r>
+            <a:r>
+              <a:rPr lang="en-GB" dirty="0"/>
+              <a:t>(with no arguments)</a:t>
+            </a:r>
+          </a:p>
+          <a:p>
+            <a:pPr lvl="1"/>
+            <a:r>
+              <a:rPr lang="en-GB" i="1" dirty="0" err="1"/>
+              <a:t>init_sfpu</a:t>
+            </a:r>
+            <a:r>
+              <a:rPr lang="en-GB" i="1" dirty="0"/>
+              <a:t> </a:t>
+            </a:r>
+            <a:r>
+              <a:rPr lang="en-GB" dirty="0"/>
+              <a:t>sets up the packer and unpackers, but there are limits (assumes all CBs the same type and doesn’t support FP32) and </a:t>
+            </a:r>
+            <a:r>
+              <a:rPr lang="en-GB" i="1" dirty="0" err="1"/>
+              <a:t>copy_tile_init</a:t>
+            </a:r>
+            <a:r>
+              <a:rPr lang="en-GB" i="1" dirty="0"/>
+              <a:t> </a:t>
+            </a:r>
+            <a:r>
+              <a:rPr lang="en-GB" dirty="0"/>
+              <a:t>can be used instead to get round these</a:t>
+            </a:r>
+            <a:endParaRPr lang="en-GB" i="1" dirty="0"/>
+          </a:p>
+        </p:txBody>
+      </p:sp>
+    </p:spTree>
+    <p:extLst>
+      <p:ext uri="{BB962C8B-B14F-4D97-AF65-F5344CB8AC3E}">
+        <p14:creationId xmlns:p14="http://schemas.microsoft.com/office/powerpoint/2010/main" val="1701238403"/>
       </p:ext>
     </p:extLst>
   </p:cSld>

--- a/lectures/src/SDK-compute.pptx
+++ b/lectures/src/SDK-compute.pptx
@@ -147,7 +147,7 @@
 <file path=ppt/revisionInfo.xml><?xml version="1.0" encoding="utf-8"?>
 <p1510:revInfo xmlns:a="http://schemas.openxmlformats.org/drawingml/2006/main" xmlns:r="http://schemas.openxmlformats.org/officeDocument/2006/relationships" xmlns:p1510="http://schemas.microsoft.com/office/powerpoint/2015/10/main">
   <p1510:revLst>
-    <p1510:client id="{5C239C5E-70F7-4B3A-B1E6-37BEF7AA3A29}" v="48" dt="2025-09-01T22:06:15.156"/>
+    <p1510:client id="{5C239C5E-70F7-4B3A-B1E6-37BEF7AA3A29}" v="49" dt="2025-09-02T09:38:54.454"/>
   </p1510:revLst>
 </p1510:revInfo>
 </file>
@@ -209,7 +209,7 @@
           <a:p>
             <a:fld id="{237A3326-6BE8-4DE2-A526-66D6DC5DC342}" type="datetimeFigureOut">
               <a:rPr lang="en-GB" smtClean="0"/>
-              <a:t>01/09/2025</a:t>
+              <a:t>02/09/2025</a:t>
             </a:fld>
             <a:endParaRPr lang="en-GB"/>
           </a:p>
@@ -386,7 +386,7 @@
           <a:p>
             <a:fld id="{198E9702-0021-4473-93B9-41638846F4C4}" type="datetimeFigureOut">
               <a:rPr lang="en-GB" smtClean="0"/>
-              <a:t>01/09/2025</a:t>
+              <a:t>02/09/2025</a:t>
             </a:fld>
             <a:endParaRPr lang="en-GB"/>
           </a:p>
@@ -898,7 +898,7 @@
           <a:p>
             <a:fld id="{B1836D41-3C4D-1D49-AA54-4231464E6415}" type="datetimeFigureOut">
               <a:rPr lang="en-US" smtClean="0"/>
-              <a:t>9/1/2025</a:t>
+              <a:t>9/2/2025</a:t>
             </a:fld>
             <a:endParaRPr lang="en-US"/>
           </a:p>
@@ -1102,7 +1102,7 @@
           <a:p>
             <a:fld id="{B1836D41-3C4D-1D49-AA54-4231464E6415}" type="datetimeFigureOut">
               <a:rPr lang="en-US" smtClean="0"/>
-              <a:t>9/1/2025</a:t>
+              <a:t>9/2/2025</a:t>
             </a:fld>
             <a:endParaRPr lang="en-US"/>
           </a:p>
@@ -1283,7 +1283,7 @@
           <a:p>
             <a:fld id="{B1836D41-3C4D-1D49-AA54-4231464E6415}" type="datetimeFigureOut">
               <a:rPr lang="en-US" smtClean="0"/>
-              <a:t>9/1/2025</a:t>
+              <a:t>9/2/2025</a:t>
             </a:fld>
             <a:endParaRPr lang="en-US"/>
           </a:p>
@@ -1458,7 +1458,7 @@
           <a:p>
             <a:fld id="{B1836D41-3C4D-1D49-AA54-4231464E6415}" type="datetimeFigureOut">
               <a:rPr lang="en-US" smtClean="0"/>
-              <a:t>9/1/2025</a:t>
+              <a:t>9/2/2025</a:t>
             </a:fld>
             <a:endParaRPr lang="en-US"/>
           </a:p>
@@ -1706,7 +1706,7 @@
           <a:p>
             <a:fld id="{B1836D41-3C4D-1D49-AA54-4231464E6415}" type="datetimeFigureOut">
               <a:rPr lang="en-US" smtClean="0"/>
-              <a:t>9/1/2025</a:t>
+              <a:t>9/2/2025</a:t>
             </a:fld>
             <a:endParaRPr lang="en-US"/>
           </a:p>
@@ -2023,7 +2023,7 @@
           <a:p>
             <a:fld id="{B1836D41-3C4D-1D49-AA54-4231464E6415}" type="datetimeFigureOut">
               <a:rPr lang="en-US" smtClean="0"/>
-              <a:t>9/1/2025</a:t>
+              <a:t>9/2/2025</a:t>
             </a:fld>
             <a:endParaRPr lang="en-US"/>
           </a:p>
@@ -2489,7 +2489,7 @@
           <a:p>
             <a:fld id="{B1836D41-3C4D-1D49-AA54-4231464E6415}" type="datetimeFigureOut">
               <a:rPr lang="en-US" smtClean="0"/>
-              <a:t>9/1/2025</a:t>
+              <a:t>9/2/2025</a:t>
             </a:fld>
             <a:endParaRPr lang="en-US"/>
           </a:p>
@@ -2636,7 +2636,7 @@
           <a:p>
             <a:fld id="{B1836D41-3C4D-1D49-AA54-4231464E6415}" type="datetimeFigureOut">
               <a:rPr lang="en-US" smtClean="0"/>
-              <a:t>9/1/2025</a:t>
+              <a:t>9/2/2025</a:t>
             </a:fld>
             <a:endParaRPr lang="en-US"/>
           </a:p>
@@ -2726,7 +2726,7 @@
           <a:p>
             <a:fld id="{B1836D41-3C4D-1D49-AA54-4231464E6415}" type="datetimeFigureOut">
               <a:rPr lang="en-US" smtClean="0"/>
-              <a:t>9/1/2025</a:t>
+              <a:t>9/2/2025</a:t>
             </a:fld>
             <a:endParaRPr lang="en-US"/>
           </a:p>
@@ -3000,7 +3000,7 @@
           <a:p>
             <a:fld id="{B1836D41-3C4D-1D49-AA54-4231464E6415}" type="datetimeFigureOut">
               <a:rPr lang="en-US" smtClean="0"/>
-              <a:t>9/1/2025</a:t>
+              <a:t>9/2/2025</a:t>
             </a:fld>
             <a:endParaRPr lang="en-US"/>
           </a:p>
@@ -3305,7 +3305,7 @@
           <a:p>
             <a:fld id="{B1836D41-3C4D-1D49-AA54-4231464E6415}" type="datetimeFigureOut">
               <a:rPr lang="en-US" smtClean="0"/>
-              <a:t>9/1/2025</a:t>
+              <a:t>9/2/2025</a:t>
             </a:fld>
             <a:endParaRPr lang="en-US"/>
           </a:p>
@@ -3602,7 +3602,7 @@
           <a:p>
             <a:fld id="{B1836D41-3C4D-1D49-AA54-4231464E6415}" type="datetimeFigureOut">
               <a:rPr lang="en-US" smtClean="0"/>
-              <a:t>9/1/2025</a:t>
+              <a:t>9/2/2025</a:t>
             </a:fld>
             <a:endParaRPr lang="en-US"/>
           </a:p>
@@ -8441,13 +8441,13 @@
         </p:nvSpPr>
         <p:spPr>
           <a:xfrm>
-            <a:off x="609600" y="1471961"/>
-            <a:ext cx="7112761" cy="2260847"/>
+            <a:off x="609600" y="1272648"/>
+            <a:ext cx="7112761" cy="2533102"/>
           </a:xfrm>
         </p:spPr>
         <p:txBody>
           <a:bodyPr>
-            <a:normAutofit lnSpcReduction="10000"/>
+            <a:normAutofit/>
           </a:bodyPr>
           <a:lstStyle/>
           <a:p>
@@ -8743,7 +8743,7 @@
         </p:spPr>
         <p:txBody>
           <a:bodyPr vert="horz" lIns="91440" tIns="45720" rIns="91440" bIns="45720" rtlCol="0">
-            <a:normAutofit lnSpcReduction="10000"/>
+            <a:normAutofit fontScale="85000" lnSpcReduction="20000"/>
           </a:bodyPr>
           <a:lstStyle>
             <a:lvl1pPr marL="182880" indent="-182880" algn="l" defTabSz="914400" rtl="0" eaLnBrk="1" latinLnBrk="0" hangingPunct="1">
@@ -8967,6 +8967,16 @@
               <a:rPr lang="en-GB" i="1" dirty="0" err="1"/>
               <a:t>dst</a:t>
             </a:r>
+            <a:endParaRPr lang="en-GB" i="1" dirty="0"/>
+          </a:p>
+          <a:p>
+            <a:r>
+              <a:rPr lang="en-GB" dirty="0"/>
+              <a:t>Most operations have a latency of 2 cycles and can be issued each cycle – but only work on 32 elements</a:t>
+            </a:r>
+          </a:p>
+          <a:p>
+            <a:pPr lvl="1"/>
             <a:endParaRPr lang="en-GB" i="1" dirty="0"/>
           </a:p>
           <a:p>

--- a/lectures/src/SDK-compute.pptx
+++ b/lectures/src/SDK-compute.pptx
@@ -147,7 +147,7 @@
 <file path=ppt/revisionInfo.xml><?xml version="1.0" encoding="utf-8"?>
 <p1510:revInfo xmlns:a="http://schemas.openxmlformats.org/drawingml/2006/main" xmlns:r="http://schemas.openxmlformats.org/officeDocument/2006/relationships" xmlns:p1510="http://schemas.microsoft.com/office/powerpoint/2015/10/main">
   <p1510:revLst>
-    <p1510:client id="{5C239C5E-70F7-4B3A-B1E6-37BEF7AA3A29}" v="49" dt="2025-09-02T09:38:54.454"/>
+    <p1510:client id="{5C239C5E-70F7-4B3A-B1E6-37BEF7AA3A29}" v="73" dt="2025-09-02T11:36:18.699"/>
   </p1510:revLst>
 </p1510:revInfo>
 </file>
@@ -7825,7 +7825,7 @@
         </p:nvSpPr>
         <p:spPr>
           <a:xfrm>
-            <a:off x="479376" y="2433947"/>
+            <a:off x="371909" y="3965173"/>
             <a:ext cx="3312368" cy="1477328"/>
           </a:xfrm>
           <a:prstGeom prst="rect">
@@ -7891,8 +7891,8 @@
         </p:nvSpPr>
         <p:spPr>
           <a:xfrm>
-            <a:off x="4338038" y="2382775"/>
-            <a:ext cx="3486154" cy="4247317"/>
+            <a:off x="4259252" y="3679241"/>
+            <a:ext cx="3780963" cy="3416320"/>
           </a:xfrm>
           <a:prstGeom prst="rect">
             <a:avLst/>
@@ -8024,7 +8024,7 @@
         </p:nvSpPr>
         <p:spPr>
           <a:xfrm>
-            <a:off x="335360" y="1772816"/>
+            <a:off x="227893" y="3304042"/>
             <a:ext cx="3240360" cy="369332"/>
           </a:xfrm>
           <a:prstGeom prst="rect">
@@ -8064,7 +8064,7 @@
         </p:nvSpPr>
         <p:spPr>
           <a:xfrm>
-            <a:off x="4367808" y="1772816"/>
+            <a:off x="4368625" y="3304042"/>
             <a:ext cx="3240360" cy="369332"/>
           </a:xfrm>
           <a:prstGeom prst="rect">
@@ -8104,7 +8104,7 @@
         </p:nvSpPr>
         <p:spPr>
           <a:xfrm>
-            <a:off x="8416489" y="1767632"/>
+            <a:off x="8472264" y="3260076"/>
             <a:ext cx="3240360" cy="369332"/>
           </a:xfrm>
           <a:prstGeom prst="rect">
@@ -8144,8 +8144,8 @@
         </p:nvSpPr>
         <p:spPr>
           <a:xfrm>
-            <a:off x="8370486" y="2382775"/>
-            <a:ext cx="3486154" cy="3693319"/>
+            <a:off x="8256240" y="3629408"/>
+            <a:ext cx="3823401" cy="2862322"/>
           </a:xfrm>
           <a:prstGeom prst="rect">
             <a:avLst/>
@@ -8241,13 +8241,6 @@
               <a:rPr lang="en-GB" dirty="0"/>
               <a:t>API call</a:t>
             </a:r>
-          </a:p>
-          <a:p>
-            <a:pPr marL="285750" indent="-285750">
-              <a:buFont typeface="Arial" panose="020B0604020202020204" pitchFamily="34" charset="0"/>
-              <a:buChar char="•"/>
-            </a:pPr>
-            <a:endParaRPr lang="en-GB" i="1" dirty="0"/>
           </a:p>
         </p:txBody>
       </p:sp>
@@ -8260,13 +8253,15 @@
               </a:ext>
             </a:extLst>
           </p:cNvPr>
-          <p:cNvCxnSpPr/>
+          <p:cNvCxnSpPr>
+            <a:cxnSpLocks/>
+          </p:cNvCxnSpPr>
           <p:nvPr/>
         </p:nvCxnSpPr>
         <p:spPr>
           <a:xfrm>
-            <a:off x="3863752" y="2564904"/>
-            <a:ext cx="0" cy="2232248"/>
+            <a:off x="3791744" y="3501008"/>
+            <a:ext cx="0" cy="2990722"/>
           </a:xfrm>
           <a:prstGeom prst="line">
             <a:avLst/>
@@ -8308,7 +8303,7 @@
         </p:nvCxnSpPr>
         <p:spPr>
           <a:xfrm>
-            <a:off x="8112224" y="2564904"/>
+            <a:off x="8112224" y="3420670"/>
             <a:ext cx="0" cy="3240360"/>
           </a:xfrm>
           <a:prstGeom prst="line">
@@ -8335,36 +8330,970 @@
           </a:fontRef>
         </p:style>
       </p:cxnSp>
-      <p:pic>
-        <p:nvPicPr>
-          <p:cNvPr id="18" name="Picture 17">
+      <p:grpSp>
+        <p:nvGrpSpPr>
+          <p:cNvPr id="47" name="Group 46">
             <a:extLst>
               <a:ext uri="{FF2B5EF4-FFF2-40B4-BE49-F238E27FC236}">
-                <a16:creationId xmlns:a16="http://schemas.microsoft.com/office/drawing/2014/main" id="{074FCAEA-C8B7-77BE-DE28-61D465F2A0E7}"/>
+                <a16:creationId xmlns:a16="http://schemas.microsoft.com/office/drawing/2014/main" id="{6FE0F989-745D-5049-5EE8-0C4B3F6CEF36}"/>
               </a:ext>
             </a:extLst>
           </p:cNvPr>
-          <p:cNvPicPr>
-            <a:picLocks noChangeAspect="1"/>
-          </p:cNvPicPr>
+          <p:cNvGrpSpPr/>
           <p:nvPr/>
-        </p:nvPicPr>
-        <p:blipFill>
-          <a:blip r:embed="rId2"/>
-          <a:stretch>
-            <a:fillRect/>
-          </a:stretch>
-        </p:blipFill>
-        <p:spPr>
+        </p:nvGrpSpPr>
+        <p:grpSpPr>
           <a:xfrm>
-            <a:off x="278185" y="3937884"/>
-            <a:ext cx="3293947" cy="2653084"/>
+            <a:off x="2570723" y="1336286"/>
+            <a:ext cx="7328064" cy="1825377"/>
+            <a:chOff x="2570723" y="1336286"/>
+            <a:chExt cx="7328064" cy="1825377"/>
           </a:xfrm>
-          <a:prstGeom prst="rect">
-            <a:avLst/>
-          </a:prstGeom>
-        </p:spPr>
-      </p:pic>
+        </p:grpSpPr>
+        <p:sp>
+          <p:nvSpPr>
+            <p:cNvPr id="44" name="Rectangle 43">
+              <a:extLst>
+                <a:ext uri="{FF2B5EF4-FFF2-40B4-BE49-F238E27FC236}">
+                  <a16:creationId xmlns:a16="http://schemas.microsoft.com/office/drawing/2014/main" id="{CFAAA4A4-8493-0E41-B099-AC55F83D0962}"/>
+                </a:ext>
+              </a:extLst>
+            </p:cNvPr>
+            <p:cNvSpPr/>
+            <p:nvPr/>
+          </p:nvSpPr>
+          <p:spPr>
+            <a:xfrm>
+              <a:off x="7173505" y="1639100"/>
+              <a:ext cx="1220750" cy="1522563"/>
+            </a:xfrm>
+            <a:prstGeom prst="rect">
+              <a:avLst/>
+            </a:prstGeom>
+            <a:noFill/>
+            <a:ln>
+              <a:solidFill>
+                <a:schemeClr val="tx1"/>
+              </a:solidFill>
+              <a:prstDash val="dash"/>
+            </a:ln>
+          </p:spPr>
+          <p:style>
+            <a:lnRef idx="2">
+              <a:schemeClr val="accent1">
+                <a:shade val="15000"/>
+              </a:schemeClr>
+            </a:lnRef>
+            <a:fillRef idx="1">
+              <a:schemeClr val="accent1"/>
+            </a:fillRef>
+            <a:effectRef idx="0">
+              <a:schemeClr val="accent1"/>
+            </a:effectRef>
+            <a:fontRef idx="minor">
+              <a:schemeClr val="lt1"/>
+            </a:fontRef>
+          </p:style>
+          <p:txBody>
+            <a:bodyPr rtlCol="0" anchor="ctr"/>
+            <a:lstStyle/>
+            <a:p>
+              <a:pPr algn="ctr"/>
+              <a:endParaRPr lang="en-GB"/>
+            </a:p>
+          </p:txBody>
+        </p:sp>
+        <p:grpSp>
+          <p:nvGrpSpPr>
+            <p:cNvPr id="46" name="Group 45">
+              <a:extLst>
+                <a:ext uri="{FF2B5EF4-FFF2-40B4-BE49-F238E27FC236}">
+                  <a16:creationId xmlns:a16="http://schemas.microsoft.com/office/drawing/2014/main" id="{0393BDB6-5EA0-F051-7637-CB5CA2D184F6}"/>
+                </a:ext>
+              </a:extLst>
+            </p:cNvPr>
+            <p:cNvGrpSpPr/>
+            <p:nvPr/>
+          </p:nvGrpSpPr>
+          <p:grpSpPr>
+            <a:xfrm>
+              <a:off x="2570723" y="1336286"/>
+              <a:ext cx="7328064" cy="1750318"/>
+              <a:chOff x="2570723" y="1336286"/>
+              <a:chExt cx="7328064" cy="1750318"/>
+            </a:xfrm>
+          </p:grpSpPr>
+          <p:sp>
+            <p:nvSpPr>
+              <p:cNvPr id="4" name="Rectangle: Rounded Corners 3">
+                <a:extLst>
+                  <a:ext uri="{FF2B5EF4-FFF2-40B4-BE49-F238E27FC236}">
+                    <a16:creationId xmlns:a16="http://schemas.microsoft.com/office/drawing/2014/main" id="{1F57F181-2D5F-EDDB-A7FC-2908BFE64DB8}"/>
+                  </a:ext>
+                </a:extLst>
+              </p:cNvPr>
+              <p:cNvSpPr/>
+              <p:nvPr/>
+            </p:nvSpPr>
+            <p:spPr>
+              <a:xfrm>
+                <a:off x="5735960" y="1932206"/>
+                <a:ext cx="1047026" cy="870831"/>
+              </a:xfrm>
+              <a:prstGeom prst="roundRect">
+                <a:avLst/>
+              </a:prstGeom>
+              <a:noFill/>
+              <a:ln>
+                <a:solidFill>
+                  <a:srgbClr val="0070C0"/>
+                </a:solidFill>
+              </a:ln>
+            </p:spPr>
+            <p:style>
+              <a:lnRef idx="2">
+                <a:schemeClr val="accent1">
+                  <a:shade val="15000"/>
+                </a:schemeClr>
+              </a:lnRef>
+              <a:fillRef idx="1">
+                <a:schemeClr val="accent1"/>
+              </a:fillRef>
+              <a:effectRef idx="0">
+                <a:schemeClr val="accent1"/>
+              </a:effectRef>
+              <a:fontRef idx="minor">
+                <a:schemeClr val="lt1"/>
+              </a:fontRef>
+            </p:style>
+            <p:txBody>
+              <a:bodyPr rtlCol="0" anchor="ctr"/>
+              <a:lstStyle/>
+              <a:p>
+                <a:pPr algn="ctr"/>
+                <a:r>
+                  <a:rPr lang="en-GB" dirty="0">
+                    <a:solidFill>
+                      <a:srgbClr val="0070C0"/>
+                    </a:solidFill>
+                  </a:rPr>
+                  <a:t>FPU</a:t>
+                </a:r>
+              </a:p>
+            </p:txBody>
+          </p:sp>
+          <p:sp>
+            <p:nvSpPr>
+              <p:cNvPr id="5" name="Rectangle 4">
+                <a:extLst>
+                  <a:ext uri="{FF2B5EF4-FFF2-40B4-BE49-F238E27FC236}">
+                    <a16:creationId xmlns:a16="http://schemas.microsoft.com/office/drawing/2014/main" id="{057FE349-DCBA-92A5-BEAE-9E2BE0E86A3F}"/>
+                  </a:ext>
+                </a:extLst>
+              </p:cNvPr>
+              <p:cNvSpPr/>
+              <p:nvPr/>
+            </p:nvSpPr>
+            <p:spPr>
+              <a:xfrm>
+                <a:off x="4479479" y="1596588"/>
+                <a:ext cx="785270" cy="373213"/>
+              </a:xfrm>
+              <a:prstGeom prst="rect">
+                <a:avLst/>
+              </a:prstGeom>
+              <a:noFill/>
+              <a:ln>
+                <a:solidFill>
+                  <a:srgbClr val="C00000"/>
+                </a:solidFill>
+              </a:ln>
+            </p:spPr>
+            <p:style>
+              <a:lnRef idx="2">
+                <a:schemeClr val="accent1">
+                  <a:shade val="15000"/>
+                </a:schemeClr>
+              </a:lnRef>
+              <a:fillRef idx="1">
+                <a:schemeClr val="accent1"/>
+              </a:fillRef>
+              <a:effectRef idx="0">
+                <a:schemeClr val="accent1"/>
+              </a:effectRef>
+              <a:fontRef idx="minor">
+                <a:schemeClr val="lt1"/>
+              </a:fontRef>
+            </p:style>
+            <p:txBody>
+              <a:bodyPr rtlCol="0" anchor="ctr"/>
+              <a:lstStyle/>
+              <a:p>
+                <a:pPr algn="ctr"/>
+                <a:r>
+                  <a:rPr lang="en-GB" i="1" dirty="0" err="1">
+                    <a:solidFill>
+                      <a:srgbClr val="C00000"/>
+                    </a:solidFill>
+                  </a:rPr>
+                  <a:t>srcA</a:t>
+                </a:r>
+                <a:endParaRPr lang="en-GB" i="1" dirty="0">
+                  <a:solidFill>
+                    <a:srgbClr val="C00000"/>
+                  </a:solidFill>
+                </a:endParaRPr>
+              </a:p>
+            </p:txBody>
+          </p:sp>
+          <p:sp>
+            <p:nvSpPr>
+              <p:cNvPr id="12" name="Rectangle 11">
+                <a:extLst>
+                  <a:ext uri="{FF2B5EF4-FFF2-40B4-BE49-F238E27FC236}">
+                    <a16:creationId xmlns:a16="http://schemas.microsoft.com/office/drawing/2014/main" id="{96AD485B-854D-8009-D9BE-5B35C838046E}"/>
+                  </a:ext>
+                </a:extLst>
+              </p:cNvPr>
+              <p:cNvSpPr/>
+              <p:nvPr/>
+            </p:nvSpPr>
+            <p:spPr>
+              <a:xfrm>
+                <a:off x="4479479" y="2647969"/>
+                <a:ext cx="785270" cy="373213"/>
+              </a:xfrm>
+              <a:prstGeom prst="rect">
+                <a:avLst/>
+              </a:prstGeom>
+              <a:noFill/>
+              <a:ln>
+                <a:solidFill>
+                  <a:srgbClr val="C00000"/>
+                </a:solidFill>
+              </a:ln>
+            </p:spPr>
+            <p:style>
+              <a:lnRef idx="2">
+                <a:schemeClr val="accent1">
+                  <a:shade val="15000"/>
+                </a:schemeClr>
+              </a:lnRef>
+              <a:fillRef idx="1">
+                <a:schemeClr val="accent1"/>
+              </a:fillRef>
+              <a:effectRef idx="0">
+                <a:schemeClr val="accent1"/>
+              </a:effectRef>
+              <a:fontRef idx="minor">
+                <a:schemeClr val="lt1"/>
+              </a:fontRef>
+            </p:style>
+            <p:txBody>
+              <a:bodyPr rtlCol="0" anchor="ctr"/>
+              <a:lstStyle/>
+              <a:p>
+                <a:pPr algn="ctr"/>
+                <a:r>
+                  <a:rPr lang="en-GB" i="1" dirty="0" err="1">
+                    <a:solidFill>
+                      <a:srgbClr val="C00000"/>
+                    </a:solidFill>
+                  </a:rPr>
+                  <a:t>srcB</a:t>
+                </a:r>
+                <a:endParaRPr lang="en-GB" i="1" dirty="0">
+                  <a:solidFill>
+                    <a:srgbClr val="C00000"/>
+                  </a:solidFill>
+                </a:endParaRPr>
+              </a:p>
+            </p:txBody>
+          </p:sp>
+          <p:sp>
+            <p:nvSpPr>
+              <p:cNvPr id="13" name="Rectangle 12">
+                <a:extLst>
+                  <a:ext uri="{FF2B5EF4-FFF2-40B4-BE49-F238E27FC236}">
+                    <a16:creationId xmlns:a16="http://schemas.microsoft.com/office/drawing/2014/main" id="{95D75B53-6C11-A8C9-72EB-CD701EE8B60D}"/>
+                  </a:ext>
+                </a:extLst>
+              </p:cNvPr>
+              <p:cNvSpPr/>
+              <p:nvPr/>
+            </p:nvSpPr>
+            <p:spPr>
+              <a:xfrm>
+                <a:off x="7393819" y="1895517"/>
+                <a:ext cx="785270" cy="933908"/>
+              </a:xfrm>
+              <a:prstGeom prst="rect">
+                <a:avLst/>
+              </a:prstGeom>
+              <a:noFill/>
+              <a:ln>
+                <a:solidFill>
+                  <a:srgbClr val="00B050"/>
+                </a:solidFill>
+              </a:ln>
+            </p:spPr>
+            <p:style>
+              <a:lnRef idx="2">
+                <a:schemeClr val="accent1">
+                  <a:shade val="15000"/>
+                </a:schemeClr>
+              </a:lnRef>
+              <a:fillRef idx="1">
+                <a:schemeClr val="accent1"/>
+              </a:fillRef>
+              <a:effectRef idx="0">
+                <a:schemeClr val="accent1"/>
+              </a:effectRef>
+              <a:fontRef idx="minor">
+                <a:schemeClr val="lt1"/>
+              </a:fontRef>
+            </p:style>
+            <p:txBody>
+              <a:bodyPr rtlCol="0" anchor="ctr"/>
+              <a:lstStyle/>
+              <a:p>
+                <a:pPr algn="ctr"/>
+                <a:r>
+                  <a:rPr lang="en-GB" i="1" dirty="0" err="1">
+                    <a:solidFill>
+                      <a:srgbClr val="00B050"/>
+                    </a:solidFill>
+                  </a:rPr>
+                  <a:t>dst</a:t>
+                </a:r>
+                <a:endParaRPr lang="en-GB" i="1" dirty="0">
+                  <a:solidFill>
+                    <a:srgbClr val="00B050"/>
+                  </a:solidFill>
+                </a:endParaRPr>
+              </a:p>
+            </p:txBody>
+          </p:sp>
+          <p:cxnSp>
+            <p:nvCxnSpPr>
+              <p:cNvPr id="16" name="Straight Arrow Connector 15">
+                <a:extLst>
+                  <a:ext uri="{FF2B5EF4-FFF2-40B4-BE49-F238E27FC236}">
+                    <a16:creationId xmlns:a16="http://schemas.microsoft.com/office/drawing/2014/main" id="{5F0DAD86-36F9-3F2A-7210-A23293DE40F4}"/>
+                  </a:ext>
+                </a:extLst>
+              </p:cNvPr>
+              <p:cNvCxnSpPr>
+                <a:cxnSpLocks/>
+                <a:stCxn id="5" idx="3"/>
+              </p:cNvCxnSpPr>
+              <p:nvPr/>
+            </p:nvCxnSpPr>
+            <p:spPr>
+              <a:xfrm>
+                <a:off x="5264749" y="1783195"/>
+                <a:ext cx="471210" cy="337479"/>
+              </a:xfrm>
+              <a:prstGeom prst="straightConnector1">
+                <a:avLst/>
+              </a:prstGeom>
+              <a:ln w="22225">
+                <a:solidFill>
+                  <a:srgbClr val="C00000"/>
+                </a:solidFill>
+                <a:tailEnd type="triangle"/>
+              </a:ln>
+            </p:spPr>
+            <p:style>
+              <a:lnRef idx="1">
+                <a:schemeClr val="accent1"/>
+              </a:lnRef>
+              <a:fillRef idx="0">
+                <a:schemeClr val="accent1"/>
+              </a:fillRef>
+              <a:effectRef idx="0">
+                <a:schemeClr val="accent1"/>
+              </a:effectRef>
+              <a:fontRef idx="minor">
+                <a:schemeClr val="tx1"/>
+              </a:fontRef>
+            </p:style>
+          </p:cxnSp>
+          <p:cxnSp>
+            <p:nvCxnSpPr>
+              <p:cNvPr id="17" name="Straight Arrow Connector 16">
+                <a:extLst>
+                  <a:ext uri="{FF2B5EF4-FFF2-40B4-BE49-F238E27FC236}">
+                    <a16:creationId xmlns:a16="http://schemas.microsoft.com/office/drawing/2014/main" id="{C168CC6D-F55F-1A0E-5F64-E6626290BE0B}"/>
+                  </a:ext>
+                </a:extLst>
+              </p:cNvPr>
+              <p:cNvCxnSpPr>
+                <a:cxnSpLocks/>
+                <a:stCxn id="12" idx="3"/>
+              </p:cNvCxnSpPr>
+              <p:nvPr/>
+            </p:nvCxnSpPr>
+            <p:spPr>
+              <a:xfrm flipV="1">
+                <a:off x="5264749" y="2572088"/>
+                <a:ext cx="471210" cy="262488"/>
+              </a:xfrm>
+              <a:prstGeom prst="straightConnector1">
+                <a:avLst/>
+              </a:prstGeom>
+              <a:ln w="22225">
+                <a:solidFill>
+                  <a:srgbClr val="C00000"/>
+                </a:solidFill>
+                <a:tailEnd type="triangle"/>
+              </a:ln>
+            </p:spPr>
+            <p:style>
+              <a:lnRef idx="1">
+                <a:schemeClr val="accent1"/>
+              </a:lnRef>
+              <a:fillRef idx="0">
+                <a:schemeClr val="accent1"/>
+              </a:fillRef>
+              <a:effectRef idx="0">
+                <a:schemeClr val="accent1"/>
+              </a:effectRef>
+              <a:fontRef idx="minor">
+                <a:schemeClr val="tx1"/>
+              </a:fontRef>
+            </p:style>
+          </p:cxnSp>
+          <p:cxnSp>
+            <p:nvCxnSpPr>
+              <p:cNvPr id="19" name="Straight Arrow Connector 18">
+                <a:extLst>
+                  <a:ext uri="{FF2B5EF4-FFF2-40B4-BE49-F238E27FC236}">
+                    <a16:creationId xmlns:a16="http://schemas.microsoft.com/office/drawing/2014/main" id="{395A1D46-B535-CC2F-0CF5-2E835DE5395E}"/>
+                  </a:ext>
+                </a:extLst>
+              </p:cNvPr>
+              <p:cNvCxnSpPr>
+                <a:cxnSpLocks/>
+                <a:stCxn id="4" idx="3"/>
+                <a:endCxn id="13" idx="1"/>
+              </p:cNvCxnSpPr>
+              <p:nvPr/>
+            </p:nvCxnSpPr>
+            <p:spPr>
+              <a:xfrm flipV="1">
+                <a:off x="6782986" y="2362471"/>
+                <a:ext cx="610833" cy="5151"/>
+              </a:xfrm>
+              <a:prstGeom prst="straightConnector1">
+                <a:avLst/>
+              </a:prstGeom>
+              <a:ln w="22225">
+                <a:solidFill>
+                  <a:srgbClr val="00B050"/>
+                </a:solidFill>
+                <a:tailEnd type="triangle"/>
+              </a:ln>
+            </p:spPr>
+            <p:style>
+              <a:lnRef idx="1">
+                <a:schemeClr val="accent1"/>
+              </a:lnRef>
+              <a:fillRef idx="0">
+                <a:schemeClr val="accent1"/>
+              </a:fillRef>
+              <a:effectRef idx="0">
+                <a:schemeClr val="accent1"/>
+              </a:effectRef>
+              <a:fontRef idx="minor">
+                <a:schemeClr val="tx1"/>
+              </a:fontRef>
+            </p:style>
+          </p:cxnSp>
+          <p:sp>
+            <p:nvSpPr>
+              <p:cNvPr id="22" name="Flowchart: Magnetic Disk 21">
+                <a:extLst>
+                  <a:ext uri="{FF2B5EF4-FFF2-40B4-BE49-F238E27FC236}">
+                    <a16:creationId xmlns:a16="http://schemas.microsoft.com/office/drawing/2014/main" id="{D6909B58-C8EC-1E4A-0385-3C148292E91F}"/>
+                  </a:ext>
+                </a:extLst>
+              </p:cNvPr>
+              <p:cNvSpPr/>
+              <p:nvPr/>
+            </p:nvSpPr>
+            <p:spPr>
+              <a:xfrm>
+                <a:off x="2570723" y="1538740"/>
+                <a:ext cx="785270" cy="504056"/>
+              </a:xfrm>
+              <a:prstGeom prst="flowChartMagneticDisk">
+                <a:avLst/>
+              </a:prstGeom>
+              <a:noFill/>
+              <a:ln>
+                <a:solidFill>
+                  <a:srgbClr val="C00000"/>
+                </a:solidFill>
+              </a:ln>
+            </p:spPr>
+            <p:style>
+              <a:lnRef idx="2">
+                <a:schemeClr val="accent1">
+                  <a:shade val="15000"/>
+                </a:schemeClr>
+              </a:lnRef>
+              <a:fillRef idx="1">
+                <a:schemeClr val="accent1"/>
+              </a:fillRef>
+              <a:effectRef idx="0">
+                <a:schemeClr val="accent1"/>
+              </a:effectRef>
+              <a:fontRef idx="minor">
+                <a:schemeClr val="lt1"/>
+              </a:fontRef>
+            </p:style>
+            <p:txBody>
+              <a:bodyPr rtlCol="0" anchor="ctr"/>
+              <a:lstStyle/>
+              <a:p>
+                <a:pPr algn="ctr"/>
+                <a:r>
+                  <a:rPr lang="en-GB" dirty="0">
+                    <a:solidFill>
+                      <a:srgbClr val="C00000"/>
+                    </a:solidFill>
+                  </a:rPr>
+                  <a:t>CB</a:t>
+                </a:r>
+              </a:p>
+            </p:txBody>
+          </p:sp>
+          <p:sp>
+            <p:nvSpPr>
+              <p:cNvPr id="23" name="Flowchart: Magnetic Disk 22">
+                <a:extLst>
+                  <a:ext uri="{FF2B5EF4-FFF2-40B4-BE49-F238E27FC236}">
+                    <a16:creationId xmlns:a16="http://schemas.microsoft.com/office/drawing/2014/main" id="{9578A10A-A5E2-E140-E531-B108745542FD}"/>
+                  </a:ext>
+                </a:extLst>
+              </p:cNvPr>
+              <p:cNvSpPr/>
+              <p:nvPr/>
+            </p:nvSpPr>
+            <p:spPr>
+              <a:xfrm>
+                <a:off x="2570723" y="2582548"/>
+                <a:ext cx="785270" cy="504056"/>
+              </a:xfrm>
+              <a:prstGeom prst="flowChartMagneticDisk">
+                <a:avLst/>
+              </a:prstGeom>
+              <a:noFill/>
+              <a:ln>
+                <a:solidFill>
+                  <a:srgbClr val="C00000"/>
+                </a:solidFill>
+              </a:ln>
+            </p:spPr>
+            <p:style>
+              <a:lnRef idx="2">
+                <a:schemeClr val="accent1">
+                  <a:shade val="15000"/>
+                </a:schemeClr>
+              </a:lnRef>
+              <a:fillRef idx="1">
+                <a:schemeClr val="accent1"/>
+              </a:fillRef>
+              <a:effectRef idx="0">
+                <a:schemeClr val="accent1"/>
+              </a:effectRef>
+              <a:fontRef idx="minor">
+                <a:schemeClr val="lt1"/>
+              </a:fontRef>
+            </p:style>
+            <p:txBody>
+              <a:bodyPr rtlCol="0" anchor="ctr"/>
+              <a:lstStyle/>
+              <a:p>
+                <a:pPr algn="ctr"/>
+                <a:r>
+                  <a:rPr lang="en-GB" dirty="0">
+                    <a:solidFill>
+                      <a:srgbClr val="C00000"/>
+                    </a:solidFill>
+                  </a:rPr>
+                  <a:t>CB</a:t>
+                </a:r>
+              </a:p>
+            </p:txBody>
+          </p:sp>
+          <p:cxnSp>
+            <p:nvCxnSpPr>
+              <p:cNvPr id="24" name="Straight Arrow Connector 23">
+                <a:extLst>
+                  <a:ext uri="{FF2B5EF4-FFF2-40B4-BE49-F238E27FC236}">
+                    <a16:creationId xmlns:a16="http://schemas.microsoft.com/office/drawing/2014/main" id="{852D9FD9-9B59-C5A8-9CB3-A03D68491B33}"/>
+                  </a:ext>
+                </a:extLst>
+              </p:cNvPr>
+              <p:cNvCxnSpPr>
+                <a:cxnSpLocks/>
+                <a:stCxn id="22" idx="4"/>
+                <a:endCxn id="5" idx="1"/>
+              </p:cNvCxnSpPr>
+              <p:nvPr/>
+            </p:nvCxnSpPr>
+            <p:spPr>
+              <a:xfrm flipV="1">
+                <a:off x="3355993" y="1783195"/>
+                <a:ext cx="1123486" cy="7573"/>
+              </a:xfrm>
+              <a:prstGeom prst="straightConnector1">
+                <a:avLst/>
+              </a:prstGeom>
+              <a:ln w="22225">
+                <a:solidFill>
+                  <a:srgbClr val="C00000"/>
+                </a:solidFill>
+                <a:tailEnd type="triangle"/>
+              </a:ln>
+            </p:spPr>
+            <p:style>
+              <a:lnRef idx="1">
+                <a:schemeClr val="accent1"/>
+              </a:lnRef>
+              <a:fillRef idx="0">
+                <a:schemeClr val="accent1"/>
+              </a:fillRef>
+              <a:effectRef idx="0">
+                <a:schemeClr val="accent1"/>
+              </a:effectRef>
+              <a:fontRef idx="minor">
+                <a:schemeClr val="tx1"/>
+              </a:fontRef>
+            </p:style>
+          </p:cxnSp>
+          <p:cxnSp>
+            <p:nvCxnSpPr>
+              <p:cNvPr id="27" name="Straight Arrow Connector 26">
+                <a:extLst>
+                  <a:ext uri="{FF2B5EF4-FFF2-40B4-BE49-F238E27FC236}">
+                    <a16:creationId xmlns:a16="http://schemas.microsoft.com/office/drawing/2014/main" id="{9DF89FA7-56A8-B6A9-1890-0A169A0C7960}"/>
+                  </a:ext>
+                </a:extLst>
+              </p:cNvPr>
+              <p:cNvCxnSpPr>
+                <a:cxnSpLocks/>
+                <a:stCxn id="23" idx="4"/>
+                <a:endCxn id="12" idx="1"/>
+              </p:cNvCxnSpPr>
+              <p:nvPr/>
+            </p:nvCxnSpPr>
+            <p:spPr>
+              <a:xfrm>
+                <a:off x="3355993" y="2834576"/>
+                <a:ext cx="1123486" cy="0"/>
+              </a:xfrm>
+              <a:prstGeom prst="straightConnector1">
+                <a:avLst/>
+              </a:prstGeom>
+              <a:ln w="22225">
+                <a:solidFill>
+                  <a:srgbClr val="C00000"/>
+                </a:solidFill>
+                <a:tailEnd type="triangle"/>
+              </a:ln>
+            </p:spPr>
+            <p:style>
+              <a:lnRef idx="1">
+                <a:schemeClr val="accent1"/>
+              </a:lnRef>
+              <a:fillRef idx="0">
+                <a:schemeClr val="accent1"/>
+              </a:fillRef>
+              <a:effectRef idx="0">
+                <a:schemeClr val="accent1"/>
+              </a:effectRef>
+              <a:fontRef idx="minor">
+                <a:schemeClr val="tx1"/>
+              </a:fontRef>
+            </p:style>
+          </p:cxnSp>
+          <p:sp>
+            <p:nvSpPr>
+              <p:cNvPr id="31" name="TextBox 30">
+                <a:extLst>
+                  <a:ext uri="{FF2B5EF4-FFF2-40B4-BE49-F238E27FC236}">
+                    <a16:creationId xmlns:a16="http://schemas.microsoft.com/office/drawing/2014/main" id="{5F319E1E-4479-C263-2B8E-E06B9D050C94}"/>
+                  </a:ext>
+                </a:extLst>
+              </p:cNvPr>
+              <p:cNvSpPr txBox="1"/>
+              <p:nvPr/>
+            </p:nvSpPr>
+            <p:spPr>
+              <a:xfrm>
+                <a:off x="3413697" y="1505563"/>
+                <a:ext cx="936105" cy="315141"/>
+              </a:xfrm>
+              <a:prstGeom prst="rect">
+                <a:avLst/>
+              </a:prstGeom>
+              <a:noFill/>
+            </p:spPr>
+            <p:txBody>
+              <a:bodyPr wrap="square" rtlCol="0">
+                <a:spAutoFit/>
+              </a:bodyPr>
+              <a:lstStyle/>
+              <a:p>
+                <a:r>
+                  <a:rPr lang="en-GB" sz="1400" i="1" dirty="0">
+                    <a:solidFill>
+                      <a:srgbClr val="C00000"/>
+                    </a:solidFill>
+                  </a:rPr>
+                  <a:t>unpacker</a:t>
+                </a:r>
+                <a:endParaRPr lang="en-GB" i="1" dirty="0">
+                  <a:solidFill>
+                    <a:srgbClr val="C00000"/>
+                  </a:solidFill>
+                </a:endParaRPr>
+              </a:p>
+            </p:txBody>
+          </p:sp>
+          <p:sp>
+            <p:nvSpPr>
+              <p:cNvPr id="32" name="TextBox 31">
+                <a:extLst>
+                  <a:ext uri="{FF2B5EF4-FFF2-40B4-BE49-F238E27FC236}">
+                    <a16:creationId xmlns:a16="http://schemas.microsoft.com/office/drawing/2014/main" id="{A069BEE1-51D7-D3A5-2588-0D3FEF8A2C59}"/>
+                  </a:ext>
+                </a:extLst>
+              </p:cNvPr>
+              <p:cNvSpPr txBox="1"/>
+              <p:nvPr/>
+            </p:nvSpPr>
+            <p:spPr>
+              <a:xfrm>
+                <a:off x="3413697" y="2541773"/>
+                <a:ext cx="936105" cy="315141"/>
+              </a:xfrm>
+              <a:prstGeom prst="rect">
+                <a:avLst/>
+              </a:prstGeom>
+              <a:noFill/>
+            </p:spPr>
+            <p:txBody>
+              <a:bodyPr wrap="square" rtlCol="0">
+                <a:spAutoFit/>
+              </a:bodyPr>
+              <a:lstStyle/>
+              <a:p>
+                <a:r>
+                  <a:rPr lang="en-GB" sz="1400" i="1" dirty="0">
+                    <a:solidFill>
+                      <a:srgbClr val="C00000"/>
+                    </a:solidFill>
+                  </a:rPr>
+                  <a:t>unpacker</a:t>
+                </a:r>
+                <a:endParaRPr lang="en-GB" i="1" dirty="0">
+                  <a:solidFill>
+                    <a:srgbClr val="C00000"/>
+                  </a:solidFill>
+                </a:endParaRPr>
+              </a:p>
+            </p:txBody>
+          </p:sp>
+          <p:sp>
+            <p:nvSpPr>
+              <p:cNvPr id="33" name="Flowchart: Magnetic Disk 32">
+                <a:extLst>
+                  <a:ext uri="{FF2B5EF4-FFF2-40B4-BE49-F238E27FC236}">
+                    <a16:creationId xmlns:a16="http://schemas.microsoft.com/office/drawing/2014/main" id="{CE38B035-AEA7-5D59-2932-C521AF0A75E6}"/>
+                  </a:ext>
+                </a:extLst>
+              </p:cNvPr>
+              <p:cNvSpPr/>
+              <p:nvPr/>
+            </p:nvSpPr>
+            <p:spPr>
+              <a:xfrm>
+                <a:off x="9113517" y="2110443"/>
+                <a:ext cx="785270" cy="504056"/>
+              </a:xfrm>
+              <a:prstGeom prst="flowChartMagneticDisk">
+                <a:avLst/>
+              </a:prstGeom>
+              <a:noFill/>
+              <a:ln>
+                <a:solidFill>
+                  <a:srgbClr val="00B050"/>
+                </a:solidFill>
+              </a:ln>
+            </p:spPr>
+            <p:style>
+              <a:lnRef idx="2">
+                <a:schemeClr val="accent1">
+                  <a:shade val="15000"/>
+                </a:schemeClr>
+              </a:lnRef>
+              <a:fillRef idx="1">
+                <a:schemeClr val="accent1"/>
+              </a:fillRef>
+              <a:effectRef idx="0">
+                <a:schemeClr val="accent1"/>
+              </a:effectRef>
+              <a:fontRef idx="minor">
+                <a:schemeClr val="lt1"/>
+              </a:fontRef>
+            </p:style>
+            <p:txBody>
+              <a:bodyPr rtlCol="0" anchor="ctr"/>
+              <a:lstStyle/>
+              <a:p>
+                <a:pPr algn="ctr"/>
+                <a:r>
+                  <a:rPr lang="en-GB" dirty="0">
+                    <a:solidFill>
+                      <a:srgbClr val="00B050"/>
+                    </a:solidFill>
+                  </a:rPr>
+                  <a:t>CB</a:t>
+                </a:r>
+              </a:p>
+            </p:txBody>
+          </p:sp>
+          <p:cxnSp>
+            <p:nvCxnSpPr>
+              <p:cNvPr id="34" name="Straight Arrow Connector 33">
+                <a:extLst>
+                  <a:ext uri="{FF2B5EF4-FFF2-40B4-BE49-F238E27FC236}">
+                    <a16:creationId xmlns:a16="http://schemas.microsoft.com/office/drawing/2014/main" id="{0097F5F4-7056-0C2F-6DBF-01C98B4D1364}"/>
+                  </a:ext>
+                </a:extLst>
+              </p:cNvPr>
+              <p:cNvCxnSpPr>
+                <a:cxnSpLocks/>
+                <a:stCxn id="13" idx="3"/>
+                <a:endCxn id="33" idx="2"/>
+              </p:cNvCxnSpPr>
+              <p:nvPr/>
+            </p:nvCxnSpPr>
+            <p:spPr>
+              <a:xfrm>
+                <a:off x="8179089" y="2362471"/>
+                <a:ext cx="934428" cy="0"/>
+              </a:xfrm>
+              <a:prstGeom prst="straightConnector1">
+                <a:avLst/>
+              </a:prstGeom>
+              <a:ln w="22225">
+                <a:solidFill>
+                  <a:srgbClr val="00B050"/>
+                </a:solidFill>
+                <a:tailEnd type="triangle"/>
+              </a:ln>
+            </p:spPr>
+            <p:style>
+              <a:lnRef idx="1">
+                <a:schemeClr val="accent1"/>
+              </a:lnRef>
+              <a:fillRef idx="0">
+                <a:schemeClr val="accent1"/>
+              </a:fillRef>
+              <a:effectRef idx="0">
+                <a:schemeClr val="accent1"/>
+              </a:effectRef>
+              <a:fontRef idx="minor">
+                <a:schemeClr val="tx1"/>
+              </a:fontRef>
+            </p:style>
+          </p:cxnSp>
+          <p:sp>
+            <p:nvSpPr>
+              <p:cNvPr id="38" name="TextBox 37">
+                <a:extLst>
+                  <a:ext uri="{FF2B5EF4-FFF2-40B4-BE49-F238E27FC236}">
+                    <a16:creationId xmlns:a16="http://schemas.microsoft.com/office/drawing/2014/main" id="{E1A8F93D-A138-A310-9E68-229ECB961CA8}"/>
+                  </a:ext>
+                </a:extLst>
+              </p:cNvPr>
+              <p:cNvSpPr txBox="1"/>
+              <p:nvPr/>
+            </p:nvSpPr>
+            <p:spPr>
+              <a:xfrm>
+                <a:off x="8350659" y="2077779"/>
+                <a:ext cx="936105" cy="315141"/>
+              </a:xfrm>
+              <a:prstGeom prst="rect">
+                <a:avLst/>
+              </a:prstGeom>
+              <a:noFill/>
+            </p:spPr>
+            <p:txBody>
+              <a:bodyPr wrap="square" rtlCol="0">
+                <a:spAutoFit/>
+              </a:bodyPr>
+              <a:lstStyle/>
+              <a:p>
+                <a:r>
+                  <a:rPr lang="en-GB" sz="1400" i="1" dirty="0">
+                    <a:solidFill>
+                      <a:srgbClr val="00B050"/>
+                    </a:solidFill>
+                  </a:rPr>
+                  <a:t>packer</a:t>
+                </a:r>
+                <a:endParaRPr lang="en-GB" i="1" dirty="0">
+                  <a:solidFill>
+                    <a:srgbClr val="00B050"/>
+                  </a:solidFill>
+                </a:endParaRPr>
+              </a:p>
+            </p:txBody>
+          </p:sp>
+          <p:sp>
+            <p:nvSpPr>
+              <p:cNvPr id="45" name="TextBox 44">
+                <a:extLst>
+                  <a:ext uri="{FF2B5EF4-FFF2-40B4-BE49-F238E27FC236}">
+                    <a16:creationId xmlns:a16="http://schemas.microsoft.com/office/drawing/2014/main" id="{9271FBBC-2874-6430-CDCD-CAD436FE5D20}"/>
+                  </a:ext>
+                </a:extLst>
+              </p:cNvPr>
+              <p:cNvSpPr txBox="1"/>
+              <p:nvPr/>
+            </p:nvSpPr>
+            <p:spPr>
+              <a:xfrm>
+                <a:off x="7364511" y="1336286"/>
+                <a:ext cx="1008112" cy="338554"/>
+              </a:xfrm>
+              <a:prstGeom prst="rect">
+                <a:avLst/>
+              </a:prstGeom>
+              <a:noFill/>
+            </p:spPr>
+            <p:txBody>
+              <a:bodyPr wrap="square" rtlCol="0">
+                <a:spAutoFit/>
+              </a:bodyPr>
+              <a:lstStyle/>
+              <a:p>
+                <a:r>
+                  <a:rPr lang="en-GB" sz="1600" i="1" dirty="0"/>
+                  <a:t>tile lock</a:t>
+                </a:r>
+              </a:p>
+            </p:txBody>
+          </p:sp>
+        </p:grpSp>
+      </p:grpSp>
     </p:spTree>
     <p:extLst>
       <p:ext uri="{BB962C8B-B14F-4D97-AF65-F5344CB8AC3E}">
@@ -8924,8 +9853,13 @@
             </a:r>
             <a:r>
               <a:rPr lang="en-GB" dirty="0"/>
-              <a:t>, which contains 17 times, 32 lanes of 32 bit</a:t>
-            </a:r>
+              <a:t>, which contains 17 times, 32 lanes of 32 bit (8 of which can be used </a:t>
+            </a:r>
+            <a:r>
+              <a:rPr lang="en-GB"/>
+              <a:t>for inputs)</a:t>
+            </a:r>
+            <a:endParaRPr lang="en-GB" dirty="0"/>
           </a:p>
           <a:p>
             <a:r>
@@ -9456,8 +10390,8 @@
         </p:nvSpPr>
         <p:spPr>
           <a:xfrm>
-            <a:off x="191344" y="2433947"/>
-            <a:ext cx="3600400" cy="4247317"/>
+            <a:off x="119336" y="4280492"/>
+            <a:ext cx="3944204" cy="2554545"/>
           </a:xfrm>
           <a:prstGeom prst="rect">
             <a:avLst/>
@@ -9475,19 +10409,19 @@
               <a:buChar char="•"/>
             </a:pPr>
             <a:r>
-              <a:rPr lang="en-GB" dirty="0"/>
+              <a:rPr lang="en-GB" sz="1600" dirty="0"/>
               <a:t>Wait for two CBs (LHS and RHS) to be available via </a:t>
             </a:r>
             <a:r>
-              <a:rPr lang="en-GB" i="1" dirty="0" err="1"/>
+              <a:rPr lang="en-GB" sz="1600" i="1" dirty="0" err="1"/>
               <a:t>cb_wait_front</a:t>
             </a:r>
             <a:r>
-              <a:rPr lang="en-GB" i="1" dirty="0"/>
+              <a:rPr lang="en-GB" sz="1600" i="1" dirty="0"/>
               <a:t> </a:t>
             </a:r>
             <a:r>
-              <a:rPr lang="en-GB" dirty="0"/>
+              <a:rPr lang="en-GB" sz="1600" dirty="0"/>
               <a:t>API call</a:t>
             </a:r>
           </a:p>
@@ -9496,7 +10430,22 @@
               <a:buFont typeface="Arial" panose="020B0604020202020204" pitchFamily="34" charset="0"/>
               <a:buChar char="•"/>
             </a:pPr>
-            <a:endParaRPr lang="en-GB" dirty="0"/>
+            <a:r>
+              <a:rPr lang="en-GB" sz="1600" dirty="0"/>
+              <a:t>Acquire exclusive pack lock on DST (target) registers using </a:t>
+            </a:r>
+            <a:r>
+              <a:rPr lang="en-GB" sz="1600" i="1" dirty="0" err="1"/>
+              <a:t>tile_regs_wait</a:t>
+            </a:r>
+            <a:r>
+              <a:rPr lang="en-GB" sz="1600" i="1" dirty="0"/>
+              <a:t> </a:t>
+            </a:r>
+            <a:r>
+              <a:rPr lang="en-GB" sz="1600" dirty="0"/>
+              <a:t>API call</a:t>
+            </a:r>
           </a:p>
           <a:p>
             <a:pPr marL="285750" indent="-285750">
@@ -9504,20 +10453,16 @@
               <a:buChar char="•"/>
             </a:pPr>
             <a:r>
-              <a:rPr lang="en-GB" dirty="0"/>
-              <a:t>Acquire exclusive pack lock on DST (target) registers using </a:t>
-            </a:r>
-            <a:r>
-              <a:rPr lang="en-GB" i="1" dirty="0" err="1"/>
-              <a:t>tile_regs_wait</a:t>
-            </a:r>
-            <a:r>
-              <a:rPr lang="en-GB" i="1" dirty="0"/>
-              <a:t> </a:t>
-            </a:r>
-            <a:r>
-              <a:rPr lang="en-GB" dirty="0"/>
-              <a:t>API call</a:t>
+              <a:rPr lang="en-GB" sz="1600" dirty="0"/>
+              <a:t>Copy both input tiles into </a:t>
+            </a:r>
+            <a:r>
+              <a:rPr lang="en-GB" sz="1600" i="1" dirty="0" err="1"/>
+              <a:t>dst</a:t>
+            </a:r>
+            <a:r>
+              <a:rPr lang="en-GB" sz="1600" dirty="0"/>
+              <a:t> register using segment index</a:t>
             </a:r>
           </a:p>
           <a:p>
@@ -9525,61 +10470,22 @@
               <a:buFont typeface="Arial" panose="020B0604020202020204" pitchFamily="34" charset="0"/>
               <a:buChar char="•"/>
             </a:pPr>
-            <a:endParaRPr lang="en-GB" dirty="0"/>
-          </a:p>
-          <a:p>
-            <a:pPr marL="285750" indent="-285750">
-              <a:buFont typeface="Arial" panose="020B0604020202020204" pitchFamily="34" charset="0"/>
-              <a:buChar char="•"/>
-            </a:pPr>
-            <a:r>
-              <a:rPr lang="en-GB" dirty="0"/>
-              <a:t>Copy both input tiles into </a:t>
-            </a:r>
-            <a:r>
-              <a:rPr lang="en-GB" i="1" dirty="0" err="1"/>
-              <a:t>dst</a:t>
-            </a:r>
-            <a:r>
-              <a:rPr lang="en-GB" dirty="0"/>
-              <a:t> register using segment index</a:t>
-            </a:r>
-          </a:p>
-          <a:p>
-            <a:pPr marL="285750" indent="-285750">
-              <a:buFont typeface="Arial" panose="020B0604020202020204" pitchFamily="34" charset="0"/>
-              <a:buChar char="•"/>
-            </a:pPr>
-            <a:endParaRPr lang="en-GB" dirty="0"/>
-          </a:p>
-          <a:p>
-            <a:pPr marL="285750" indent="-285750">
-              <a:buFont typeface="Arial" panose="020B0604020202020204" pitchFamily="34" charset="0"/>
-              <a:buChar char="•"/>
-            </a:pPr>
-            <a:r>
-              <a:rPr lang="en-GB" dirty="0"/>
+            <a:r>
+              <a:rPr lang="en-GB" sz="1600" dirty="0"/>
               <a:t>Release exclusive pack lock on DST (target) registers using </a:t>
             </a:r>
             <a:r>
-              <a:rPr lang="en-GB" i="1" dirty="0" err="1"/>
+              <a:rPr lang="en-GB" sz="1600" i="1" dirty="0" err="1"/>
               <a:t>tile_regs_release</a:t>
             </a:r>
             <a:r>
-              <a:rPr lang="en-GB" i="1" dirty="0"/>
+              <a:rPr lang="en-GB" sz="1600" i="1" dirty="0"/>
               <a:t> </a:t>
             </a:r>
             <a:r>
-              <a:rPr lang="en-GB" dirty="0"/>
+              <a:rPr lang="en-GB" sz="1600" dirty="0"/>
               <a:t>API call</a:t>
             </a:r>
-          </a:p>
-          <a:p>
-            <a:pPr marL="285750" indent="-285750">
-              <a:buFont typeface="Arial" panose="020B0604020202020204" pitchFamily="34" charset="0"/>
-              <a:buChar char="•"/>
-            </a:pPr>
-            <a:endParaRPr lang="en-GB" i="1" dirty="0"/>
           </a:p>
         </p:txBody>
       </p:sp>
@@ -9597,8 +10503,8 @@
         </p:nvSpPr>
         <p:spPr>
           <a:xfrm>
-            <a:off x="3935761" y="2382775"/>
-            <a:ext cx="4104451" cy="3970318"/>
+            <a:off x="4151784" y="4221088"/>
+            <a:ext cx="4104451" cy="2554545"/>
           </a:xfrm>
           <a:prstGeom prst="rect">
             <a:avLst/>
@@ -9616,28 +10522,52 @@
               <a:buChar char="•"/>
             </a:pPr>
             <a:r>
-              <a:rPr lang="en-GB" dirty="0"/>
+              <a:rPr lang="en-GB" sz="1600" dirty="0"/>
               <a:t>Acquire exclusive compute lock on DST (target) registers using </a:t>
             </a:r>
             <a:r>
-              <a:rPr lang="en-GB" i="1" dirty="0" err="1"/>
+              <a:rPr lang="en-GB" sz="1600" i="1" dirty="0" err="1"/>
               <a:t>tile_regs_aqcuire</a:t>
             </a:r>
             <a:r>
-              <a:rPr lang="en-GB" i="1" dirty="0"/>
+              <a:rPr lang="en-GB" sz="1600" i="1" dirty="0"/>
               <a:t> </a:t>
             </a:r>
             <a:r>
-              <a:rPr lang="en-GB" dirty="0"/>
+              <a:rPr lang="en-GB" sz="1600" dirty="0"/>
               <a:t>API call</a:t>
             </a:r>
+            <a:endParaRPr lang="en-GB" sz="1600" i="1" dirty="0"/>
           </a:p>
           <a:p>
             <a:pPr marL="285750" indent="-285750">
               <a:buFont typeface="Arial" panose="020B0604020202020204" pitchFamily="34" charset="0"/>
               <a:buChar char="•"/>
             </a:pPr>
-            <a:endParaRPr lang="en-GB" i="1" dirty="0"/>
+            <a:r>
+              <a:rPr lang="en-GB" sz="1600" dirty="0"/>
+              <a:t>Issue corresponding vector API call such as </a:t>
+            </a:r>
+            <a:r>
+              <a:rPr lang="en-GB" sz="1600" i="1" dirty="0" err="1"/>
+              <a:t>add_binary_tile</a:t>
+            </a:r>
+            <a:r>
+              <a:rPr lang="en-GB" sz="1600" i="1" dirty="0"/>
+              <a:t>, </a:t>
+            </a:r>
+            <a:r>
+              <a:rPr lang="en-GB" sz="1600" i="1" dirty="0" err="1"/>
+              <a:t>sub_binary_tile</a:t>
+            </a:r>
+            <a:r>
+              <a:rPr lang="en-GB" sz="1600" i="1" dirty="0"/>
+              <a:t> </a:t>
+            </a:r>
+            <a:r>
+              <a:rPr lang="en-GB" sz="1600" dirty="0"/>
+              <a:t> with segment index determining inputs (first input overwritten with results)</a:t>
+            </a:r>
           </a:p>
           <a:p>
             <a:pPr marL="285750" indent="-285750">
@@ -9645,65 +10575,21 @@
               <a:buChar char="•"/>
             </a:pPr>
             <a:r>
-              <a:rPr lang="en-GB" dirty="0"/>
-              <a:t>Issue corresponding vector API call such as </a:t>
-            </a:r>
-            <a:r>
-              <a:rPr lang="en-GB" i="1" dirty="0" err="1"/>
-              <a:t>add_binary_tile</a:t>
-            </a:r>
-            <a:r>
-              <a:rPr lang="en-GB" i="1" dirty="0"/>
-              <a:t>, </a:t>
-            </a:r>
-            <a:r>
-              <a:rPr lang="en-GB" i="1" dirty="0" err="1"/>
-              <a:t>sub_binary_tile</a:t>
-            </a:r>
-            <a:r>
-              <a:rPr lang="en-GB" i="1" dirty="0"/>
+              <a:rPr lang="en-GB" sz="1600" dirty="0"/>
+              <a:t>Release exclusive compute lock on DST (target) registers using </a:t>
+            </a:r>
+            <a:r>
+              <a:rPr lang="en-GB" sz="1600" i="1" dirty="0" err="1"/>
+              <a:t>tile_regs_commit</a:t>
+            </a:r>
+            <a:r>
+              <a:rPr lang="en-GB" sz="1600" i="1" dirty="0"/>
               <a:t> </a:t>
             </a:r>
             <a:r>
-              <a:rPr lang="en-GB" dirty="0"/>
-              <a:t> with segment index determining inputs (first input overwritten with results)</a:t>
-            </a:r>
-          </a:p>
-          <a:p>
-            <a:pPr marL="285750" indent="-285750">
-              <a:buFont typeface="Arial" panose="020B0604020202020204" pitchFamily="34" charset="0"/>
-              <a:buChar char="•"/>
-            </a:pPr>
-            <a:endParaRPr lang="en-GB" dirty="0"/>
-          </a:p>
-          <a:p>
-            <a:pPr marL="285750" indent="-285750">
-              <a:buFont typeface="Arial" panose="020B0604020202020204" pitchFamily="34" charset="0"/>
-              <a:buChar char="•"/>
-            </a:pPr>
-            <a:r>
-              <a:rPr lang="en-GB" dirty="0"/>
-              <a:t>Release exclusive compute lock on DST (target) registers using </a:t>
-            </a:r>
-            <a:r>
-              <a:rPr lang="en-GB" i="1" dirty="0" err="1"/>
-              <a:t>tile_regs_commit</a:t>
-            </a:r>
-            <a:r>
-              <a:rPr lang="en-GB" i="1" dirty="0"/>
-              <a:t> </a:t>
-            </a:r>
-            <a:r>
-              <a:rPr lang="en-GB" dirty="0"/>
+              <a:rPr lang="en-GB" sz="1600" dirty="0"/>
               <a:t>API call</a:t>
             </a:r>
-          </a:p>
-          <a:p>
-            <a:pPr marL="285750" indent="-285750">
-              <a:buFont typeface="Arial" panose="020B0604020202020204" pitchFamily="34" charset="0"/>
-              <a:buChar char="•"/>
-            </a:pPr>
-            <a:endParaRPr lang="en-GB" i="1" dirty="0"/>
           </a:p>
         </p:txBody>
       </p:sp>
@@ -9721,7 +10607,7 @@
         </p:nvSpPr>
         <p:spPr>
           <a:xfrm>
-            <a:off x="335360" y="1772816"/>
+            <a:off x="535151" y="3856940"/>
             <a:ext cx="3240360" cy="369332"/>
           </a:xfrm>
           <a:prstGeom prst="rect">
@@ -9761,7 +10647,7 @@
         </p:nvSpPr>
         <p:spPr>
           <a:xfrm>
-            <a:off x="4367808" y="1772816"/>
+            <a:off x="4567599" y="3856940"/>
             <a:ext cx="3240360" cy="369332"/>
           </a:xfrm>
           <a:prstGeom prst="rect">
@@ -9801,7 +10687,7 @@
         </p:nvSpPr>
         <p:spPr>
           <a:xfrm>
-            <a:off x="8416489" y="1767632"/>
+            <a:off x="8616280" y="3851756"/>
             <a:ext cx="3240360" cy="369332"/>
           </a:xfrm>
           <a:prstGeom prst="rect">
@@ -9841,8 +10727,8 @@
         </p:nvSpPr>
         <p:spPr>
           <a:xfrm>
-            <a:off x="8370486" y="2382775"/>
-            <a:ext cx="3486154" cy="3693319"/>
+            <a:off x="8586509" y="4221088"/>
+            <a:ext cx="3486154" cy="2339102"/>
           </a:xfrm>
           <a:prstGeom prst="rect">
             <a:avLst/>
@@ -9860,28 +10746,48 @@
               <a:buChar char="•"/>
             </a:pPr>
             <a:r>
-              <a:rPr lang="en-GB" dirty="0"/>
+              <a:rPr lang="en-GB" sz="1600" dirty="0"/>
               <a:t>Acquire exclusive pack lock on DST (target) registers using </a:t>
             </a:r>
             <a:r>
-              <a:rPr lang="en-GB" i="1" dirty="0" err="1"/>
+              <a:rPr lang="en-GB" sz="1600" i="1" dirty="0" err="1"/>
               <a:t>tile_regs_wait</a:t>
             </a:r>
             <a:r>
-              <a:rPr lang="en-GB" i="1" dirty="0"/>
+              <a:rPr lang="en-GB" sz="1600" i="1" dirty="0"/>
               <a:t> </a:t>
             </a:r>
             <a:r>
-              <a:rPr lang="en-GB" dirty="0"/>
+              <a:rPr lang="en-GB" sz="1600" dirty="0"/>
               <a:t>API call</a:t>
             </a:r>
+            <a:endParaRPr lang="en-GB" sz="1600" i="1" dirty="0"/>
           </a:p>
           <a:p>
             <a:pPr marL="285750" indent="-285750">
               <a:buFont typeface="Arial" panose="020B0604020202020204" pitchFamily="34" charset="0"/>
               <a:buChar char="•"/>
             </a:pPr>
-            <a:endParaRPr lang="en-GB" i="1" dirty="0"/>
+            <a:r>
+              <a:rPr lang="en-GB" sz="1600" dirty="0"/>
+              <a:t>Copy results from </a:t>
+            </a:r>
+            <a:r>
+              <a:rPr lang="en-GB" sz="1600" dirty="0" err="1"/>
+              <a:t>dst</a:t>
+            </a:r>
+            <a:r>
+              <a:rPr lang="en-GB" sz="1600" dirty="0"/>
+              <a:t> register to target CB via </a:t>
+            </a:r>
+            <a:r>
+              <a:rPr lang="en-GB" sz="1600" i="1" dirty="0" err="1"/>
+              <a:t>pack_tile</a:t>
+            </a:r>
+            <a:r>
+              <a:rPr lang="en-GB" sz="1600" dirty="0"/>
+              <a:t> API call</a:t>
+            </a:r>
           </a:p>
           <a:p>
             <a:pPr marL="285750" indent="-285750">
@@ -9889,53 +10795,19 @@
               <a:buChar char="•"/>
             </a:pPr>
             <a:r>
-              <a:rPr lang="en-GB" dirty="0"/>
-              <a:t>Copy results from </a:t>
-            </a:r>
-            <a:r>
-              <a:rPr lang="en-GB" dirty="0" err="1"/>
-              <a:t>dst</a:t>
-            </a:r>
-            <a:r>
-              <a:rPr lang="en-GB" dirty="0"/>
-              <a:t> register to target CB via </a:t>
-            </a:r>
-            <a:r>
-              <a:rPr lang="en-GB" i="1" dirty="0" err="1"/>
-              <a:t>pack_tile</a:t>
-            </a:r>
-            <a:r>
-              <a:rPr lang="en-GB" dirty="0"/>
-              <a:t> API call</a:t>
-            </a:r>
-            <a:endParaRPr lang="en-GB" i="1" dirty="0"/>
-          </a:p>
-          <a:p>
-            <a:pPr marL="285750" indent="-285750">
-              <a:buFont typeface="Arial" panose="020B0604020202020204" pitchFamily="34" charset="0"/>
-              <a:buChar char="•"/>
-            </a:pPr>
-            <a:endParaRPr lang="en-GB" dirty="0"/>
-          </a:p>
-          <a:p>
-            <a:pPr marL="285750" indent="-285750">
-              <a:buFont typeface="Arial" panose="020B0604020202020204" pitchFamily="34" charset="0"/>
-              <a:buChar char="•"/>
-            </a:pPr>
-            <a:r>
-              <a:rPr lang="en-GB" dirty="0"/>
+              <a:rPr lang="en-GB" sz="1600" dirty="0"/>
               <a:t>Release exclusive pack lock on DST (target) registers using </a:t>
             </a:r>
             <a:r>
-              <a:rPr lang="en-GB" i="1" dirty="0" err="1"/>
+              <a:rPr lang="en-GB" sz="1600" i="1" dirty="0" err="1"/>
               <a:t>tile_regs_release</a:t>
             </a:r>
             <a:r>
-              <a:rPr lang="en-GB" i="1" dirty="0"/>
+              <a:rPr lang="en-GB" sz="1600" i="1" dirty="0"/>
               <a:t> </a:t>
             </a:r>
             <a:r>
-              <a:rPr lang="en-GB" dirty="0"/>
+              <a:rPr lang="en-GB" sz="1600" dirty="0"/>
               <a:t>API call</a:t>
             </a:r>
           </a:p>
@@ -9962,7 +10834,7 @@
         </p:nvCxnSpPr>
         <p:spPr>
           <a:xfrm>
-            <a:off x="3863752" y="2564904"/>
+            <a:off x="4063543" y="4370288"/>
             <a:ext cx="0" cy="2232248"/>
           </a:xfrm>
           <a:prstGeom prst="line">
@@ -10005,8 +10877,8 @@
         </p:nvCxnSpPr>
         <p:spPr>
           <a:xfrm>
-            <a:off x="8112224" y="2564904"/>
-            <a:ext cx="0" cy="3240360"/>
+            <a:off x="8312015" y="4370288"/>
+            <a:ext cx="0" cy="2299072"/>
           </a:xfrm>
           <a:prstGeom prst="line">
             <a:avLst/>
@@ -10032,42 +10904,323 @@
           </a:fontRef>
         </p:style>
       </p:cxnSp>
-      <p:pic>
-        <p:nvPicPr>
-          <p:cNvPr id="3" name="Picture 2">
+      <p:sp>
+        <p:nvSpPr>
+          <p:cNvPr id="35" name="Rectangle: Rounded Corners 34">
             <a:extLst>
               <a:ext uri="{FF2B5EF4-FFF2-40B4-BE49-F238E27FC236}">
-                <a16:creationId xmlns:a16="http://schemas.microsoft.com/office/drawing/2014/main" id="{F2BB112A-6480-AA11-6CF3-09BD53E12273}"/>
+                <a16:creationId xmlns:a16="http://schemas.microsoft.com/office/drawing/2014/main" id="{A3F1E633-800D-2225-C4D5-3B032038F3C4}"/>
               </a:ext>
             </a:extLst>
           </p:cNvPr>
-          <p:cNvPicPr>
-            <a:picLocks noChangeAspect="1"/>
-          </p:cNvPicPr>
+          <p:cNvSpPr/>
           <p:nvPr/>
-        </p:nvPicPr>
-        <p:blipFill>
-          <a:blip r:embed="rId2"/>
-          <a:stretch>
-            <a:fillRect/>
-          </a:stretch>
-        </p:blipFill>
+        </p:nvSpPr>
         <p:spPr>
           <a:xfrm>
-            <a:off x="9912425" y="0"/>
-            <a:ext cx="2279576" cy="1836067"/>
+            <a:off x="7436616" y="1410532"/>
+            <a:ext cx="1047026" cy="870831"/>
           </a:xfrm>
-          <a:prstGeom prst="rect">
+          <a:prstGeom prst="roundRect">
             <a:avLst/>
           </a:prstGeom>
+          <a:noFill/>
+          <a:ln>
+            <a:solidFill>
+              <a:srgbClr val="0070C0"/>
+            </a:solidFill>
+          </a:ln>
         </p:spPr>
-      </p:pic>
-      <p:sp>
-        <p:nvSpPr>
-          <p:cNvPr id="4" name="TextBox 3">
+        <p:style>
+          <a:lnRef idx="2">
+            <a:schemeClr val="accent1">
+              <a:shade val="15000"/>
+            </a:schemeClr>
+          </a:lnRef>
+          <a:fillRef idx="1">
+            <a:schemeClr val="accent1"/>
+          </a:fillRef>
+          <a:effectRef idx="0">
+            <a:schemeClr val="accent1"/>
+          </a:effectRef>
+          <a:fontRef idx="minor">
+            <a:schemeClr val="lt1"/>
+          </a:fontRef>
+        </p:style>
+        <p:txBody>
+          <a:bodyPr rtlCol="0" anchor="ctr"/>
+          <a:lstStyle/>
+          <a:p>
+            <a:pPr algn="ctr"/>
+            <a:r>
+              <a:rPr lang="en-GB" dirty="0">
+                <a:solidFill>
+                  <a:srgbClr val="0070C0"/>
+                </a:solidFill>
+              </a:rPr>
+              <a:t>SFPU</a:t>
+            </a:r>
+          </a:p>
+        </p:txBody>
+      </p:sp>
+      <p:cxnSp>
+        <p:nvCxnSpPr>
+          <p:cNvPr id="41" name="Straight Arrow Connector 40">
             <a:extLst>
               <a:ext uri="{FF2B5EF4-FFF2-40B4-BE49-F238E27FC236}">
-                <a16:creationId xmlns:a16="http://schemas.microsoft.com/office/drawing/2014/main" id="{5B2B6785-E7B1-C065-A6E2-068D4CACAB46}"/>
+                <a16:creationId xmlns:a16="http://schemas.microsoft.com/office/drawing/2014/main" id="{299964EC-C557-65C9-BB9C-FFBA8F491845}"/>
+              </a:ext>
+            </a:extLst>
+          </p:cNvPr>
+          <p:cNvCxnSpPr>
+            <a:cxnSpLocks/>
+          </p:cNvCxnSpPr>
+          <p:nvPr/>
+        </p:nvCxnSpPr>
+        <p:spPr>
+          <a:xfrm flipV="1">
+            <a:off x="8491627" y="1845947"/>
+            <a:ext cx="556701" cy="9664"/>
+          </a:xfrm>
+          <a:prstGeom prst="straightConnector1">
+            <a:avLst/>
+          </a:prstGeom>
+          <a:ln w="22225">
+            <a:solidFill>
+              <a:srgbClr val="00B050"/>
+            </a:solidFill>
+            <a:tailEnd type="none"/>
+          </a:ln>
+        </p:spPr>
+        <p:style>
+          <a:lnRef idx="1">
+            <a:schemeClr val="accent1"/>
+          </a:lnRef>
+          <a:fillRef idx="0">
+            <a:schemeClr val="accent1"/>
+          </a:fillRef>
+          <a:effectRef idx="0">
+            <a:schemeClr val="accent1"/>
+          </a:effectRef>
+          <a:fontRef idx="minor">
+            <a:schemeClr val="tx1"/>
+          </a:fontRef>
+        </p:style>
+      </p:cxnSp>
+      <p:sp>
+        <p:nvSpPr>
+          <p:cNvPr id="42" name="Flowchart: Magnetic Disk 41">
+            <a:extLst>
+              <a:ext uri="{FF2B5EF4-FFF2-40B4-BE49-F238E27FC236}">
+                <a16:creationId xmlns:a16="http://schemas.microsoft.com/office/drawing/2014/main" id="{061BCCDD-13DA-F805-7973-97E0B650F703}"/>
+              </a:ext>
+            </a:extLst>
+          </p:cNvPr>
+          <p:cNvSpPr/>
+          <p:nvPr/>
+        </p:nvSpPr>
+        <p:spPr>
+          <a:xfrm>
+            <a:off x="2339534" y="1669593"/>
+            <a:ext cx="785270" cy="504056"/>
+          </a:xfrm>
+          <a:prstGeom prst="flowChartMagneticDisk">
+            <a:avLst/>
+          </a:prstGeom>
+          <a:noFill/>
+          <a:ln>
+            <a:solidFill>
+              <a:srgbClr val="C00000"/>
+            </a:solidFill>
+          </a:ln>
+        </p:spPr>
+        <p:style>
+          <a:lnRef idx="2">
+            <a:schemeClr val="accent1">
+              <a:shade val="15000"/>
+            </a:schemeClr>
+          </a:lnRef>
+          <a:fillRef idx="1">
+            <a:schemeClr val="accent1"/>
+          </a:fillRef>
+          <a:effectRef idx="0">
+            <a:schemeClr val="accent1"/>
+          </a:effectRef>
+          <a:fontRef idx="minor">
+            <a:schemeClr val="lt1"/>
+          </a:fontRef>
+        </p:style>
+        <p:txBody>
+          <a:bodyPr rtlCol="0" anchor="ctr"/>
+          <a:lstStyle/>
+          <a:p>
+            <a:pPr algn="ctr"/>
+            <a:r>
+              <a:rPr lang="en-GB" dirty="0">
+                <a:solidFill>
+                  <a:srgbClr val="C00000"/>
+                </a:solidFill>
+              </a:rPr>
+              <a:t>CB</a:t>
+            </a:r>
+          </a:p>
+        </p:txBody>
+      </p:sp>
+      <p:sp>
+        <p:nvSpPr>
+          <p:cNvPr id="43" name="Flowchart: Magnetic Disk 42">
+            <a:extLst>
+              <a:ext uri="{FF2B5EF4-FFF2-40B4-BE49-F238E27FC236}">
+                <a16:creationId xmlns:a16="http://schemas.microsoft.com/office/drawing/2014/main" id="{056080AE-A892-5184-3176-518F2C4EC1B8}"/>
+              </a:ext>
+            </a:extLst>
+          </p:cNvPr>
+          <p:cNvSpPr/>
+          <p:nvPr/>
+        </p:nvSpPr>
+        <p:spPr>
+          <a:xfrm>
+            <a:off x="2318122" y="3090996"/>
+            <a:ext cx="785270" cy="504056"/>
+          </a:xfrm>
+          <a:prstGeom prst="flowChartMagneticDisk">
+            <a:avLst/>
+          </a:prstGeom>
+          <a:noFill/>
+          <a:ln>
+            <a:solidFill>
+              <a:srgbClr val="C00000"/>
+            </a:solidFill>
+          </a:ln>
+        </p:spPr>
+        <p:style>
+          <a:lnRef idx="2">
+            <a:schemeClr val="accent1">
+              <a:shade val="15000"/>
+            </a:schemeClr>
+          </a:lnRef>
+          <a:fillRef idx="1">
+            <a:schemeClr val="accent1"/>
+          </a:fillRef>
+          <a:effectRef idx="0">
+            <a:schemeClr val="accent1"/>
+          </a:effectRef>
+          <a:fontRef idx="minor">
+            <a:schemeClr val="lt1"/>
+          </a:fontRef>
+        </p:style>
+        <p:txBody>
+          <a:bodyPr rtlCol="0" anchor="ctr"/>
+          <a:lstStyle/>
+          <a:p>
+            <a:pPr algn="ctr"/>
+            <a:r>
+              <a:rPr lang="en-GB" dirty="0">
+                <a:solidFill>
+                  <a:srgbClr val="C00000"/>
+                </a:solidFill>
+              </a:rPr>
+              <a:t>CB</a:t>
+            </a:r>
+          </a:p>
+        </p:txBody>
+      </p:sp>
+      <p:cxnSp>
+        <p:nvCxnSpPr>
+          <p:cNvPr id="44" name="Straight Arrow Connector 43">
+            <a:extLst>
+              <a:ext uri="{FF2B5EF4-FFF2-40B4-BE49-F238E27FC236}">
+                <a16:creationId xmlns:a16="http://schemas.microsoft.com/office/drawing/2014/main" id="{07CE4476-1B5F-FBB7-10D2-BB65989DC4D8}"/>
+              </a:ext>
+            </a:extLst>
+          </p:cNvPr>
+          <p:cNvCxnSpPr>
+            <a:cxnSpLocks/>
+            <a:stCxn id="42" idx="4"/>
+          </p:cNvCxnSpPr>
+          <p:nvPr/>
+        </p:nvCxnSpPr>
+        <p:spPr>
+          <a:xfrm>
+            <a:off x="3124804" y="1921621"/>
+            <a:ext cx="2457091" cy="666316"/>
+          </a:xfrm>
+          <a:prstGeom prst="straightConnector1">
+            <a:avLst/>
+          </a:prstGeom>
+          <a:ln w="22225">
+            <a:solidFill>
+              <a:srgbClr val="C00000"/>
+            </a:solidFill>
+            <a:tailEnd type="triangle"/>
+          </a:ln>
+        </p:spPr>
+        <p:style>
+          <a:lnRef idx="1">
+            <a:schemeClr val="accent1"/>
+          </a:lnRef>
+          <a:fillRef idx="0">
+            <a:schemeClr val="accent1"/>
+          </a:fillRef>
+          <a:effectRef idx="0">
+            <a:schemeClr val="accent1"/>
+          </a:effectRef>
+          <a:fontRef idx="minor">
+            <a:schemeClr val="tx1"/>
+          </a:fontRef>
+        </p:style>
+      </p:cxnSp>
+      <p:cxnSp>
+        <p:nvCxnSpPr>
+          <p:cNvPr id="45" name="Straight Arrow Connector 44">
+            <a:extLst>
+              <a:ext uri="{FF2B5EF4-FFF2-40B4-BE49-F238E27FC236}">
+                <a16:creationId xmlns:a16="http://schemas.microsoft.com/office/drawing/2014/main" id="{07A3468D-092D-1D78-1804-F7DA05B6DDD1}"/>
+              </a:ext>
+            </a:extLst>
+          </p:cNvPr>
+          <p:cNvCxnSpPr>
+            <a:cxnSpLocks/>
+            <a:stCxn id="43" idx="4"/>
+          </p:cNvCxnSpPr>
+          <p:nvPr/>
+        </p:nvCxnSpPr>
+        <p:spPr>
+          <a:xfrm flipV="1">
+            <a:off x="3103392" y="3241228"/>
+            <a:ext cx="2449195" cy="101796"/>
+          </a:xfrm>
+          <a:prstGeom prst="straightConnector1">
+            <a:avLst/>
+          </a:prstGeom>
+          <a:ln w="22225">
+            <a:solidFill>
+              <a:srgbClr val="C00000"/>
+            </a:solidFill>
+            <a:tailEnd type="triangle"/>
+          </a:ln>
+        </p:spPr>
+        <p:style>
+          <a:lnRef idx="1">
+            <a:schemeClr val="accent1"/>
+          </a:lnRef>
+          <a:fillRef idx="0">
+            <a:schemeClr val="accent1"/>
+          </a:fillRef>
+          <a:effectRef idx="0">
+            <a:schemeClr val="accent1"/>
+          </a:effectRef>
+          <a:fontRef idx="minor">
+            <a:schemeClr val="tx1"/>
+          </a:fontRef>
+        </p:style>
+      </p:cxnSp>
+      <p:sp>
+        <p:nvSpPr>
+          <p:cNvPr id="46" name="TextBox 45">
+            <a:extLst>
+              <a:ext uri="{FF2B5EF4-FFF2-40B4-BE49-F238E27FC236}">
+                <a16:creationId xmlns:a16="http://schemas.microsoft.com/office/drawing/2014/main" id="{05388794-8237-E85D-CD75-B213D4E25ECF}"/>
               </a:ext>
             </a:extLst>
           </p:cNvPr>
@@ -10075,9 +11228,9 @@
           <p:nvPr/>
         </p:nvSpPr>
         <p:spPr>
-          <a:xfrm>
-            <a:off x="5879976" y="6353093"/>
-            <a:ext cx="6192684" cy="369332"/>
+          <a:xfrm rot="857365">
+            <a:off x="3329440" y="1940882"/>
+            <a:ext cx="1946772" cy="307777"/>
           </a:xfrm>
           <a:prstGeom prst="rect">
             <a:avLst/>
@@ -10091,32 +11244,559 @@
           <a:lstStyle/>
           <a:p>
             <a:r>
-              <a:rPr lang="en-GB" i="1" dirty="0">
+              <a:rPr lang="en-GB" sz="1400" i="1" dirty="0">
                 <a:solidFill>
-                  <a:srgbClr val="FF0000"/>
+                  <a:srgbClr val="C00000"/>
                 </a:solidFill>
               </a:rPr>
-              <a:t>Vector unit uses the </a:t>
-            </a:r>
-            <a:r>
-              <a:rPr lang="en-GB" i="1" dirty="0" err="1">
+              <a:t>Explicit unpacker call </a:t>
+            </a:r>
+            <a:endParaRPr lang="en-GB" i="1" dirty="0">
+              <a:solidFill>
+                <a:srgbClr val="C00000"/>
+              </a:solidFill>
+            </a:endParaRPr>
+          </a:p>
+        </p:txBody>
+      </p:sp>
+      <p:sp>
+        <p:nvSpPr>
+          <p:cNvPr id="47" name="TextBox 46">
+            <a:extLst>
+              <a:ext uri="{FF2B5EF4-FFF2-40B4-BE49-F238E27FC236}">
+                <a16:creationId xmlns:a16="http://schemas.microsoft.com/office/drawing/2014/main" id="{3DDEAA1E-C3F0-08BA-E304-9DB923E24DFA}"/>
+              </a:ext>
+            </a:extLst>
+          </p:cNvPr>
+          <p:cNvSpPr txBox="1"/>
+          <p:nvPr/>
+        </p:nvSpPr>
+        <p:spPr>
+          <a:xfrm rot="21436798">
+            <a:off x="3272439" y="2956395"/>
+            <a:ext cx="1917356" cy="307777"/>
+          </a:xfrm>
+          <a:prstGeom prst="rect">
+            <a:avLst/>
+          </a:prstGeom>
+          <a:noFill/>
+        </p:spPr>
+        <p:txBody>
+          <a:bodyPr wrap="square" rtlCol="0">
+            <a:spAutoFit/>
+          </a:bodyPr>
+          <a:lstStyle/>
+          <a:p>
+            <a:r>
+              <a:rPr lang="en-GB" sz="1400" i="1" dirty="0">
                 <a:solidFill>
-                  <a:srgbClr val="FF0000"/>
+                  <a:srgbClr val="C00000"/>
                 </a:solidFill>
               </a:rPr>
-              <a:t>dst</a:t>
-            </a:r>
-            <a:r>
-              <a:rPr lang="en-GB" i="1" dirty="0">
+              <a:t>Explicit unpacker call </a:t>
+            </a:r>
+          </a:p>
+        </p:txBody>
+      </p:sp>
+      <p:sp>
+        <p:nvSpPr>
+          <p:cNvPr id="48" name="Flowchart: Magnetic Disk 47">
+            <a:extLst>
+              <a:ext uri="{FF2B5EF4-FFF2-40B4-BE49-F238E27FC236}">
+                <a16:creationId xmlns:a16="http://schemas.microsoft.com/office/drawing/2014/main" id="{B8B508A7-D67F-4C9E-8CF6-A2E417E42A8E}"/>
+              </a:ext>
+            </a:extLst>
+          </p:cNvPr>
+          <p:cNvSpPr/>
+          <p:nvPr/>
+        </p:nvSpPr>
+        <p:spPr>
+          <a:xfrm>
+            <a:off x="10974755" y="2531443"/>
+            <a:ext cx="785270" cy="504056"/>
+          </a:xfrm>
+          <a:prstGeom prst="flowChartMagneticDisk">
+            <a:avLst/>
+          </a:prstGeom>
+          <a:noFill/>
+          <a:ln>
+            <a:solidFill>
+              <a:srgbClr val="00B050"/>
+            </a:solidFill>
+          </a:ln>
+        </p:spPr>
+        <p:style>
+          <a:lnRef idx="2">
+            <a:schemeClr val="accent1">
+              <a:shade val="15000"/>
+            </a:schemeClr>
+          </a:lnRef>
+          <a:fillRef idx="1">
+            <a:schemeClr val="accent1"/>
+          </a:fillRef>
+          <a:effectRef idx="0">
+            <a:schemeClr val="accent1"/>
+          </a:effectRef>
+          <a:fontRef idx="minor">
+            <a:schemeClr val="lt1"/>
+          </a:fontRef>
+        </p:style>
+        <p:txBody>
+          <a:bodyPr rtlCol="0" anchor="ctr"/>
+          <a:lstStyle/>
+          <a:p>
+            <a:pPr algn="ctr"/>
+            <a:r>
+              <a:rPr lang="en-GB" dirty="0">
                 <a:solidFill>
-                  <a:srgbClr val="FF0000"/>
+                  <a:srgbClr val="00B050"/>
                 </a:solidFill>
               </a:rPr>
-              <a:t> registers for both inputs and output</a:t>
-            </a:r>
-          </a:p>
-        </p:txBody>
-      </p:sp>
+              <a:t>CB</a:t>
+            </a:r>
+          </a:p>
+        </p:txBody>
+      </p:sp>
+      <p:cxnSp>
+        <p:nvCxnSpPr>
+          <p:cNvPr id="49" name="Straight Arrow Connector 48">
+            <a:extLst>
+              <a:ext uri="{FF2B5EF4-FFF2-40B4-BE49-F238E27FC236}">
+                <a16:creationId xmlns:a16="http://schemas.microsoft.com/office/drawing/2014/main" id="{7D568EC6-D739-B692-E2A8-55186AE84453}"/>
+              </a:ext>
+            </a:extLst>
+          </p:cNvPr>
+          <p:cNvCxnSpPr>
+            <a:cxnSpLocks/>
+            <a:endCxn id="35" idx="1"/>
+          </p:cNvCxnSpPr>
+          <p:nvPr/>
+        </p:nvCxnSpPr>
+        <p:spPr>
+          <a:xfrm flipV="1">
+            <a:off x="6397481" y="1845948"/>
+            <a:ext cx="1039135" cy="874209"/>
+          </a:xfrm>
+          <a:prstGeom prst="straightConnector1">
+            <a:avLst/>
+          </a:prstGeom>
+          <a:ln w="22225">
+            <a:solidFill>
+              <a:srgbClr val="C00000"/>
+            </a:solidFill>
+            <a:tailEnd type="triangle"/>
+          </a:ln>
+        </p:spPr>
+        <p:style>
+          <a:lnRef idx="1">
+            <a:schemeClr val="accent1"/>
+          </a:lnRef>
+          <a:fillRef idx="0">
+            <a:schemeClr val="accent1"/>
+          </a:fillRef>
+          <a:effectRef idx="0">
+            <a:schemeClr val="accent1"/>
+          </a:effectRef>
+          <a:fontRef idx="minor">
+            <a:schemeClr val="tx1"/>
+          </a:fontRef>
+        </p:style>
+      </p:cxnSp>
+      <p:sp>
+        <p:nvSpPr>
+          <p:cNvPr id="50" name="TextBox 49">
+            <a:extLst>
+              <a:ext uri="{FF2B5EF4-FFF2-40B4-BE49-F238E27FC236}">
+                <a16:creationId xmlns:a16="http://schemas.microsoft.com/office/drawing/2014/main" id="{1866417A-4009-A973-CB24-544FDD4BC824}"/>
+              </a:ext>
+            </a:extLst>
+          </p:cNvPr>
+          <p:cNvSpPr txBox="1"/>
+          <p:nvPr/>
+        </p:nvSpPr>
+        <p:spPr>
+          <a:xfrm>
+            <a:off x="9138619" y="2525627"/>
+            <a:ext cx="1963702" cy="307777"/>
+          </a:xfrm>
+          <a:prstGeom prst="rect">
+            <a:avLst/>
+          </a:prstGeom>
+          <a:noFill/>
+        </p:spPr>
+        <p:txBody>
+          <a:bodyPr wrap="square" rtlCol="0">
+            <a:spAutoFit/>
+          </a:bodyPr>
+          <a:lstStyle/>
+          <a:p>
+            <a:r>
+              <a:rPr lang="en-GB" sz="1400" i="1" dirty="0">
+                <a:solidFill>
+                  <a:srgbClr val="00B050"/>
+                </a:solidFill>
+              </a:rPr>
+              <a:t>Explicit packer call</a:t>
+            </a:r>
+            <a:endParaRPr lang="en-GB" i="1" dirty="0">
+              <a:solidFill>
+                <a:srgbClr val="00B050"/>
+              </a:solidFill>
+            </a:endParaRPr>
+          </a:p>
+        </p:txBody>
+      </p:sp>
+      <p:grpSp>
+        <p:nvGrpSpPr>
+          <p:cNvPr id="54" name="Group 53">
+            <a:extLst>
+              <a:ext uri="{FF2B5EF4-FFF2-40B4-BE49-F238E27FC236}">
+                <a16:creationId xmlns:a16="http://schemas.microsoft.com/office/drawing/2014/main" id="{CD11996E-862E-13A6-EB46-1DF83AA408C9}"/>
+              </a:ext>
+            </a:extLst>
+          </p:cNvPr>
+          <p:cNvGrpSpPr/>
+          <p:nvPr/>
+        </p:nvGrpSpPr>
+        <p:grpSpPr>
+          <a:xfrm>
+            <a:off x="5361581" y="1953055"/>
+            <a:ext cx="1220750" cy="1825377"/>
+            <a:chOff x="7126529" y="1438125"/>
+            <a:chExt cx="1220750" cy="1825377"/>
+          </a:xfrm>
+        </p:grpSpPr>
+        <p:sp>
+          <p:nvSpPr>
+            <p:cNvPr id="33" name="Rectangle 32">
+              <a:extLst>
+                <a:ext uri="{FF2B5EF4-FFF2-40B4-BE49-F238E27FC236}">
+                  <a16:creationId xmlns:a16="http://schemas.microsoft.com/office/drawing/2014/main" id="{F8B72505-E883-02E2-CBB8-DDB2C6A8086F}"/>
+                </a:ext>
+              </a:extLst>
+            </p:cNvPr>
+            <p:cNvSpPr/>
+            <p:nvPr/>
+          </p:nvSpPr>
+          <p:spPr>
+            <a:xfrm>
+              <a:off x="7126529" y="1740939"/>
+              <a:ext cx="1220750" cy="1522563"/>
+            </a:xfrm>
+            <a:prstGeom prst="rect">
+              <a:avLst/>
+            </a:prstGeom>
+            <a:noFill/>
+            <a:ln>
+              <a:solidFill>
+                <a:schemeClr val="tx1"/>
+              </a:solidFill>
+              <a:prstDash val="dash"/>
+            </a:ln>
+          </p:spPr>
+          <p:style>
+            <a:lnRef idx="2">
+              <a:schemeClr val="accent1">
+                <a:shade val="15000"/>
+              </a:schemeClr>
+            </a:lnRef>
+            <a:fillRef idx="1">
+              <a:schemeClr val="accent1"/>
+            </a:fillRef>
+            <a:effectRef idx="0">
+              <a:schemeClr val="accent1"/>
+            </a:effectRef>
+            <a:fontRef idx="minor">
+              <a:schemeClr val="lt1"/>
+            </a:fontRef>
+          </p:style>
+          <p:txBody>
+            <a:bodyPr rtlCol="0" anchor="ctr"/>
+            <a:lstStyle/>
+            <a:p>
+              <a:pPr algn="ctr"/>
+              <a:endParaRPr lang="en-GB"/>
+            </a:p>
+          </p:txBody>
+        </p:sp>
+        <p:sp>
+          <p:nvSpPr>
+            <p:cNvPr id="38" name="Rectangle 37">
+              <a:extLst>
+                <a:ext uri="{FF2B5EF4-FFF2-40B4-BE49-F238E27FC236}">
+                  <a16:creationId xmlns:a16="http://schemas.microsoft.com/office/drawing/2014/main" id="{F3DFDE56-C046-09D6-4842-9F8ECDFD0E02}"/>
+                </a:ext>
+              </a:extLst>
+            </p:cNvPr>
+            <p:cNvSpPr/>
+            <p:nvPr/>
+          </p:nvSpPr>
+          <p:spPr>
+            <a:xfrm>
+              <a:off x="7346843" y="1997356"/>
+              <a:ext cx="785270" cy="933908"/>
+            </a:xfrm>
+            <a:prstGeom prst="rect">
+              <a:avLst/>
+            </a:prstGeom>
+            <a:noFill/>
+            <a:ln>
+              <a:solidFill>
+                <a:srgbClr val="00B050"/>
+              </a:solidFill>
+            </a:ln>
+          </p:spPr>
+          <p:style>
+            <a:lnRef idx="2">
+              <a:schemeClr val="accent1">
+                <a:shade val="15000"/>
+              </a:schemeClr>
+            </a:lnRef>
+            <a:fillRef idx="1">
+              <a:schemeClr val="accent1"/>
+            </a:fillRef>
+            <a:effectRef idx="0">
+              <a:schemeClr val="accent1"/>
+            </a:effectRef>
+            <a:fontRef idx="minor">
+              <a:schemeClr val="lt1"/>
+            </a:fontRef>
+          </p:style>
+          <p:txBody>
+            <a:bodyPr rtlCol="0" anchor="ctr"/>
+            <a:lstStyle/>
+            <a:p>
+              <a:pPr algn="ctr"/>
+              <a:r>
+                <a:rPr lang="en-GB" i="1" dirty="0" err="1">
+                  <a:solidFill>
+                    <a:srgbClr val="00B050"/>
+                  </a:solidFill>
+                </a:rPr>
+                <a:t>dst</a:t>
+              </a:r>
+              <a:endParaRPr lang="en-GB" i="1" dirty="0">
+                <a:solidFill>
+                  <a:srgbClr val="00B050"/>
+                </a:solidFill>
+              </a:endParaRPr>
+            </a:p>
+          </p:txBody>
+        </p:sp>
+        <p:sp>
+          <p:nvSpPr>
+            <p:cNvPr id="51" name="TextBox 50">
+              <a:extLst>
+                <a:ext uri="{FF2B5EF4-FFF2-40B4-BE49-F238E27FC236}">
+                  <a16:creationId xmlns:a16="http://schemas.microsoft.com/office/drawing/2014/main" id="{93666D04-B8C3-3985-CD29-9374ED8894F9}"/>
+                </a:ext>
+              </a:extLst>
+            </p:cNvPr>
+            <p:cNvSpPr txBox="1"/>
+            <p:nvPr/>
+          </p:nvSpPr>
+          <p:spPr>
+            <a:xfrm>
+              <a:off x="7317535" y="1438125"/>
+              <a:ext cx="1008112" cy="338554"/>
+            </a:xfrm>
+            <a:prstGeom prst="rect">
+              <a:avLst/>
+            </a:prstGeom>
+            <a:noFill/>
+          </p:spPr>
+          <p:txBody>
+            <a:bodyPr wrap="square" rtlCol="0">
+              <a:spAutoFit/>
+            </a:bodyPr>
+            <a:lstStyle/>
+            <a:p>
+              <a:r>
+                <a:rPr lang="en-GB" sz="1600" i="1" dirty="0"/>
+                <a:t>tile lock</a:t>
+              </a:r>
+            </a:p>
+          </p:txBody>
+        </p:sp>
+      </p:grpSp>
+      <p:cxnSp>
+        <p:nvCxnSpPr>
+          <p:cNvPr id="62" name="Straight Arrow Connector 61">
+            <a:extLst>
+              <a:ext uri="{FF2B5EF4-FFF2-40B4-BE49-F238E27FC236}">
+                <a16:creationId xmlns:a16="http://schemas.microsoft.com/office/drawing/2014/main" id="{A16E72CD-C7EE-0967-3798-C25155D0F7D1}"/>
+              </a:ext>
+            </a:extLst>
+          </p:cNvPr>
+          <p:cNvCxnSpPr>
+            <a:cxnSpLocks/>
+            <a:endCxn id="35" idx="1"/>
+          </p:cNvCxnSpPr>
+          <p:nvPr/>
+        </p:nvCxnSpPr>
+        <p:spPr>
+          <a:xfrm flipV="1">
+            <a:off x="6396473" y="1845948"/>
+            <a:ext cx="1040143" cy="1365832"/>
+          </a:xfrm>
+          <a:prstGeom prst="straightConnector1">
+            <a:avLst/>
+          </a:prstGeom>
+          <a:ln w="22225">
+            <a:solidFill>
+              <a:srgbClr val="C00000"/>
+            </a:solidFill>
+            <a:tailEnd type="triangle"/>
+          </a:ln>
+        </p:spPr>
+        <p:style>
+          <a:lnRef idx="1">
+            <a:schemeClr val="accent1"/>
+          </a:lnRef>
+          <a:fillRef idx="0">
+            <a:schemeClr val="accent1"/>
+          </a:fillRef>
+          <a:effectRef idx="0">
+            <a:schemeClr val="accent1"/>
+          </a:effectRef>
+          <a:fontRef idx="minor">
+            <a:schemeClr val="tx1"/>
+          </a:fontRef>
+        </p:style>
+      </p:cxnSp>
+      <p:cxnSp>
+        <p:nvCxnSpPr>
+          <p:cNvPr id="65" name="Straight Arrow Connector 64">
+            <a:extLst>
+              <a:ext uri="{FF2B5EF4-FFF2-40B4-BE49-F238E27FC236}">
+                <a16:creationId xmlns:a16="http://schemas.microsoft.com/office/drawing/2014/main" id="{1E003BBB-3C35-7C22-3372-12B5D45B04B8}"/>
+              </a:ext>
+            </a:extLst>
+          </p:cNvPr>
+          <p:cNvCxnSpPr>
+            <a:cxnSpLocks/>
+          </p:cNvCxnSpPr>
+          <p:nvPr/>
+        </p:nvCxnSpPr>
+        <p:spPr>
+          <a:xfrm>
+            <a:off x="9048328" y="1845947"/>
+            <a:ext cx="0" cy="842822"/>
+          </a:xfrm>
+          <a:prstGeom prst="straightConnector1">
+            <a:avLst/>
+          </a:prstGeom>
+          <a:ln w="22225">
+            <a:solidFill>
+              <a:srgbClr val="00B050"/>
+            </a:solidFill>
+            <a:tailEnd type="none"/>
+          </a:ln>
+        </p:spPr>
+        <p:style>
+          <a:lnRef idx="1">
+            <a:schemeClr val="accent1"/>
+          </a:lnRef>
+          <a:fillRef idx="0">
+            <a:schemeClr val="accent1"/>
+          </a:fillRef>
+          <a:effectRef idx="0">
+            <a:schemeClr val="accent1"/>
+          </a:effectRef>
+          <a:fontRef idx="minor">
+            <a:schemeClr val="tx1"/>
+          </a:fontRef>
+        </p:style>
+      </p:cxnSp>
+      <p:cxnSp>
+        <p:nvCxnSpPr>
+          <p:cNvPr id="68" name="Straight Arrow Connector 67">
+            <a:extLst>
+              <a:ext uri="{FF2B5EF4-FFF2-40B4-BE49-F238E27FC236}">
+                <a16:creationId xmlns:a16="http://schemas.microsoft.com/office/drawing/2014/main" id="{35A1D3EE-F76F-E714-2A03-3F28192D82B9}"/>
+              </a:ext>
+            </a:extLst>
+          </p:cNvPr>
+          <p:cNvCxnSpPr>
+            <a:cxnSpLocks/>
+          </p:cNvCxnSpPr>
+          <p:nvPr/>
+        </p:nvCxnSpPr>
+        <p:spPr>
+          <a:xfrm flipH="1">
+            <a:off x="6447384" y="2671154"/>
+            <a:ext cx="2600944" cy="17615"/>
+          </a:xfrm>
+          <a:prstGeom prst="straightConnector1">
+            <a:avLst/>
+          </a:prstGeom>
+          <a:ln w="22225">
+            <a:solidFill>
+              <a:srgbClr val="00B050"/>
+            </a:solidFill>
+            <a:tailEnd type="triangle"/>
+          </a:ln>
+        </p:spPr>
+        <p:style>
+          <a:lnRef idx="1">
+            <a:schemeClr val="accent1"/>
+          </a:lnRef>
+          <a:fillRef idx="0">
+            <a:schemeClr val="accent1"/>
+          </a:fillRef>
+          <a:effectRef idx="0">
+            <a:schemeClr val="accent1"/>
+          </a:effectRef>
+          <a:fontRef idx="minor">
+            <a:schemeClr val="tx1"/>
+          </a:fontRef>
+        </p:style>
+      </p:cxnSp>
+      <p:cxnSp>
+        <p:nvCxnSpPr>
+          <p:cNvPr id="80" name="Straight Arrow Connector 79">
+            <a:extLst>
+              <a:ext uri="{FF2B5EF4-FFF2-40B4-BE49-F238E27FC236}">
+                <a16:creationId xmlns:a16="http://schemas.microsoft.com/office/drawing/2014/main" id="{8D8AB9E7-C163-DF80-DE33-7FD3C3246539}"/>
+              </a:ext>
+            </a:extLst>
+          </p:cNvPr>
+          <p:cNvCxnSpPr>
+            <a:cxnSpLocks/>
+            <a:endCxn id="48" idx="2"/>
+          </p:cNvCxnSpPr>
+          <p:nvPr/>
+        </p:nvCxnSpPr>
+        <p:spPr>
+          <a:xfrm flipV="1">
+            <a:off x="6447384" y="2783471"/>
+            <a:ext cx="4527371" cy="8402"/>
+          </a:xfrm>
+          <a:prstGeom prst="straightConnector1">
+            <a:avLst/>
+          </a:prstGeom>
+          <a:ln w="22225">
+            <a:solidFill>
+              <a:srgbClr val="00B050"/>
+            </a:solidFill>
+            <a:tailEnd type="triangle"/>
+          </a:ln>
+        </p:spPr>
+        <p:style>
+          <a:lnRef idx="1">
+            <a:schemeClr val="accent1"/>
+          </a:lnRef>
+          <a:fillRef idx="0">
+            <a:schemeClr val="accent1"/>
+          </a:fillRef>
+          <a:effectRef idx="0">
+            <a:schemeClr val="accent1"/>
+          </a:effectRef>
+          <a:fontRef idx="minor">
+            <a:schemeClr val="tx1"/>
+          </a:fontRef>
+        </p:style>
+      </p:cxnSp>
     </p:spTree>
     <p:extLst>
       <p:ext uri="{BB962C8B-B14F-4D97-AF65-F5344CB8AC3E}">
@@ -10203,14 +11883,27 @@
           <a:p>
             <a:r>
               <a:rPr lang="en-GB" dirty="0"/>
-              <a:t>Need to initialise with the data type</a:t>
+              <a:t>Inputs are CBs and the output is a CB</a:t>
+            </a:r>
+          </a:p>
+          <a:p>
+            <a:endParaRPr lang="en-GB" dirty="0"/>
+          </a:p>
+          <a:p>
+            <a:r>
+              <a:rPr lang="en-GB" i="1" dirty="0" err="1"/>
+              <a:t>dst</a:t>
+            </a:r>
+            <a:r>
+              <a:rPr lang="en-GB" dirty="0"/>
+              <a:t> register is split into 16 segments</a:t>
             </a:r>
           </a:p>
           <a:p>
             <a:pPr lvl="1"/>
             <a:r>
               <a:rPr lang="en-GB" dirty="0"/>
-              <a:t>And reinitialise if change this</a:t>
+              <a:t>Matters more when using the vector unit</a:t>
             </a:r>
           </a:p>
           <a:p>
@@ -10220,37 +11913,19 @@
           <a:p>
             <a:r>
               <a:rPr lang="en-GB" dirty="0"/>
-              <a:t>Inputs are CBs and the output is a CB</a:t>
-            </a:r>
-          </a:p>
-          <a:p>
-            <a:endParaRPr lang="en-GB" dirty="0"/>
-          </a:p>
-          <a:p>
+              <a:t>Interaction with </a:t>
+            </a:r>
             <a:r>
               <a:rPr lang="en-GB" i="1" dirty="0" err="1"/>
               <a:t>dst</a:t>
             </a:r>
             <a:r>
+              <a:rPr lang="en-GB" i="1" dirty="0"/>
+              <a:t> </a:t>
+            </a:r>
+            <a:r>
               <a:rPr lang="en-GB" dirty="0"/>
-              <a:t> register is split into 16 segments</a:t>
-            </a:r>
-          </a:p>
-          <a:p>
-            <a:pPr lvl="1"/>
-            <a:r>
-              <a:rPr lang="en-GB" dirty="0"/>
-              <a:t>Matters more when using the vector unit</a:t>
-            </a:r>
-          </a:p>
-          <a:p>
-            <a:pPr lvl="1"/>
-            <a:endParaRPr lang="en-GB" dirty="0"/>
-          </a:p>
-          <a:p>
-            <a:r>
-              <a:rPr lang="en-GB" dirty="0"/>
-              <a:t>Need to acquire locks on the </a:t>
+              <a:t>is always explicit and you need to acquire locks on the </a:t>
             </a:r>
             <a:r>
               <a:rPr lang="en-GB" i="1" dirty="0" err="1"/>
